--- a/랩미팅/201906/190624 Machine Learning splitter (Jong).pptx
+++ b/랩미팅/201906/190624 Machine Learning splitter (Jong).pptx
@@ -5,14 +5,13 @@
     <p:sldMasterId id="2147483660" r:id="rId1"/>
   </p:sldMasterIdLst>
   <p:notesMasterIdLst>
-    <p:notesMasterId r:id="rId7"/>
+    <p:notesMasterId r:id="rId6"/>
   </p:notesMasterIdLst>
   <p:sldIdLst>
     <p:sldId id="322" r:id="rId2"/>
     <p:sldId id="325" r:id="rId3"/>
     <p:sldId id="329" r:id="rId4"/>
     <p:sldId id="327" r:id="rId5"/>
-    <p:sldId id="328" r:id="rId6"/>
   </p:sldIdLst>
   <p:sldSz cx="9144000" cy="6858000" type="screen4x3"/>
   <p:notesSz cx="6735763" cy="9866313"/>
@@ -201,7 +200,7 @@
           <a:p>
             <a:fld id="{A9D6DECA-6E4E-4D09-9277-E151A2E3F74C}" type="datetimeFigureOut">
               <a:rPr lang="ko-KR" altLang="en-US" smtClean="0"/>
-              <a:t>2019-06-21</a:t>
+              <a:t>2019-06-24</a:t>
             </a:fld>
             <a:endParaRPr lang="ko-KR" altLang="en-US"/>
           </a:p>
@@ -768,7 +767,7 @@
           <a:p>
             <a:fld id="{78E89258-A40F-4400-BA1A-638141289729}" type="datetime1">
               <a:rPr lang="ko-KR" altLang="en-US" smtClean="0"/>
-              <a:t>2019-06-21</a:t>
+              <a:t>2019-06-24</a:t>
             </a:fld>
             <a:endParaRPr lang="ko-KR" altLang="en-US"/>
           </a:p>
@@ -945,7 +944,7 @@
           <a:p>
             <a:fld id="{CD116CEF-802E-43F7-8932-78519DF2A264}" type="datetime1">
               <a:rPr lang="ko-KR" altLang="en-US" smtClean="0"/>
-              <a:t>2019-06-21</a:t>
+              <a:t>2019-06-24</a:t>
             </a:fld>
             <a:endParaRPr lang="ko-KR" altLang="en-US"/>
           </a:p>
@@ -1125,7 +1124,7 @@
           <a:p>
             <a:fld id="{EFD9D7C3-1982-427D-BFA7-1AF9687AAB0F}" type="datetime1">
               <a:rPr lang="ko-KR" altLang="en-US" smtClean="0"/>
-              <a:t>2019-06-21</a:t>
+              <a:t>2019-06-24</a:t>
             </a:fld>
             <a:endParaRPr lang="ko-KR" altLang="en-US"/>
           </a:p>
@@ -1295,7 +1294,7 @@
           <a:p>
             <a:fld id="{EDD93E7F-B437-40E5-8ACB-B79696783EFA}" type="datetime1">
               <a:rPr lang="ko-KR" altLang="en-US" smtClean="0"/>
-              <a:t>2019-06-21</a:t>
+              <a:t>2019-06-24</a:t>
             </a:fld>
             <a:endParaRPr lang="ko-KR" altLang="en-US"/>
           </a:p>
@@ -1539,7 +1538,7 @@
           <a:p>
             <a:fld id="{DB249950-0BD4-4F6E-BE3F-CB53B7E2FD06}" type="datetime1">
               <a:rPr lang="ko-KR" altLang="en-US" smtClean="0"/>
-              <a:t>2019-06-21</a:t>
+              <a:t>2019-06-24</a:t>
             </a:fld>
             <a:endParaRPr lang="ko-KR" altLang="en-US"/>
           </a:p>
@@ -1771,7 +1770,7 @@
           <a:p>
             <a:fld id="{7B016D7E-32C0-4DB3-B6B3-0506A62840FB}" type="datetime1">
               <a:rPr lang="ko-KR" altLang="en-US" smtClean="0"/>
-              <a:t>2019-06-21</a:t>
+              <a:t>2019-06-24</a:t>
             </a:fld>
             <a:endParaRPr lang="ko-KR" altLang="en-US"/>
           </a:p>
@@ -2138,7 +2137,7 @@
           <a:p>
             <a:fld id="{B246672D-B3FD-4B2E-92C0-4A80DA670927}" type="datetime1">
               <a:rPr lang="ko-KR" altLang="en-US" smtClean="0"/>
-              <a:t>2019-06-21</a:t>
+              <a:t>2019-06-24</a:t>
             </a:fld>
             <a:endParaRPr lang="ko-KR" altLang="en-US"/>
           </a:p>
@@ -2256,7 +2255,7 @@
           <a:p>
             <a:fld id="{9B9B7D2E-B202-4D7A-9519-0C490A04EB9C}" type="datetime1">
               <a:rPr lang="ko-KR" altLang="en-US" smtClean="0"/>
-              <a:t>2019-06-21</a:t>
+              <a:t>2019-06-24</a:t>
             </a:fld>
             <a:endParaRPr lang="ko-KR" altLang="en-US"/>
           </a:p>
@@ -2351,7 +2350,7 @@
           <a:p>
             <a:fld id="{12FB9327-987E-47D6-AE2D-63CED8A79494}" type="datetime1">
               <a:rPr lang="ko-KR" altLang="en-US" smtClean="0"/>
-              <a:t>2019-06-21</a:t>
+              <a:t>2019-06-24</a:t>
             </a:fld>
             <a:endParaRPr lang="ko-KR" altLang="en-US"/>
           </a:p>
@@ -2628,7 +2627,7 @@
           <a:p>
             <a:fld id="{D8D87011-7294-4632-A156-4F695AB9E41C}" type="datetime1">
               <a:rPr lang="ko-KR" altLang="en-US" smtClean="0"/>
-              <a:t>2019-06-21</a:t>
+              <a:t>2019-06-24</a:t>
             </a:fld>
             <a:endParaRPr lang="ko-KR" altLang="en-US"/>
           </a:p>
@@ -2885,7 +2884,7 @@
           <a:p>
             <a:fld id="{1BDC7FDB-72DE-4D65-AF4F-510496DAF70F}" type="datetime1">
               <a:rPr lang="ko-KR" altLang="en-US" smtClean="0"/>
-              <a:t>2019-06-21</a:t>
+              <a:t>2019-06-24</a:t>
             </a:fld>
             <a:endParaRPr lang="ko-KR" altLang="en-US"/>
           </a:p>
@@ -3098,7 +3097,7 @@
           <a:p>
             <a:fld id="{9A286DBF-DB43-470A-A903-26374CB6EF47}" type="datetime1">
               <a:rPr lang="ko-KR" altLang="en-US" smtClean="0"/>
-              <a:t>2019-06-21</a:t>
+              <a:t>2019-06-24</a:t>
             </a:fld>
             <a:endParaRPr lang="ko-KR" altLang="en-US"/>
           </a:p>
@@ -3521,7 +3520,7 @@
           <a:p>
             <a:fld id="{32C03489-23FC-4021-B9AB-958EFB3C0FE7}" type="datetime1">
               <a:rPr lang="ko-KR" altLang="en-US" smtClean="0"/>
-              <a:t>2019-06-21</a:t>
+              <a:t>2019-06-24</a:t>
             </a:fld>
             <a:endParaRPr lang="ko-KR" altLang="en-US"/>
           </a:p>
@@ -3596,8 +3595,8 @@
         </p:nvSpPr>
         <p:spPr>
           <a:xfrm>
-            <a:off x="5347681" y="935183"/>
-            <a:ext cx="3167669" cy="507831"/>
+            <a:off x="4937761" y="935183"/>
+            <a:ext cx="3577590" cy="507831"/>
           </a:xfrm>
           <a:prstGeom prst="rect">
             <a:avLst/>
@@ -3619,15 +3618,7 @@
             </a:pPr>
             <a:r>
               <a:rPr lang="en-US" altLang="ko-KR" dirty="0"/>
-              <a:t>S</a:t>
-            </a:r>
-            <a:r>
-              <a:rPr lang="en-US" altLang="ko-KR" dirty="0" smtClean="0"/>
-              <a:t>ymmetry </a:t>
-            </a:r>
-            <a:r>
-              <a:rPr lang="en-US" altLang="ko-KR" dirty="0"/>
-              <a:t>2D Power Splitter</a:t>
+              <a:t>2D Power Splitter with tapers</a:t>
             </a:r>
             <a:endParaRPr lang="ko-KR" altLang="en-US" dirty="0"/>
           </a:p>
@@ -3671,42 +3662,6 @@
           </a:p>
         </p:txBody>
       </p:sp>
-      <p:cxnSp>
-        <p:nvCxnSpPr>
-          <p:cNvPr id="7" name="직선 연결선 6"/>
-          <p:cNvCxnSpPr/>
-          <p:nvPr/>
-        </p:nvCxnSpPr>
-        <p:spPr>
-          <a:xfrm>
-            <a:off x="4572000" y="419793"/>
-            <a:ext cx="0" cy="6018415"/>
-          </a:xfrm>
-          <a:prstGeom prst="line">
-            <a:avLst/>
-          </a:prstGeom>
-          <a:ln w="76200">
-            <a:solidFill>
-              <a:schemeClr val="tx1"/>
-            </a:solidFill>
-            <a:prstDash val="dash"/>
-          </a:ln>
-        </p:spPr>
-        <p:style>
-          <a:lnRef idx="1">
-            <a:schemeClr val="dk1"/>
-          </a:lnRef>
-          <a:fillRef idx="0">
-            <a:schemeClr val="dk1"/>
-          </a:fillRef>
-          <a:effectRef idx="0">
-            <a:schemeClr val="dk1"/>
-          </a:effectRef>
-          <a:fontRef idx="minor">
-            <a:schemeClr val="tx1"/>
-          </a:fontRef>
-        </p:style>
-      </p:cxnSp>
       <p:sp>
         <p:nvSpPr>
           <p:cNvPr id="23" name="TextBox 22"/>
@@ -3715,7 +3670,7 @@
         </p:nvSpPr>
         <p:spPr>
           <a:xfrm>
-            <a:off x="628650" y="935183"/>
+            <a:off x="432704" y="935183"/>
             <a:ext cx="3826972" cy="507831"/>
           </a:xfrm>
           <a:prstGeom prst="rect">
@@ -3738,17 +3693,101 @@
             </a:pPr>
             <a:r>
               <a:rPr lang="en-US" altLang="ko-KR" dirty="0" smtClean="0"/>
-              <a:t>Asymmetry </a:t>
+              <a:t>2D </a:t>
             </a:r>
             <a:r>
               <a:rPr lang="en-US" altLang="ko-KR" dirty="0" smtClean="0"/>
-              <a:t>2D </a:t>
+              <a:t>Power </a:t>
             </a:r>
             <a:r>
               <a:rPr lang="en-US" altLang="ko-KR" dirty="0" smtClean="0"/>
-              <a:t>Power Splitter</a:t>
+              <a:t>Splitter with tapers</a:t>
             </a:r>
             <a:endParaRPr lang="ko-KR" altLang="en-US" dirty="0"/>
+          </a:p>
+        </p:txBody>
+      </p:sp>
+      <p:sp>
+        <p:nvSpPr>
+          <p:cNvPr id="4" name="직사각형 3"/>
+          <p:cNvSpPr/>
+          <p:nvPr/>
+        </p:nvSpPr>
+        <p:spPr>
+          <a:xfrm>
+            <a:off x="314325" y="304800"/>
+            <a:ext cx="3945351" cy="5915025"/>
+          </a:xfrm>
+          <a:prstGeom prst="rect">
+            <a:avLst/>
+          </a:prstGeom>
+          <a:noFill/>
+          <a:ln w="38100"/>
+        </p:spPr>
+        <p:style>
+          <a:lnRef idx="2">
+            <a:schemeClr val="accent1">
+              <a:shade val="50000"/>
+            </a:schemeClr>
+          </a:lnRef>
+          <a:fillRef idx="1">
+            <a:schemeClr val="accent1"/>
+          </a:fillRef>
+          <a:effectRef idx="0">
+            <a:schemeClr val="accent1"/>
+          </a:effectRef>
+          <a:fontRef idx="minor">
+            <a:schemeClr val="lt1"/>
+          </a:fontRef>
+        </p:style>
+        <p:txBody>
+          <a:bodyPr rtlCol="0" anchor="ctr"/>
+          <a:lstStyle/>
+          <a:p>
+            <a:pPr algn="ctr"/>
+            <a:endParaRPr lang="ko-KR" altLang="en-US"/>
+          </a:p>
+        </p:txBody>
+      </p:sp>
+      <p:sp>
+        <p:nvSpPr>
+          <p:cNvPr id="10" name="직사각형 9"/>
+          <p:cNvSpPr/>
+          <p:nvPr/>
+        </p:nvSpPr>
+        <p:spPr>
+          <a:xfrm>
+            <a:off x="4753880" y="304800"/>
+            <a:ext cx="3945351" cy="5915025"/>
+          </a:xfrm>
+          <a:prstGeom prst="rect">
+            <a:avLst/>
+          </a:prstGeom>
+          <a:noFill/>
+          <a:ln w="38100"/>
+        </p:spPr>
+        <p:style>
+          <a:lnRef idx="2">
+            <a:schemeClr val="accent1">
+              <a:shade val="50000"/>
+            </a:schemeClr>
+          </a:lnRef>
+          <a:fillRef idx="1">
+            <a:schemeClr val="accent1"/>
+          </a:fillRef>
+          <a:effectRef idx="0">
+            <a:schemeClr val="accent1"/>
+          </a:effectRef>
+          <a:fontRef idx="minor">
+            <a:schemeClr val="lt1"/>
+          </a:fontRef>
+        </p:style>
+        <p:txBody>
+          <a:bodyPr rtlCol="0" anchor="ctr"/>
+          <a:lstStyle/>
+          <a:p>
+            <a:pPr algn="ctr"/>
+            <a:endParaRPr lang="ko-KR" altLang="en-US"/>
           </a:p>
         </p:txBody>
       </p:sp>
@@ -3806,7 +3845,7 @@
           <a:p>
             <a:fld id="{32C03489-23FC-4021-B9AB-958EFB3C0FE7}" type="datetime1">
               <a:rPr lang="ko-KR" altLang="en-US" smtClean="0"/>
-              <a:t>2019-06-21</a:t>
+              <a:t>2019-06-24</a:t>
             </a:fld>
             <a:endParaRPr lang="ko-KR" altLang="en-US"/>
           </a:p>
@@ -4196,6 +4235,52 @@
           <a:chExt cx="0" cy="0"/>
         </a:xfrm>
       </p:grpSpPr>
+      <p:pic>
+        <p:nvPicPr>
+          <p:cNvPr id="17" name="그림 16"/>
+          <p:cNvPicPr>
+            <a:picLocks noChangeAspect="1"/>
+          </p:cNvPicPr>
+          <p:nvPr/>
+        </p:nvPicPr>
+        <p:blipFill rotWithShape="1">
+          <a:blip r:embed="rId2"/>
+          <a:srcRect l="34253" r="34607"/>
+          <a:stretch/>
+        </p:blipFill>
+        <p:spPr>
+          <a:xfrm>
+            <a:off x="2538420" y="571899"/>
+            <a:ext cx="1619250" cy="3600000"/>
+          </a:xfrm>
+          <a:prstGeom prst="rect">
+            <a:avLst/>
+          </a:prstGeom>
+        </p:spPr>
+      </p:pic>
+      <p:pic>
+        <p:nvPicPr>
+          <p:cNvPr id="18" name="그림 17"/>
+          <p:cNvPicPr>
+            <a:picLocks noChangeAspect="1"/>
+          </p:cNvPicPr>
+          <p:nvPr/>
+        </p:nvPicPr>
+        <p:blipFill rotWithShape="1">
+          <a:blip r:embed="rId3"/>
+          <a:srcRect l="34766" r="34529"/>
+          <a:stretch/>
+        </p:blipFill>
+        <p:spPr>
+          <a:xfrm>
+            <a:off x="581482" y="571899"/>
+            <a:ext cx="1600200" cy="3600000"/>
+          </a:xfrm>
+          <a:prstGeom prst="rect">
+            <a:avLst/>
+          </a:prstGeom>
+        </p:spPr>
+      </p:pic>
       <p:sp>
         <p:nvSpPr>
           <p:cNvPr id="3" name="날짜 개체 틀 2"/>
@@ -4213,7 +4298,7 @@
           <a:p>
             <a:fld id="{9B9B7D2E-B202-4D7A-9519-0C490A04EB9C}" type="datetime1">
               <a:rPr lang="ko-KR" altLang="en-US" smtClean="0"/>
-              <a:t>2019-06-21</a:t>
+              <a:t>2019-06-24</a:t>
             </a:fld>
             <a:endParaRPr lang="ko-KR" altLang="en-US"/>
           </a:p>
@@ -4270,21 +4355,361 @@
                   <a:srgbClr val="3333FF"/>
                 </a:solidFill>
               </a:rPr>
-              <a:t>2D Power </a:t>
-            </a:r>
-            <a:r>
-              <a:rPr lang="en-US" altLang="ko-KR" sz="2000" b="1" dirty="0" smtClean="0">
-                <a:solidFill>
-                  <a:srgbClr val="3333FF"/>
-                </a:solidFill>
-              </a:rPr>
-              <a:t>Splitter – FDTD Setting</a:t>
+              <a:t>2D Power Splitter – FDTD Setting</a:t>
             </a:r>
             <a:endParaRPr lang="ko-KR" altLang="en-US" sz="2000" b="1" dirty="0">
               <a:solidFill>
                 <a:srgbClr val="3333FF"/>
               </a:solidFill>
             </a:endParaRPr>
+          </a:p>
+        </p:txBody>
+      </p:sp>
+      <p:sp>
+        <p:nvSpPr>
+          <p:cNvPr id="6" name="TextBox 5"/>
+          <p:cNvSpPr txBox="1"/>
+          <p:nvPr/>
+        </p:nvSpPr>
+        <p:spPr>
+          <a:xfrm>
+            <a:off x="359929" y="4493175"/>
+            <a:ext cx="3998422" cy="1477328"/>
+          </a:xfrm>
+          <a:prstGeom prst="rect">
+            <a:avLst/>
+          </a:prstGeom>
+          <a:noFill/>
+        </p:spPr>
+        <p:txBody>
+          <a:bodyPr wrap="square" rtlCol="0">
+            <a:spAutoFit/>
+          </a:bodyPr>
+          <a:lstStyle/>
+          <a:p>
+            <a:pPr marL="285750" indent="-285750">
+              <a:buFontTx/>
+              <a:buChar char="-"/>
+            </a:pPr>
+            <a:r>
+              <a:rPr lang="en-US" altLang="ko-KR" dirty="0" smtClean="0"/>
+              <a:t>Simulation region: 250 ~ 350 um</a:t>
+            </a:r>
+          </a:p>
+          <a:p>
+            <a:pPr marL="285750" indent="-285750">
+              <a:buFontTx/>
+              <a:buChar char="-"/>
+            </a:pPr>
+            <a:r>
+              <a:rPr lang="en-US" altLang="ko-KR" dirty="0" smtClean="0"/>
+              <a:t>Waveguide thickness: 100 um</a:t>
+            </a:r>
+          </a:p>
+          <a:p>
+            <a:pPr marL="285750" indent="-285750">
+              <a:buFontTx/>
+              <a:buChar char="-"/>
+            </a:pPr>
+            <a:r>
+              <a:rPr lang="en-US" altLang="ko-KR" dirty="0" smtClean="0"/>
+              <a:t>Square: 500 um x 500 um</a:t>
+            </a:r>
+          </a:p>
+          <a:p>
+            <a:pPr marL="285750" indent="-285750">
+              <a:buFontTx/>
+              <a:buChar char="-"/>
+            </a:pPr>
+            <a:r>
+              <a:rPr lang="en-US" altLang="ko-KR" dirty="0" smtClean="0"/>
+              <a:t>Taper connection: 250 um</a:t>
+            </a:r>
+          </a:p>
+          <a:p>
+            <a:pPr marL="285750" indent="-285750">
+              <a:buFontTx/>
+              <a:buChar char="-"/>
+            </a:pPr>
+            <a:r>
+              <a:rPr lang="en-US" altLang="ko-KR" dirty="0" smtClean="0"/>
+              <a:t>Holes: 20x20 with a radius of 9 um</a:t>
+            </a:r>
+            <a:endParaRPr lang="ko-KR" altLang="en-US" dirty="0"/>
+          </a:p>
+        </p:txBody>
+      </p:sp>
+      <p:pic>
+        <p:nvPicPr>
+          <p:cNvPr id="9" name="그림 8"/>
+          <p:cNvPicPr>
+            <a:picLocks noChangeAspect="1"/>
+          </p:cNvPicPr>
+          <p:nvPr/>
+        </p:nvPicPr>
+        <p:blipFill>
+          <a:blip r:embed="rId4">
+            <a:extLst>
+              <a:ext uri="{28A0092B-C50C-407E-A947-70E740481C1C}">
+                <a14:useLocalDpi xmlns:a14="http://schemas.microsoft.com/office/drawing/2010/main" val="0"/>
+              </a:ext>
+            </a:extLst>
+          </a:blip>
+          <a:stretch>
+            <a:fillRect/>
+          </a:stretch>
+        </p:blipFill>
+        <p:spPr>
+          <a:xfrm>
+            <a:off x="4759190" y="418350"/>
+            <a:ext cx="3600000" cy="2239862"/>
+          </a:xfrm>
+          <a:prstGeom prst="rect">
+            <a:avLst/>
+          </a:prstGeom>
+        </p:spPr>
+      </p:pic>
+      <p:pic>
+        <p:nvPicPr>
+          <p:cNvPr id="10" name="그림 9"/>
+          <p:cNvPicPr>
+            <a:picLocks noChangeAspect="1"/>
+          </p:cNvPicPr>
+          <p:nvPr/>
+        </p:nvPicPr>
+        <p:blipFill>
+          <a:blip r:embed="rId5">
+            <a:extLst>
+              <a:ext uri="{28A0092B-C50C-407E-A947-70E740481C1C}">
+                <a14:useLocalDpi xmlns:a14="http://schemas.microsoft.com/office/drawing/2010/main" val="0"/>
+              </a:ext>
+            </a:extLst>
+          </a:blip>
+          <a:stretch>
+            <a:fillRect/>
+          </a:stretch>
+        </p:blipFill>
+        <p:spPr>
+          <a:xfrm>
+            <a:off x="4759190" y="2658212"/>
+            <a:ext cx="3600000" cy="2239861"/>
+          </a:xfrm>
+          <a:prstGeom prst="rect">
+            <a:avLst/>
+          </a:prstGeom>
+        </p:spPr>
+      </p:pic>
+      <p:sp>
+        <p:nvSpPr>
+          <p:cNvPr id="11" name="TextBox 10"/>
+          <p:cNvSpPr txBox="1"/>
+          <p:nvPr/>
+        </p:nvSpPr>
+        <p:spPr>
+          <a:xfrm>
+            <a:off x="552330" y="517206"/>
+            <a:ext cx="626038" cy="369332"/>
+          </a:xfrm>
+          <a:prstGeom prst="rect">
+            <a:avLst/>
+          </a:prstGeom>
+          <a:noFill/>
+        </p:spPr>
+        <p:txBody>
+          <a:bodyPr wrap="square" rtlCol="0">
+            <a:spAutoFit/>
+          </a:bodyPr>
+          <a:lstStyle/>
+          <a:p>
+            <a:r>
+              <a:rPr lang="en-US" altLang="ko-KR" dirty="0" smtClean="0">
+                <a:solidFill>
+                  <a:schemeClr val="bg1"/>
+                </a:solidFill>
+              </a:rPr>
+              <a:t>(a)-1</a:t>
+            </a:r>
+            <a:endParaRPr lang="ko-KR" altLang="en-US" dirty="0">
+              <a:solidFill>
+                <a:schemeClr val="bg1"/>
+              </a:solidFill>
+            </a:endParaRPr>
+          </a:p>
+        </p:txBody>
+      </p:sp>
+      <p:sp>
+        <p:nvSpPr>
+          <p:cNvPr id="12" name="TextBox 11"/>
+          <p:cNvSpPr txBox="1"/>
+          <p:nvPr/>
+        </p:nvSpPr>
+        <p:spPr>
+          <a:xfrm>
+            <a:off x="2538420" y="517206"/>
+            <a:ext cx="626038" cy="369332"/>
+          </a:xfrm>
+          <a:prstGeom prst="rect">
+            <a:avLst/>
+          </a:prstGeom>
+          <a:noFill/>
+        </p:spPr>
+        <p:txBody>
+          <a:bodyPr wrap="square" rtlCol="0">
+            <a:spAutoFit/>
+          </a:bodyPr>
+          <a:lstStyle/>
+          <a:p>
+            <a:r>
+              <a:rPr lang="en-US" altLang="ko-KR" dirty="0" smtClean="0">
+                <a:solidFill>
+                  <a:schemeClr val="bg1"/>
+                </a:solidFill>
+              </a:rPr>
+              <a:t>(a)-2</a:t>
+            </a:r>
+            <a:endParaRPr lang="ko-KR" altLang="en-US" dirty="0">
+              <a:solidFill>
+                <a:schemeClr val="bg1"/>
+              </a:solidFill>
+            </a:endParaRPr>
+          </a:p>
+        </p:txBody>
+      </p:sp>
+      <p:sp>
+        <p:nvSpPr>
+          <p:cNvPr id="13" name="TextBox 12"/>
+          <p:cNvSpPr txBox="1"/>
+          <p:nvPr/>
+        </p:nvSpPr>
+        <p:spPr>
+          <a:xfrm>
+            <a:off x="4962404" y="373895"/>
+            <a:ext cx="695445" cy="369332"/>
+          </a:xfrm>
+          <a:prstGeom prst="rect">
+            <a:avLst/>
+          </a:prstGeom>
+          <a:noFill/>
+        </p:spPr>
+        <p:txBody>
+          <a:bodyPr wrap="square" rtlCol="0">
+            <a:spAutoFit/>
+          </a:bodyPr>
+          <a:lstStyle/>
+          <a:p>
+            <a:r>
+              <a:rPr lang="en-US" altLang="ko-KR" dirty="0" smtClean="0"/>
+              <a:t>(b)-1</a:t>
+            </a:r>
+            <a:endParaRPr lang="ko-KR" altLang="en-US" dirty="0"/>
+          </a:p>
+        </p:txBody>
+      </p:sp>
+      <p:sp>
+        <p:nvSpPr>
+          <p:cNvPr id="14" name="TextBox 13"/>
+          <p:cNvSpPr txBox="1"/>
+          <p:nvPr/>
+        </p:nvSpPr>
+        <p:spPr>
+          <a:xfrm>
+            <a:off x="4962405" y="2689329"/>
+            <a:ext cx="695444" cy="369332"/>
+          </a:xfrm>
+          <a:prstGeom prst="rect">
+            <a:avLst/>
+          </a:prstGeom>
+          <a:noFill/>
+        </p:spPr>
+        <p:txBody>
+          <a:bodyPr wrap="square" rtlCol="0">
+            <a:spAutoFit/>
+          </a:bodyPr>
+          <a:lstStyle/>
+          <a:p>
+            <a:r>
+              <a:rPr lang="en-US" altLang="ko-KR" dirty="0" smtClean="0"/>
+              <a:t>(b)-2</a:t>
+            </a:r>
+            <a:endParaRPr lang="ko-KR" altLang="en-US" dirty="0"/>
+          </a:p>
+        </p:txBody>
+      </p:sp>
+      <p:sp>
+        <p:nvSpPr>
+          <p:cNvPr id="15" name="TextBox 14"/>
+          <p:cNvSpPr txBox="1"/>
+          <p:nvPr/>
+        </p:nvSpPr>
+        <p:spPr>
+          <a:xfrm>
+            <a:off x="6129990" y="202567"/>
+            <a:ext cx="1296463" cy="369332"/>
+          </a:xfrm>
+          <a:prstGeom prst="rect">
+            <a:avLst/>
+          </a:prstGeom>
+          <a:noFill/>
+        </p:spPr>
+        <p:txBody>
+          <a:bodyPr wrap="square" rtlCol="0">
+            <a:spAutoFit/>
+          </a:bodyPr>
+          <a:lstStyle/>
+          <a:p>
+            <a:r>
+              <a:rPr lang="en-US" altLang="ko-KR" dirty="0" smtClean="0"/>
+              <a:t>Output 1&amp;2</a:t>
+            </a:r>
+            <a:endParaRPr lang="ko-KR" altLang="en-US" dirty="0"/>
+          </a:p>
+        </p:txBody>
+      </p:sp>
+      <p:sp>
+        <p:nvSpPr>
+          <p:cNvPr id="16" name="위쪽 화살표 15"/>
+          <p:cNvSpPr/>
+          <p:nvPr/>
+        </p:nvSpPr>
+        <p:spPr>
+          <a:xfrm>
+            <a:off x="2216325" y="645279"/>
+            <a:ext cx="285630" cy="3383813"/>
+          </a:xfrm>
+          <a:prstGeom prst="upArrow">
+            <a:avLst/>
+          </a:prstGeom>
+          <a:solidFill>
+            <a:srgbClr val="FFFF00"/>
+          </a:solidFill>
+          <a:ln w="19050">
+            <a:solidFill>
+              <a:schemeClr val="tx1"/>
+            </a:solidFill>
+          </a:ln>
+        </p:spPr>
+        <p:style>
+          <a:lnRef idx="2">
+            <a:schemeClr val="accent1">
+              <a:shade val="50000"/>
+            </a:schemeClr>
+          </a:lnRef>
+          <a:fillRef idx="1">
+            <a:schemeClr val="accent1"/>
+          </a:fillRef>
+          <a:effectRef idx="0">
+            <a:schemeClr val="accent1"/>
+          </a:effectRef>
+          <a:fontRef idx="minor">
+            <a:schemeClr val="lt1"/>
+          </a:fontRef>
+        </p:style>
+        <p:txBody>
+          <a:bodyPr rtlCol="0" anchor="ctr"/>
+          <a:lstStyle/>
+          <a:p>
+            <a:pPr algn="ctr"/>
+            <a:endParaRPr lang="ko-KR" altLang="en-US"/>
           </a:p>
         </p:txBody>
       </p:sp>
@@ -4298,6 +4723,13 @@
   <p:clrMapOvr>
     <a:masterClrMapping/>
   </p:clrMapOvr>
+  <p:timing>
+    <p:tnLst>
+      <p:par>
+        <p:cTn id="1" dur="indefinite" restart="never" nodeType="tmRoot"/>
+      </p:par>
+    </p:tnLst>
+  </p:timing>
 </p:sld>
 </file>
 
@@ -4369,15 +4801,7 @@
                   <a:srgbClr val="3333FF"/>
                 </a:solidFill>
               </a:rPr>
-              <a:t>2D Power </a:t>
-            </a:r>
-            <a:r>
-              <a:rPr lang="en-US" altLang="ko-KR" sz="2000" b="1" dirty="0" smtClean="0">
-                <a:solidFill>
-                  <a:srgbClr val="3333FF"/>
-                </a:solidFill>
-              </a:rPr>
-              <a:t>Splitter – Machine Learning Setting</a:t>
+              <a:t>2D Power Splitter – Machine Learning Setting</a:t>
             </a:r>
             <a:endParaRPr lang="ko-KR" altLang="en-US" sz="2000" b="1" dirty="0">
               <a:solidFill>
@@ -5180,8 +5604,8 @@
           </a:fontRef>
         </p:style>
       </p:cxnSp>
-      <mc:AlternateContent xmlns:mc="http://schemas.openxmlformats.org/markup-compatibility/2006">
-        <mc:Choice xmlns:a14="http://schemas.microsoft.com/office/drawing/2010/main" Requires="a14">
+      <mc:AlternateContent xmlns:mc="http://schemas.openxmlformats.org/markup-compatibility/2006" xmlns:a14="http://schemas.microsoft.com/office/drawing/2010/main">
+        <mc:Choice Requires="a14">
           <p:sp>
             <p:nvSpPr>
               <p:cNvPr id="37" name="TextBox 36"/>
@@ -5283,7 +5707,7 @@
             </p:txBody>
           </p:sp>
         </mc:Choice>
-        <mc:Fallback>
+        <mc:Fallback xmlns="">
           <p:sp>
             <p:nvSpPr>
               <p:cNvPr id="37" name="TextBox 36"/>
@@ -5382,8 +5806,8 @@
           </a:p>
         </p:txBody>
       </p:sp>
-      <mc:AlternateContent xmlns:mc="http://schemas.openxmlformats.org/markup-compatibility/2006">
-        <mc:Choice xmlns:a14="http://schemas.microsoft.com/office/drawing/2010/main" Requires="a14">
+      <mc:AlternateContent xmlns:mc="http://schemas.openxmlformats.org/markup-compatibility/2006" xmlns:a14="http://schemas.microsoft.com/office/drawing/2010/main">
+        <mc:Choice Requires="a14">
           <p:sp>
             <p:nvSpPr>
               <p:cNvPr id="41" name="직사각형 40"/>
@@ -5520,7 +5944,7 @@
             </p:txBody>
           </p:sp>
         </mc:Choice>
-        <mc:Fallback>
+        <mc:Fallback xmlns="">
           <p:sp>
             <p:nvSpPr>
               <p:cNvPr id="41" name="직사각형 40"/>
@@ -5569,157 +5993,13 @@
   <p:clrMapOvr>
     <a:masterClrMapping/>
   </p:clrMapOvr>
-</p:sld>
-</file>
-
-<file path=ppt/slides/slide5.xml><?xml version="1.0" encoding="utf-8"?>
-<p:sld xmlns:a="http://schemas.openxmlformats.org/drawingml/2006/main" xmlns:r="http://schemas.openxmlformats.org/officeDocument/2006/relationships" xmlns:p="http://schemas.openxmlformats.org/presentationml/2006/main">
-  <p:cSld>
-    <p:spTree>
-      <p:nvGrpSpPr>
-        <p:cNvPr id="1" name=""/>
-        <p:cNvGrpSpPr/>
-        <p:nvPr/>
-      </p:nvGrpSpPr>
-      <p:grpSpPr>
-        <a:xfrm>
-          <a:off x="0" y="0"/>
-          <a:ext cx="0" cy="0"/>
-          <a:chOff x="0" y="0"/>
-          <a:chExt cx="0" cy="0"/>
-        </a:xfrm>
-      </p:grpSpPr>
-      <p:sp>
-        <p:nvSpPr>
-          <p:cNvPr id="3" name="날짜 개체 틀 2"/>
-          <p:cNvSpPr>
-            <a:spLocks noGrp="1"/>
-          </p:cNvSpPr>
-          <p:nvPr>
-            <p:ph type="dt" sz="half" idx="10"/>
-          </p:nvPr>
-        </p:nvSpPr>
-        <p:spPr/>
-        <p:txBody>
-          <a:bodyPr/>
-          <a:lstStyle/>
-          <a:p>
-            <a:fld id="{9B9B7D2E-B202-4D7A-9519-0C490A04EB9C}" type="datetime1">
-              <a:rPr lang="ko-KR" altLang="en-US" smtClean="0"/>
-              <a:t>2019-06-21</a:t>
-            </a:fld>
-            <a:endParaRPr lang="ko-KR" altLang="en-US"/>
-          </a:p>
-        </p:txBody>
-      </p:sp>
-      <p:sp>
-        <p:nvSpPr>
-          <p:cNvPr id="4" name="슬라이드 번호 개체 틀 3"/>
-          <p:cNvSpPr>
-            <a:spLocks noGrp="1"/>
-          </p:cNvSpPr>
-          <p:nvPr>
-            <p:ph type="sldNum" sz="quarter" idx="12"/>
-          </p:nvPr>
-        </p:nvSpPr>
-        <p:spPr/>
-        <p:txBody>
-          <a:bodyPr/>
-          <a:lstStyle/>
-          <a:p>
-            <a:fld id="{8765F8EB-1186-4395-8E70-F957669279DD}" type="slidenum">
-              <a:rPr lang="ko-KR" altLang="en-US" smtClean="0"/>
-              <a:t>5</a:t>
-            </a:fld>
-            <a:endParaRPr lang="ko-KR" altLang="en-US"/>
-          </a:p>
-        </p:txBody>
-      </p:sp>
-      <p:sp>
-        <p:nvSpPr>
-          <p:cNvPr id="5" name="TextBox 4"/>
-          <p:cNvSpPr txBox="1"/>
-          <p:nvPr/>
-        </p:nvSpPr>
-        <p:spPr>
-          <a:xfrm>
-            <a:off x="0" y="2512"/>
-            <a:ext cx="2850845" cy="400110"/>
-          </a:xfrm>
-          <a:prstGeom prst="rect">
-            <a:avLst/>
-          </a:prstGeom>
-          <a:noFill/>
-        </p:spPr>
-        <p:txBody>
-          <a:bodyPr wrap="none" rtlCol="0">
-            <a:spAutoFit/>
-          </a:bodyPr>
-          <a:lstStyle/>
-          <a:p>
-            <a:r>
-              <a:rPr lang="en-US" altLang="ko-KR" sz="2000" b="1" dirty="0" smtClean="0">
-                <a:solidFill>
-                  <a:srgbClr val="3333FF"/>
-                </a:solidFill>
-              </a:rPr>
-              <a:t>2D Power </a:t>
-            </a:r>
-            <a:r>
-              <a:rPr lang="en-US" altLang="ko-KR" sz="2000" b="1" dirty="0" smtClean="0">
-                <a:solidFill>
-                  <a:srgbClr val="3333FF"/>
-                </a:solidFill>
-              </a:rPr>
-              <a:t>Splitter - result</a:t>
-            </a:r>
-            <a:endParaRPr lang="ko-KR" altLang="en-US" sz="2000" b="1" dirty="0">
-              <a:solidFill>
-                <a:srgbClr val="3333FF"/>
-              </a:solidFill>
-            </a:endParaRPr>
-          </a:p>
-        </p:txBody>
-      </p:sp>
-      <p:pic>
-        <p:nvPicPr>
-          <p:cNvPr id="6" name="그림 5"/>
-          <p:cNvPicPr>
-            <a:picLocks noChangeAspect="1"/>
-          </p:cNvPicPr>
-          <p:nvPr/>
-        </p:nvPicPr>
-        <p:blipFill rotWithShape="1">
-          <a:blip r:embed="rId2">
-            <a:extLst>
-              <a:ext uri="{28A0092B-C50C-407E-A947-70E740481C1C}">
-                <a14:useLocalDpi xmlns:a14="http://schemas.microsoft.com/office/drawing/2010/main" val="0"/>
-              </a:ext>
-            </a:extLst>
-          </a:blip>
-          <a:srcRect l="15341" t="10134" r="19034" b="5776"/>
-          <a:stretch/>
-        </p:blipFill>
-        <p:spPr>
-          <a:xfrm>
-            <a:off x="1176672" y="897776"/>
-            <a:ext cx="3018756" cy="2901142"/>
-          </a:xfrm>
-          <a:prstGeom prst="rect">
-            <a:avLst/>
-          </a:prstGeom>
-        </p:spPr>
-      </p:pic>
-    </p:spTree>
-    <p:extLst>
-      <p:ext uri="{BB962C8B-B14F-4D97-AF65-F5344CB8AC3E}">
-        <p14:creationId xmlns:p14="http://schemas.microsoft.com/office/powerpoint/2010/main" val="545648102"/>
-      </p:ext>
-    </p:extLst>
-  </p:cSld>
-  <p:clrMapOvr>
-    <a:masterClrMapping/>
-  </p:clrMapOvr>
+  <p:timing>
+    <p:tnLst>
+      <p:par>
+        <p:cTn id="1" dur="indefinite" restart="never" nodeType="tmRoot"/>
+      </p:par>
+    </p:tnLst>
+  </p:timing>
 </p:sld>
 </file>
 

--- a/랩미팅/201906/190624 Machine Learning splitter (Jong).pptx
+++ b/랩미팅/201906/190624 Machine Learning splitter (Jong).pptx
@@ -9,9 +9,9 @@
   </p:notesMasterIdLst>
   <p:sldIdLst>
     <p:sldId id="322" r:id="rId2"/>
-    <p:sldId id="325" r:id="rId3"/>
-    <p:sldId id="329" r:id="rId4"/>
-    <p:sldId id="327" r:id="rId5"/>
+    <p:sldId id="330" r:id="rId3"/>
+    <p:sldId id="331" r:id="rId4"/>
+    <p:sldId id="329" r:id="rId5"/>
   </p:sldIdLst>
   <p:sldSz cx="9144000" cy="6858000" type="screen4x3"/>
   <p:notesSz cx="6735763" cy="9866313"/>
@@ -200,7 +200,7 @@
           <a:p>
             <a:fld id="{A9D6DECA-6E4E-4D09-9277-E151A2E3F74C}" type="datetimeFigureOut">
               <a:rPr lang="ko-KR" altLang="en-US" smtClean="0"/>
-              <a:t>2019-06-24</a:t>
+              <a:t>2019-06-27</a:t>
             </a:fld>
             <a:endParaRPr lang="ko-KR" altLang="en-US"/>
           </a:p>
@@ -552,90 +552,6 @@
 </p:notes>
 </file>
 
-<file path=ppt/notesSlides/notesSlide2.xml><?xml version="1.0" encoding="utf-8"?>
-<p:notes xmlns:a="http://schemas.openxmlformats.org/drawingml/2006/main" xmlns:r="http://schemas.openxmlformats.org/officeDocument/2006/relationships" xmlns:p="http://schemas.openxmlformats.org/presentationml/2006/main">
-  <p:cSld>
-    <p:spTree>
-      <p:nvGrpSpPr>
-        <p:cNvPr id="1" name=""/>
-        <p:cNvGrpSpPr/>
-        <p:nvPr/>
-      </p:nvGrpSpPr>
-      <p:grpSpPr>
-        <a:xfrm>
-          <a:off x="0" y="0"/>
-          <a:ext cx="0" cy="0"/>
-          <a:chOff x="0" y="0"/>
-          <a:chExt cx="0" cy="0"/>
-        </a:xfrm>
-      </p:grpSpPr>
-      <p:sp>
-        <p:nvSpPr>
-          <p:cNvPr id="2" name="슬라이드 이미지 개체 틀 1"/>
-          <p:cNvSpPr>
-            <a:spLocks noGrp="1" noRot="1" noChangeAspect="1"/>
-          </p:cNvSpPr>
-          <p:nvPr>
-            <p:ph type="sldImg"/>
-          </p:nvPr>
-        </p:nvSpPr>
-        <p:spPr/>
-      </p:sp>
-      <p:sp>
-        <p:nvSpPr>
-          <p:cNvPr id="3" name="슬라이드 노트 개체 틀 2"/>
-          <p:cNvSpPr>
-            <a:spLocks noGrp="1"/>
-          </p:cNvSpPr>
-          <p:nvPr>
-            <p:ph type="body" idx="1"/>
-          </p:nvPr>
-        </p:nvSpPr>
-        <p:spPr/>
-        <p:txBody>
-          <a:bodyPr/>
-          <a:lstStyle/>
-          <a:p>
-            <a:endParaRPr lang="ko-KR" altLang="en-US"/>
-          </a:p>
-        </p:txBody>
-      </p:sp>
-      <p:sp>
-        <p:nvSpPr>
-          <p:cNvPr id="4" name="슬라이드 번호 개체 틀 3"/>
-          <p:cNvSpPr>
-            <a:spLocks noGrp="1"/>
-          </p:cNvSpPr>
-          <p:nvPr>
-            <p:ph type="sldNum" sz="quarter" idx="10"/>
-          </p:nvPr>
-        </p:nvSpPr>
-        <p:spPr/>
-        <p:txBody>
-          <a:bodyPr/>
-          <a:lstStyle/>
-          <a:p>
-            <a:fld id="{6D0ABE42-EEBB-47F0-BC6E-2BB25FA03CFE}" type="slidenum">
-              <a:rPr lang="ko-KR" altLang="en-US" smtClean="0"/>
-              <a:t>2</a:t>
-            </a:fld>
-            <a:endParaRPr lang="ko-KR" altLang="en-US"/>
-          </a:p>
-        </p:txBody>
-      </p:sp>
-    </p:spTree>
-    <p:extLst>
-      <p:ext uri="{BB962C8B-B14F-4D97-AF65-F5344CB8AC3E}">
-        <p14:creationId xmlns:p14="http://schemas.microsoft.com/office/powerpoint/2010/main" val="4086468010"/>
-      </p:ext>
-    </p:extLst>
-  </p:cSld>
-  <p:clrMapOvr>
-    <a:masterClrMapping/>
-  </p:clrMapOvr>
-</p:notes>
-</file>
-
 <file path=ppt/slideLayouts/slideLayout1.xml><?xml version="1.0" encoding="utf-8"?>
 <p:sldLayout xmlns:a="http://schemas.openxmlformats.org/drawingml/2006/main" xmlns:r="http://schemas.openxmlformats.org/officeDocument/2006/relationships" xmlns:p="http://schemas.openxmlformats.org/presentationml/2006/main" type="title" preserve="1">
   <p:cSld name="제목 슬라이드">
@@ -767,7 +683,7 @@
           <a:p>
             <a:fld id="{78E89258-A40F-4400-BA1A-638141289729}" type="datetime1">
               <a:rPr lang="ko-KR" altLang="en-US" smtClean="0"/>
-              <a:t>2019-06-24</a:t>
+              <a:t>2019-06-27</a:t>
             </a:fld>
             <a:endParaRPr lang="ko-KR" altLang="en-US"/>
           </a:p>
@@ -944,7 +860,7 @@
           <a:p>
             <a:fld id="{CD116CEF-802E-43F7-8932-78519DF2A264}" type="datetime1">
               <a:rPr lang="ko-KR" altLang="en-US" smtClean="0"/>
-              <a:t>2019-06-24</a:t>
+              <a:t>2019-06-27</a:t>
             </a:fld>
             <a:endParaRPr lang="ko-KR" altLang="en-US"/>
           </a:p>
@@ -1124,7 +1040,7 @@
           <a:p>
             <a:fld id="{EFD9D7C3-1982-427D-BFA7-1AF9687AAB0F}" type="datetime1">
               <a:rPr lang="ko-KR" altLang="en-US" smtClean="0"/>
-              <a:t>2019-06-24</a:t>
+              <a:t>2019-06-27</a:t>
             </a:fld>
             <a:endParaRPr lang="ko-KR" altLang="en-US"/>
           </a:p>
@@ -1294,7 +1210,7 @@
           <a:p>
             <a:fld id="{EDD93E7F-B437-40E5-8ACB-B79696783EFA}" type="datetime1">
               <a:rPr lang="ko-KR" altLang="en-US" smtClean="0"/>
-              <a:t>2019-06-24</a:t>
+              <a:t>2019-06-27</a:t>
             </a:fld>
             <a:endParaRPr lang="ko-KR" altLang="en-US"/>
           </a:p>
@@ -1538,7 +1454,7 @@
           <a:p>
             <a:fld id="{DB249950-0BD4-4F6E-BE3F-CB53B7E2FD06}" type="datetime1">
               <a:rPr lang="ko-KR" altLang="en-US" smtClean="0"/>
-              <a:t>2019-06-24</a:t>
+              <a:t>2019-06-27</a:t>
             </a:fld>
             <a:endParaRPr lang="ko-KR" altLang="en-US"/>
           </a:p>
@@ -1770,7 +1686,7 @@
           <a:p>
             <a:fld id="{7B016D7E-32C0-4DB3-B6B3-0506A62840FB}" type="datetime1">
               <a:rPr lang="ko-KR" altLang="en-US" smtClean="0"/>
-              <a:t>2019-06-24</a:t>
+              <a:t>2019-06-27</a:t>
             </a:fld>
             <a:endParaRPr lang="ko-KR" altLang="en-US"/>
           </a:p>
@@ -2137,7 +2053,7 @@
           <a:p>
             <a:fld id="{B246672D-B3FD-4B2E-92C0-4A80DA670927}" type="datetime1">
               <a:rPr lang="ko-KR" altLang="en-US" smtClean="0"/>
-              <a:t>2019-06-24</a:t>
+              <a:t>2019-06-27</a:t>
             </a:fld>
             <a:endParaRPr lang="ko-KR" altLang="en-US"/>
           </a:p>
@@ -2255,7 +2171,7 @@
           <a:p>
             <a:fld id="{9B9B7D2E-B202-4D7A-9519-0C490A04EB9C}" type="datetime1">
               <a:rPr lang="ko-KR" altLang="en-US" smtClean="0"/>
-              <a:t>2019-06-24</a:t>
+              <a:t>2019-06-27</a:t>
             </a:fld>
             <a:endParaRPr lang="ko-KR" altLang="en-US"/>
           </a:p>
@@ -2350,7 +2266,7 @@
           <a:p>
             <a:fld id="{12FB9327-987E-47D6-AE2D-63CED8A79494}" type="datetime1">
               <a:rPr lang="ko-KR" altLang="en-US" smtClean="0"/>
-              <a:t>2019-06-24</a:t>
+              <a:t>2019-06-27</a:t>
             </a:fld>
             <a:endParaRPr lang="ko-KR" altLang="en-US"/>
           </a:p>
@@ -2627,7 +2543,7 @@
           <a:p>
             <a:fld id="{D8D87011-7294-4632-A156-4F695AB9E41C}" type="datetime1">
               <a:rPr lang="ko-KR" altLang="en-US" smtClean="0"/>
-              <a:t>2019-06-24</a:t>
+              <a:t>2019-06-27</a:t>
             </a:fld>
             <a:endParaRPr lang="ko-KR" altLang="en-US"/>
           </a:p>
@@ -2884,7 +2800,7 @@
           <a:p>
             <a:fld id="{1BDC7FDB-72DE-4D65-AF4F-510496DAF70F}" type="datetime1">
               <a:rPr lang="ko-KR" altLang="en-US" smtClean="0"/>
-              <a:t>2019-06-24</a:t>
+              <a:t>2019-06-27</a:t>
             </a:fld>
             <a:endParaRPr lang="ko-KR" altLang="en-US"/>
           </a:p>
@@ -3097,7 +3013,7 @@
           <a:p>
             <a:fld id="{9A286DBF-DB43-470A-A903-26374CB6EF47}" type="datetime1">
               <a:rPr lang="ko-KR" altLang="en-US" smtClean="0"/>
-              <a:t>2019-06-24</a:t>
+              <a:t>2019-06-27</a:t>
             </a:fld>
             <a:endParaRPr lang="ko-KR" altLang="en-US"/>
           </a:p>
@@ -3520,7 +3436,7 @@
           <a:p>
             <a:fld id="{32C03489-23FC-4021-B9AB-958EFB3C0FE7}" type="datetime1">
               <a:rPr lang="ko-KR" altLang="en-US" smtClean="0"/>
-              <a:t>2019-06-24</a:t>
+              <a:t>2019-06-27</a:t>
             </a:fld>
             <a:endParaRPr lang="ko-KR" altLang="en-US"/>
           </a:p>
@@ -3618,7 +3534,11 @@
             </a:pPr>
             <a:r>
               <a:rPr lang="en-US" altLang="ko-KR" dirty="0"/>
-              <a:t>2D Power Splitter with tapers</a:t>
+              <a:t>2D Power </a:t>
+            </a:r>
+            <a:r>
+              <a:rPr lang="en-US" altLang="ko-KR" dirty="0" smtClean="0"/>
+              <a:t>Splitter</a:t>
             </a:r>
             <a:endParaRPr lang="ko-KR" altLang="en-US" dirty="0"/>
           </a:p>
@@ -3671,7 +3591,7 @@
         <p:spPr>
           <a:xfrm>
             <a:off x="432704" y="935183"/>
-            <a:ext cx="3826972" cy="507831"/>
+            <a:ext cx="3826972" cy="464871"/>
           </a:xfrm>
           <a:prstGeom prst="rect">
             <a:avLst/>
@@ -3693,15 +3613,11 @@
             </a:pPr>
             <a:r>
               <a:rPr lang="en-US" altLang="ko-KR" dirty="0" smtClean="0"/>
-              <a:t>2D </a:t>
+              <a:t>2D Power </a:t>
             </a:r>
             <a:r>
               <a:rPr lang="en-US" altLang="ko-KR" dirty="0" smtClean="0"/>
-              <a:t>Power </a:t>
-            </a:r>
-            <a:r>
-              <a:rPr lang="en-US" altLang="ko-KR" dirty="0" smtClean="0"/>
-              <a:t>Splitter with tapers</a:t>
+              <a:t>Splitter</a:t>
             </a:r>
             <a:endParaRPr lang="ko-KR" altLang="en-US" dirty="0"/>
           </a:p>
@@ -3830,7 +3746,7 @@
       </p:grpSpPr>
       <p:sp>
         <p:nvSpPr>
-          <p:cNvPr id="2" name="날짜 개체 틀 1"/>
+          <p:cNvPr id="3" name="날짜 개체 틀 2"/>
           <p:cNvSpPr>
             <a:spLocks noGrp="1"/>
           </p:cNvSpPr>
@@ -3843,9 +3759,9 @@
           <a:bodyPr/>
           <a:lstStyle/>
           <a:p>
-            <a:fld id="{32C03489-23FC-4021-B9AB-958EFB3C0FE7}" type="datetime1">
-              <a:rPr lang="ko-KR" altLang="en-US" smtClean="0"/>
-              <a:t>2019-06-24</a:t>
+            <a:fld id="{9B9B7D2E-B202-4D7A-9519-0C490A04EB9C}" type="datetime1">
+              <a:rPr lang="ko-KR" altLang="en-US" smtClean="0"/>
+              <a:t>2019-06-27</a:t>
             </a:fld>
             <a:endParaRPr lang="ko-KR" altLang="en-US"/>
           </a:p>
@@ -3853,7 +3769,7 @@
       </p:sp>
       <p:sp>
         <p:nvSpPr>
-          <p:cNvPr id="3" name="슬라이드 번호 개체 틀 2"/>
+          <p:cNvPr id="4" name="슬라이드 번호 개체 틀 3"/>
           <p:cNvSpPr>
             <a:spLocks noGrp="1"/>
           </p:cNvSpPr>
@@ -3876,14 +3792,296 @@
       </p:sp>
       <p:sp>
         <p:nvSpPr>
+          <p:cNvPr id="5" name="TextBox 4"/>
+          <p:cNvSpPr txBox="1"/>
+          <p:nvPr/>
+        </p:nvSpPr>
+        <p:spPr>
+          <a:xfrm>
+            <a:off x="0" y="2512"/>
+            <a:ext cx="3354573" cy="400110"/>
+          </a:xfrm>
+          <a:prstGeom prst="rect">
+            <a:avLst/>
+          </a:prstGeom>
+          <a:noFill/>
+        </p:spPr>
+        <p:txBody>
+          <a:bodyPr wrap="none" rtlCol="0">
+            <a:spAutoFit/>
+          </a:bodyPr>
+          <a:lstStyle/>
+          <a:p>
+            <a:r>
+              <a:rPr lang="en-US" altLang="ko-KR" sz="2000" b="1" dirty="0" smtClean="0">
+                <a:solidFill>
+                  <a:srgbClr val="3333FF"/>
+                </a:solidFill>
+              </a:rPr>
+              <a:t>2D Power Splitter – </a:t>
+            </a:r>
+            <a:r>
+              <a:rPr lang="en-US" altLang="ko-KR" sz="2000" b="1" dirty="0" smtClean="0">
+                <a:solidFill>
+                  <a:srgbClr val="3333FF"/>
+                </a:solidFill>
+              </a:rPr>
+              <a:t>Algorithm</a:t>
+            </a:r>
+            <a:endParaRPr lang="ko-KR" altLang="en-US" sz="2000" b="1" dirty="0">
+              <a:solidFill>
+                <a:srgbClr val="3333FF"/>
+              </a:solidFill>
+            </a:endParaRPr>
+          </a:p>
+        </p:txBody>
+      </p:sp>
+      <p:sp>
+        <p:nvSpPr>
+          <p:cNvPr id="20" name="TextBox 19"/>
+          <p:cNvSpPr txBox="1"/>
+          <p:nvPr/>
+        </p:nvSpPr>
+        <p:spPr>
+          <a:xfrm>
+            <a:off x="537521" y="563529"/>
+            <a:ext cx="6367162" cy="646331"/>
+          </a:xfrm>
+          <a:prstGeom prst="rect">
+            <a:avLst/>
+          </a:prstGeom>
+          <a:noFill/>
+        </p:spPr>
+        <p:txBody>
+          <a:bodyPr wrap="square" rtlCol="0">
+            <a:spAutoFit/>
+          </a:bodyPr>
+          <a:lstStyle/>
+          <a:p>
+            <a:r>
+              <a:rPr lang="en-US" altLang="ko-KR" dirty="0" smtClean="0"/>
+              <a:t>Without </a:t>
+            </a:r>
+            <a:r>
+              <a:rPr lang="en-US" altLang="ko-KR" dirty="0" err="1" smtClean="0"/>
+              <a:t>Nerual</a:t>
+            </a:r>
+            <a:r>
+              <a:rPr lang="en-US" altLang="ko-KR" dirty="0" smtClean="0"/>
+              <a:t> Network</a:t>
+            </a:r>
+          </a:p>
+          <a:p>
+            <a:pPr marL="285750" indent="-285750">
+              <a:buFontTx/>
+              <a:buChar char="-"/>
+            </a:pPr>
+            <a:r>
+              <a:rPr lang="en-US" altLang="ko-KR" dirty="0" smtClean="0"/>
+              <a:t>ARLA </a:t>
+            </a:r>
+            <a:r>
+              <a:rPr lang="en-US" altLang="ko-KR" dirty="0"/>
+              <a:t>(Additive Reinforcement Learning Algorithm</a:t>
+            </a:r>
+            <a:r>
+              <a:rPr lang="en-US" altLang="ko-KR" dirty="0" smtClean="0"/>
+              <a:t>)</a:t>
+            </a:r>
+          </a:p>
+        </p:txBody>
+      </p:sp>
+      <p:sp>
+        <p:nvSpPr>
+          <p:cNvPr id="2" name="직사각형 1"/>
+          <p:cNvSpPr/>
+          <p:nvPr/>
+        </p:nvSpPr>
+        <p:spPr>
+          <a:xfrm>
+            <a:off x="537521" y="2621166"/>
+            <a:ext cx="5835534" cy="1200329"/>
+          </a:xfrm>
+          <a:prstGeom prst="rect">
+            <a:avLst/>
+          </a:prstGeom>
+        </p:spPr>
+        <p:txBody>
+          <a:bodyPr wrap="square">
+            <a:spAutoFit/>
+          </a:bodyPr>
+          <a:lstStyle/>
+          <a:p>
+            <a:r>
+              <a:rPr lang="en-US" altLang="ko-KR" dirty="0"/>
+              <a:t>With Neural Network</a:t>
+            </a:r>
+          </a:p>
+          <a:p>
+            <a:pPr marL="285750" indent="-285750">
+              <a:buFontTx/>
+              <a:buChar char="-"/>
+            </a:pPr>
+            <a:r>
+              <a:rPr lang="en-US" altLang="ko-KR" dirty="0"/>
+              <a:t>FCDNN (Fully Connected Deep Neural Network)</a:t>
+            </a:r>
+          </a:p>
+          <a:p>
+            <a:pPr marL="285750" indent="-285750">
+              <a:buFontTx/>
+              <a:buChar char="-"/>
+            </a:pPr>
+            <a:r>
+              <a:rPr lang="en-US" altLang="ko-KR" dirty="0" err="1"/>
+              <a:t>ResNet</a:t>
+            </a:r>
+            <a:r>
+              <a:rPr lang="en-US" altLang="ko-KR" dirty="0"/>
+              <a:t> (Residual Network)</a:t>
+            </a:r>
+          </a:p>
+          <a:p>
+            <a:pPr marL="285750" indent="-285750">
+              <a:buFontTx/>
+              <a:buChar char="-"/>
+            </a:pPr>
+            <a:r>
+              <a:rPr lang="en-US" altLang="ko-KR" dirty="0" err="1"/>
+              <a:t>DenseNet</a:t>
+            </a:r>
+            <a:r>
+              <a:rPr lang="en-US" altLang="ko-KR" dirty="0"/>
+              <a:t> (Dense Network)</a:t>
+            </a:r>
+            <a:endParaRPr lang="ko-KR" altLang="en-US" dirty="0"/>
+          </a:p>
+        </p:txBody>
+      </p:sp>
+      <p:sp>
+        <p:nvSpPr>
+          <p:cNvPr id="7" name="TextBox 6"/>
+          <p:cNvSpPr txBox="1"/>
+          <p:nvPr/>
+        </p:nvSpPr>
+        <p:spPr>
+          <a:xfrm>
+            <a:off x="2069689" y="1586868"/>
+            <a:ext cx="1155470" cy="646331"/>
+          </a:xfrm>
+          <a:prstGeom prst="rect">
+            <a:avLst/>
+          </a:prstGeom>
+          <a:noFill/>
+        </p:spPr>
+        <p:txBody>
+          <a:bodyPr wrap="square" rtlCol="0">
+            <a:spAutoFit/>
+          </a:bodyPr>
+          <a:lstStyle/>
+          <a:p>
+            <a:pPr algn="ctr"/>
+            <a:r>
+              <a:rPr lang="en-US" altLang="ko-KR" dirty="0" smtClean="0"/>
+              <a:t>Training</a:t>
+            </a:r>
+          </a:p>
+          <a:p>
+            <a:pPr algn="ctr"/>
+            <a:r>
+              <a:rPr lang="en-US" altLang="ko-KR" dirty="0" smtClean="0"/>
+              <a:t>Data</a:t>
+            </a:r>
+            <a:endParaRPr lang="ko-KR" altLang="en-US" dirty="0"/>
+          </a:p>
+        </p:txBody>
+      </p:sp>
+      <p:sp>
+        <p:nvSpPr>
+          <p:cNvPr id="21" name="TextBox 20"/>
+          <p:cNvSpPr txBox="1"/>
+          <p:nvPr/>
+        </p:nvSpPr>
+        <p:spPr>
+          <a:xfrm>
+            <a:off x="5849368" y="1586868"/>
+            <a:ext cx="1155470" cy="646331"/>
+          </a:xfrm>
+          <a:prstGeom prst="rect">
+            <a:avLst/>
+          </a:prstGeom>
+          <a:noFill/>
+        </p:spPr>
+        <p:txBody>
+          <a:bodyPr wrap="square" rtlCol="0">
+            <a:spAutoFit/>
+          </a:bodyPr>
+          <a:lstStyle/>
+          <a:p>
+            <a:pPr algn="ctr"/>
+            <a:r>
+              <a:rPr lang="en-US" altLang="ko-KR" dirty="0" smtClean="0"/>
+              <a:t>Result</a:t>
+            </a:r>
+          </a:p>
+          <a:p>
+            <a:pPr algn="ctr"/>
+            <a:r>
+              <a:rPr lang="en-US" altLang="ko-KR" dirty="0" smtClean="0"/>
+              <a:t>Structure</a:t>
+            </a:r>
+            <a:endParaRPr lang="ko-KR" altLang="en-US" dirty="0"/>
+          </a:p>
+        </p:txBody>
+      </p:sp>
+      <p:sp>
+        <p:nvSpPr>
+          <p:cNvPr id="22" name="TextBox 21"/>
+          <p:cNvSpPr txBox="1"/>
+          <p:nvPr/>
+        </p:nvSpPr>
+        <p:spPr>
+          <a:xfrm>
+            <a:off x="2495495" y="4393429"/>
+            <a:ext cx="1372639" cy="646331"/>
+          </a:xfrm>
+          <a:prstGeom prst="rect">
+            <a:avLst/>
+          </a:prstGeom>
+          <a:noFill/>
+        </p:spPr>
+        <p:txBody>
+          <a:bodyPr wrap="square" rtlCol="0">
+            <a:spAutoFit/>
+          </a:bodyPr>
+          <a:lstStyle/>
+          <a:p>
+            <a:pPr algn="ctr"/>
+            <a:r>
+              <a:rPr lang="en-US" altLang="ko-KR" dirty="0" smtClean="0"/>
+              <a:t>FDTD</a:t>
+            </a:r>
+          </a:p>
+          <a:p>
+            <a:pPr algn="ctr"/>
+            <a:r>
+              <a:rPr lang="en-US" altLang="ko-KR" dirty="0" smtClean="0"/>
+              <a:t>Simulation</a:t>
+            </a:r>
+            <a:endParaRPr lang="ko-KR" altLang="en-US" dirty="0"/>
+          </a:p>
+        </p:txBody>
+      </p:sp>
+      <p:sp>
+        <p:nvSpPr>
           <p:cNvPr id="23" name="TextBox 22"/>
           <p:cNvSpPr txBox="1"/>
           <p:nvPr/>
         </p:nvSpPr>
         <p:spPr>
           <a:xfrm>
-            <a:off x="-60960" y="0"/>
-            <a:ext cx="9146771" cy="738664"/>
+            <a:off x="3959528" y="4393429"/>
+            <a:ext cx="1372639" cy="646331"/>
           </a:xfrm>
           <a:prstGeom prst="rect">
             <a:avLst/>
@@ -3896,160 +4094,65 @@
           </a:bodyPr>
           <a:lstStyle/>
           <a:p>
-            <a:r>
-              <a:rPr lang="en-US" altLang="ko-KR" sz="1400" b="1" dirty="0" smtClean="0">
-                <a:latin typeface="Arial" panose="020B0604020202020204" pitchFamily="34" charset="0"/>
-                <a:cs typeface="Arial" panose="020B0604020202020204" pitchFamily="34" charset="0"/>
-              </a:rPr>
-              <a:t>2019-Scientific Reports-9, 1368-Deep Neural Network Inverse Design of Integrated Photonic Power Splitters (Mohammad H. </a:t>
-            </a:r>
-            <a:r>
-              <a:rPr lang="en-US" altLang="ko-KR" sz="1400" b="1" dirty="0" err="1" smtClean="0">
-                <a:latin typeface="Arial" panose="020B0604020202020204" pitchFamily="34" charset="0"/>
-                <a:cs typeface="Arial" panose="020B0604020202020204" pitchFamily="34" charset="0"/>
-              </a:rPr>
-              <a:t>Tahersima</a:t>
-            </a:r>
-            <a:r>
-              <a:rPr lang="en-US" altLang="ko-KR" sz="1400" b="1" dirty="0" smtClean="0">
-                <a:latin typeface="Arial" panose="020B0604020202020204" pitchFamily="34" charset="0"/>
-                <a:cs typeface="Arial" panose="020B0604020202020204" pitchFamily="34" charset="0"/>
-              </a:rPr>
-              <a:t>, Keisuke Kojima, Toshiaki Koike-</a:t>
-            </a:r>
-            <a:r>
-              <a:rPr lang="en-US" altLang="ko-KR" sz="1400" b="1" dirty="0" err="1" smtClean="0">
-                <a:latin typeface="Arial" panose="020B0604020202020204" pitchFamily="34" charset="0"/>
-                <a:cs typeface="Arial" panose="020B0604020202020204" pitchFamily="34" charset="0"/>
-              </a:rPr>
-              <a:t>Akino</a:t>
-            </a:r>
-            <a:r>
-              <a:rPr lang="en-US" altLang="ko-KR" sz="1400" b="1" dirty="0" smtClean="0">
-                <a:latin typeface="Arial" panose="020B0604020202020204" pitchFamily="34" charset="0"/>
-                <a:cs typeface="Arial" panose="020B0604020202020204" pitchFamily="34" charset="0"/>
-              </a:rPr>
-              <a:t>, </a:t>
-            </a:r>
-            <a:r>
-              <a:rPr lang="en-US" altLang="ko-KR" sz="1400" b="1" dirty="0" err="1" smtClean="0">
-                <a:latin typeface="Arial" panose="020B0604020202020204" pitchFamily="34" charset="0"/>
-                <a:cs typeface="Arial" panose="020B0604020202020204" pitchFamily="34" charset="0"/>
-              </a:rPr>
-              <a:t>Devesh</a:t>
-            </a:r>
-            <a:r>
-              <a:rPr lang="en-US" altLang="ko-KR" sz="1400" b="1" dirty="0" smtClean="0">
-                <a:latin typeface="Arial" panose="020B0604020202020204" pitchFamily="34" charset="0"/>
-                <a:cs typeface="Arial" panose="020B0604020202020204" pitchFamily="34" charset="0"/>
-              </a:rPr>
-              <a:t> </a:t>
-            </a:r>
-            <a:r>
-              <a:rPr lang="en-US" altLang="ko-KR" sz="1400" b="1" dirty="0" err="1" smtClean="0">
-                <a:latin typeface="Arial" panose="020B0604020202020204" pitchFamily="34" charset="0"/>
-                <a:cs typeface="Arial" panose="020B0604020202020204" pitchFamily="34" charset="0"/>
-              </a:rPr>
-              <a:t>Jha</a:t>
-            </a:r>
-            <a:r>
-              <a:rPr lang="en-US" altLang="ko-KR" sz="1400" b="1" dirty="0" smtClean="0">
-                <a:latin typeface="Arial" panose="020B0604020202020204" pitchFamily="34" charset="0"/>
-                <a:cs typeface="Arial" panose="020B0604020202020204" pitchFamily="34" charset="0"/>
-              </a:rPr>
-              <a:t>, </a:t>
-            </a:r>
-            <a:r>
-              <a:rPr lang="en-US" altLang="ko-KR" sz="1400" b="1" dirty="0" err="1" smtClean="0">
-                <a:latin typeface="Arial" panose="020B0604020202020204" pitchFamily="34" charset="0"/>
-                <a:cs typeface="Arial" panose="020B0604020202020204" pitchFamily="34" charset="0"/>
-              </a:rPr>
-              <a:t>Bingnan</a:t>
-            </a:r>
-            <a:r>
-              <a:rPr lang="en-US" altLang="ko-KR" sz="1400" b="1" dirty="0" smtClean="0">
-                <a:latin typeface="Arial" panose="020B0604020202020204" pitchFamily="34" charset="0"/>
-                <a:cs typeface="Arial" panose="020B0604020202020204" pitchFamily="34" charset="0"/>
-              </a:rPr>
-              <a:t> Wang, </a:t>
-            </a:r>
-            <a:r>
-              <a:rPr lang="en-US" altLang="ko-KR" sz="1400" b="1" dirty="0" err="1" smtClean="0">
-                <a:latin typeface="Arial" panose="020B0604020202020204" pitchFamily="34" charset="0"/>
-                <a:cs typeface="Arial" panose="020B0604020202020204" pitchFamily="34" charset="0"/>
-              </a:rPr>
-              <a:t>Chungwei</a:t>
-            </a:r>
-            <a:r>
-              <a:rPr lang="en-US" altLang="ko-KR" sz="1400" b="1" dirty="0" smtClean="0">
-                <a:latin typeface="Arial" panose="020B0604020202020204" pitchFamily="34" charset="0"/>
-                <a:cs typeface="Arial" panose="020B0604020202020204" pitchFamily="34" charset="0"/>
-              </a:rPr>
-              <a:t> Lin, Kieran Parsons)</a:t>
-            </a:r>
-          </a:p>
-        </p:txBody>
-      </p:sp>
-      <p:pic>
-        <p:nvPicPr>
-          <p:cNvPr id="4" name="그림 3"/>
-          <p:cNvPicPr>
-            <a:picLocks noChangeAspect="1"/>
-          </p:cNvPicPr>
+            <a:pPr algn="ctr"/>
+            <a:r>
+              <a:rPr lang="en-US" altLang="ko-KR" dirty="0" smtClean="0"/>
+              <a:t>Neural</a:t>
+            </a:r>
+          </a:p>
+          <a:p>
+            <a:pPr algn="ctr"/>
+            <a:r>
+              <a:rPr lang="en-US" altLang="ko-KR" dirty="0" smtClean="0"/>
+              <a:t>Network</a:t>
+            </a:r>
+            <a:endParaRPr lang="ko-KR" altLang="en-US" dirty="0"/>
+          </a:p>
+        </p:txBody>
+      </p:sp>
+      <p:sp>
+        <p:nvSpPr>
+          <p:cNvPr id="24" name="TextBox 23"/>
+          <p:cNvSpPr txBox="1"/>
           <p:nvPr/>
-        </p:nvPicPr>
-        <p:blipFill>
-          <a:blip r:embed="rId3"/>
-          <a:stretch>
-            <a:fillRect/>
-          </a:stretch>
-        </p:blipFill>
-        <p:spPr>
-          <a:xfrm>
-            <a:off x="4684655" y="542628"/>
-            <a:ext cx="2708945" cy="1462088"/>
+        </p:nvSpPr>
+        <p:spPr>
+          <a:xfrm>
+            <a:off x="5371973" y="4424667"/>
+            <a:ext cx="954790" cy="369332"/>
           </a:xfrm>
           <a:prstGeom prst="rect">
             <a:avLst/>
           </a:prstGeom>
-        </p:spPr>
-      </p:pic>
-      <p:pic>
-        <p:nvPicPr>
-          <p:cNvPr id="6" name="그림 5"/>
-          <p:cNvPicPr>
-            <a:picLocks noChangeAspect="1"/>
-          </p:cNvPicPr>
-          <p:nvPr/>
-        </p:nvPicPr>
-        <p:blipFill>
-          <a:blip r:embed="rId4"/>
-          <a:stretch>
-            <a:fillRect/>
-          </a:stretch>
-        </p:blipFill>
-        <p:spPr>
-          <a:xfrm>
-            <a:off x="2086033" y="2078059"/>
-            <a:ext cx="4971934" cy="4414838"/>
-          </a:xfrm>
-          <a:prstGeom prst="rect">
-            <a:avLst/>
-          </a:prstGeom>
-        </p:spPr>
-      </p:pic>
-      <mc:AlternateContent xmlns:mc="http://schemas.openxmlformats.org/markup-compatibility/2006" xmlns:a14="http://schemas.microsoft.com/office/drawing/2010/main">
-        <mc:Choice Requires="a14">
+          <a:noFill/>
+        </p:spPr>
+        <p:txBody>
+          <a:bodyPr wrap="square" rtlCol="0">
+            <a:spAutoFit/>
+          </a:bodyPr>
+          <a:lstStyle/>
+          <a:p>
+            <a:pPr algn="ctr"/>
+            <a:r>
+              <a:rPr lang="en-US" altLang="ko-KR" dirty="0" smtClean="0"/>
+              <a:t>error</a:t>
+            </a:r>
+            <a:endParaRPr lang="ko-KR" altLang="en-US" dirty="0"/>
+          </a:p>
+        </p:txBody>
+      </p:sp>
+      <mc:AlternateContent xmlns:mc="http://schemas.openxmlformats.org/markup-compatibility/2006">
+        <mc:Choice xmlns:a14="http://schemas.microsoft.com/office/drawing/2010/main" Requires="a14">
           <p:sp>
             <p:nvSpPr>
-              <p:cNvPr id="9" name="TextBox 8"/>
+              <p:cNvPr id="25" name="TextBox 24"/>
               <p:cNvSpPr txBox="1"/>
               <p:nvPr/>
             </p:nvSpPr>
             <p:spPr>
               <a:xfrm>
-                <a:off x="0" y="812007"/>
-                <a:ext cx="3998422" cy="923330"/>
+                <a:off x="3565891" y="4085140"/>
+                <a:ext cx="2012218" cy="276999"/>
               </a:xfrm>
               <a:prstGeom prst="rect">
                 <a:avLst/>
@@ -4057,112 +4160,111 @@
               <a:noFill/>
             </p:spPr>
             <p:txBody>
-              <a:bodyPr wrap="square" rtlCol="0">
+              <a:bodyPr wrap="none" lIns="0" tIns="0" rIns="0" bIns="0" rtlCol="0">
                 <a:spAutoFit/>
               </a:bodyPr>
               <a:lstStyle/>
               <a:p>
-                <a:pPr marL="285750" indent="-285750">
-                  <a:buFontTx/>
-                  <a:buChar char="-"/>
-                </a:pPr>
-                <a:r>
-                  <a:rPr lang="en-US" altLang="ko-KR" dirty="0" smtClean="0"/>
-                  <a:t>SOI: silicon-on-insulator</a:t>
-                </a:r>
-              </a:p>
-              <a:p>
-                <a:pPr marL="285750" indent="-285750">
-                  <a:buFontTx/>
-                  <a:buChar char="-"/>
-                </a:pPr>
-                <a:r>
-                  <a:rPr lang="en-US" altLang="ko-KR" dirty="0"/>
-                  <a:t>2.6 </a:t>
-                </a:r>
                 <a14:m>
-                  <m:oMath xmlns:m="http://schemas.openxmlformats.org/officeDocument/2006/math">
-                    <m:r>
-                      <m:rPr>
-                        <m:sty m:val="p"/>
-                      </m:rPr>
-                      <a:rPr lang="en-US" altLang="ko-KR">
-                        <a:latin typeface="Cambria Math" panose="02040503050406030204" pitchFamily="18" charset="0"/>
-                      </a:rPr>
-                      <m:t>μm</m:t>
-                    </m:r>
-                  </m:oMath>
-                </a14:m>
-                <a:r>
-                  <a:rPr lang="en-US" altLang="ko-KR" dirty="0"/>
-                  <a:t> x 2.6 </a:t>
-                </a:r>
-                <a14:m>
-                  <m:oMath xmlns:m="http://schemas.openxmlformats.org/officeDocument/2006/math">
-                    <m:r>
-                      <m:rPr>
-                        <m:sty m:val="p"/>
-                      </m:rPr>
-                      <a:rPr lang="en-US" altLang="ko-KR">
-                        <a:latin typeface="Cambria Math" panose="02040503050406030204" pitchFamily="18" charset="0"/>
-                      </a:rPr>
-                      <m:t>μm</m:t>
-                    </m:r>
-                  </m:oMath>
-                </a14:m>
-                <a:r>
-                  <a:rPr lang="en-US" altLang="ko-KR" dirty="0"/>
-                  <a:t> </a:t>
-                </a:r>
-                <a:r>
-                  <a:rPr lang="en-US" altLang="ko-KR" dirty="0" smtClean="0"/>
-                  <a:t>design region</a:t>
-                </a:r>
-              </a:p>
-              <a:p>
-                <a:pPr marL="285750" indent="-285750">
-                  <a:buFontTx/>
-                  <a:buChar char="-"/>
-                </a:pPr>
-                <a:r>
-                  <a:rPr lang="en-US" altLang="ko-KR" dirty="0"/>
-                  <a:t>20 x 20 pixels </a:t>
-                </a:r>
-                <a:r>
-                  <a:rPr lang="en-US" altLang="ko-KR" dirty="0" smtClean="0"/>
-                  <a:t>with radius of 45 </a:t>
-                </a:r>
-                <a14:m>
-                  <m:oMath xmlns:m="http://schemas.openxmlformats.org/officeDocument/2006/math">
-                    <m:r>
-                      <m:rPr>
-                        <m:sty m:val="p"/>
-                      </m:rPr>
-                      <a:rPr lang="en-US" altLang="ko-KR" dirty="0" smtClean="0">
-                        <a:latin typeface="Cambria Math" panose="02040503050406030204" pitchFamily="18" charset="0"/>
-                      </a:rPr>
-                      <m:t>n</m:t>
-                    </m:r>
-                    <m:r>
-                      <m:rPr>
-                        <m:sty m:val="p"/>
-                      </m:rPr>
-                      <a:rPr lang="en-US" altLang="ko-KR">
-                        <a:latin typeface="Cambria Math" panose="02040503050406030204" pitchFamily="18" charset="0"/>
-                      </a:rPr>
-                      <m:t>m</m:t>
-                    </m:r>
-                  </m:oMath>
+                  <m:oMathPara xmlns:m="http://schemas.openxmlformats.org/officeDocument/2006/math">
+                    <m:oMathParaPr>
+                      <m:jc m:val="centerGroup"/>
+                    </m:oMathParaPr>
+                    <m:oMath xmlns:m="http://schemas.openxmlformats.org/officeDocument/2006/math">
+                      <m:r>
+                        <a:rPr lang="en-US" altLang="ko-KR" b="0" i="1" smtClean="0">
+                          <a:latin typeface="Cambria Math" panose="02040503050406030204" pitchFamily="18" charset="0"/>
+                        </a:rPr>
+                        <m:t>𝑓</m:t>
+                      </m:r>
+                      <m:d>
+                        <m:dPr>
+                          <m:ctrlPr>
+                            <a:rPr lang="en-US" altLang="ko-KR" b="0" i="1" smtClean="0">
+                              <a:latin typeface="Cambria Math" panose="02040503050406030204" pitchFamily="18" charset="0"/>
+                            </a:rPr>
+                          </m:ctrlPr>
+                        </m:dPr>
+                        <m:e>
+                          <m:r>
+                            <a:rPr lang="en-US" altLang="ko-KR" b="0" i="1" smtClean="0">
+                              <a:latin typeface="Cambria Math" panose="02040503050406030204" pitchFamily="18" charset="0"/>
+                            </a:rPr>
+                            <m:t>𝑥</m:t>
+                          </m:r>
+                        </m:e>
+                      </m:d>
+                      <m:r>
+                        <a:rPr lang="en-US" altLang="ko-KR" b="0" i="1" smtClean="0">
+                          <a:latin typeface="Cambria Math" panose="02040503050406030204" pitchFamily="18" charset="0"/>
+                        </a:rPr>
+                        <m:t>=</m:t>
+                      </m:r>
+                      <m:r>
+                        <a:rPr lang="en-US" altLang="ko-KR" b="0" i="1" smtClean="0">
+                          <a:latin typeface="Cambria Math" panose="02040503050406030204" pitchFamily="18" charset="0"/>
+                        </a:rPr>
+                        <m:t>𝑔</m:t>
+                      </m:r>
+                      <m:d>
+                        <m:dPr>
+                          <m:ctrlPr>
+                            <a:rPr lang="en-US" altLang="ko-KR" b="0" i="1" smtClean="0">
+                              <a:latin typeface="Cambria Math" panose="02040503050406030204" pitchFamily="18" charset="0"/>
+                            </a:rPr>
+                          </m:ctrlPr>
+                        </m:dPr>
+                        <m:e>
+                          <m:r>
+                            <a:rPr lang="en-US" altLang="ko-KR" b="0" i="1" smtClean="0">
+                              <a:latin typeface="Cambria Math" panose="02040503050406030204" pitchFamily="18" charset="0"/>
+                            </a:rPr>
+                            <m:t>𝑥</m:t>
+                          </m:r>
+                        </m:e>
+                      </m:d>
+                      <m:r>
+                        <a:rPr lang="en-US" altLang="ko-KR" b="0" i="1" smtClean="0">
+                          <a:latin typeface="Cambria Math" panose="02040503050406030204" pitchFamily="18" charset="0"/>
+                        </a:rPr>
+                        <m:t>+</m:t>
+                      </m:r>
+                      <m:r>
+                        <a:rPr lang="en-US" altLang="ko-KR" b="0" i="1" smtClean="0">
+                          <a:latin typeface="Cambria Math" panose="02040503050406030204" pitchFamily="18" charset="0"/>
+                        </a:rPr>
+                        <m:t>𝑛</m:t>
+                      </m:r>
+                      <m:r>
+                        <a:rPr lang="en-US" altLang="ko-KR" b="0" i="1" smtClean="0">
+                          <a:latin typeface="Cambria Math" panose="02040503050406030204" pitchFamily="18" charset="0"/>
+                        </a:rPr>
+                        <m:t>(</m:t>
+                      </m:r>
+                      <m:r>
+                        <a:rPr lang="en-US" altLang="ko-KR" b="0" i="1" smtClean="0">
+                          <a:latin typeface="Cambria Math" panose="02040503050406030204" pitchFamily="18" charset="0"/>
+                        </a:rPr>
+                        <m:t>𝑥</m:t>
+                      </m:r>
+                      <m:r>
+                        <a:rPr lang="en-US" altLang="ko-KR" b="0" i="1" smtClean="0">
+                          <a:latin typeface="Cambria Math" panose="02040503050406030204" pitchFamily="18" charset="0"/>
+                        </a:rPr>
+                        <m:t>)</m:t>
+                      </m:r>
+                    </m:oMath>
+                  </m:oMathPara>
                 </a14:m>
                 <a:endParaRPr lang="ko-KR" altLang="en-US" dirty="0"/>
               </a:p>
             </p:txBody>
           </p:sp>
         </mc:Choice>
-        <mc:Fallback xmlns="">
+        <mc:Fallback>
           <p:sp>
             <p:nvSpPr>
-              <p:cNvPr id="9" name="TextBox 8"/>
+              <p:cNvPr id="25" name="TextBox 24"/>
               <p:cNvSpPr txBox="1">
                 <a:spLocks noRot="1" noChangeAspect="1" noMove="1" noResize="1" noEditPoints="1" noAdjustHandles="1" noChangeArrowheads="1" noChangeShapeType="1" noTextEdit="1"/>
               </p:cNvSpPr>
@@ -4170,16 +4272,16 @@
             </p:nvSpPr>
             <p:spPr>
               <a:xfrm>
-                <a:off x="0" y="812007"/>
-                <a:ext cx="3998422" cy="923330"/>
+                <a:off x="3565891" y="4085140"/>
+                <a:ext cx="2012218" cy="276999"/>
               </a:xfrm>
               <a:prstGeom prst="rect">
                 <a:avLst/>
               </a:prstGeom>
               <a:blipFill>
-                <a:blip r:embed="rId5"/>
+                <a:blip r:embed="rId2"/>
                 <a:stretch>
-                  <a:fillRect l="-1220" t="-3289" b="-9211"/>
+                  <a:fillRect l="-3636" t="-2174" r="-3939" b="-32609"/>
                 </a:stretch>
               </a:blipFill>
             </p:spPr>
@@ -4198,10 +4300,662 @@
           </p:sp>
         </mc:Fallback>
       </mc:AlternateContent>
+      <p:sp>
+        <p:nvSpPr>
+          <p:cNvPr id="26" name="TextBox 25"/>
+          <p:cNvSpPr txBox="1"/>
+          <p:nvPr/>
+        </p:nvSpPr>
+        <p:spPr>
+          <a:xfrm>
+            <a:off x="438642" y="5386031"/>
+            <a:ext cx="1095204" cy="646331"/>
+          </a:xfrm>
+          <a:prstGeom prst="rect">
+            <a:avLst/>
+          </a:prstGeom>
+          <a:noFill/>
+        </p:spPr>
+        <p:txBody>
+          <a:bodyPr wrap="square" rtlCol="0">
+            <a:spAutoFit/>
+          </a:bodyPr>
+          <a:lstStyle/>
+          <a:p>
+            <a:pPr algn="ctr"/>
+            <a:r>
+              <a:rPr lang="en-US" altLang="ko-KR" dirty="0" smtClean="0"/>
+              <a:t>Initial</a:t>
+            </a:r>
+          </a:p>
+          <a:p>
+            <a:pPr algn="ctr"/>
+            <a:r>
+              <a:rPr lang="en-US" altLang="ko-KR" dirty="0" smtClean="0"/>
+              <a:t>structure</a:t>
+            </a:r>
+            <a:endParaRPr lang="ko-KR" altLang="en-US" dirty="0"/>
+          </a:p>
+        </p:txBody>
+      </p:sp>
+      <p:sp>
+        <p:nvSpPr>
+          <p:cNvPr id="28" name="TextBox 27"/>
+          <p:cNvSpPr txBox="1"/>
+          <p:nvPr/>
+        </p:nvSpPr>
+        <p:spPr>
+          <a:xfrm>
+            <a:off x="7120503" y="5386031"/>
+            <a:ext cx="1155470" cy="646331"/>
+          </a:xfrm>
+          <a:prstGeom prst="rect">
+            <a:avLst/>
+          </a:prstGeom>
+          <a:noFill/>
+        </p:spPr>
+        <p:txBody>
+          <a:bodyPr wrap="square" rtlCol="0">
+            <a:spAutoFit/>
+          </a:bodyPr>
+          <a:lstStyle/>
+          <a:p>
+            <a:pPr algn="ctr"/>
+            <a:r>
+              <a:rPr lang="en-US" altLang="ko-KR" dirty="0" smtClean="0"/>
+              <a:t>Result</a:t>
+            </a:r>
+          </a:p>
+          <a:p>
+            <a:pPr algn="ctr"/>
+            <a:r>
+              <a:rPr lang="en-US" altLang="ko-KR" dirty="0" smtClean="0"/>
+              <a:t>Structure</a:t>
+            </a:r>
+            <a:endParaRPr lang="ko-KR" altLang="en-US" dirty="0"/>
+          </a:p>
+        </p:txBody>
+      </p:sp>
+      <p:grpSp>
+        <p:nvGrpSpPr>
+          <p:cNvPr id="33" name="그룹 32"/>
+          <p:cNvGrpSpPr/>
+          <p:nvPr/>
+        </p:nvGrpSpPr>
+        <p:grpSpPr>
+          <a:xfrm>
+            <a:off x="3863932" y="1446936"/>
+            <a:ext cx="1346662" cy="926195"/>
+            <a:chOff x="2948345" y="1497616"/>
+            <a:chExt cx="1346662" cy="926195"/>
+          </a:xfrm>
+        </p:grpSpPr>
+        <p:sp>
+          <p:nvSpPr>
+            <p:cNvPr id="8" name="직사각형 7"/>
+            <p:cNvSpPr/>
+            <p:nvPr/>
+          </p:nvSpPr>
+          <p:spPr>
+            <a:xfrm>
+              <a:off x="2948345" y="1497616"/>
+              <a:ext cx="1346662" cy="926195"/>
+            </a:xfrm>
+            <a:prstGeom prst="rect">
+              <a:avLst/>
+            </a:prstGeom>
+            <a:noFill/>
+            <a:ln w="57150"/>
+          </p:spPr>
+          <p:style>
+            <a:lnRef idx="2">
+              <a:schemeClr val="accent1">
+                <a:shade val="50000"/>
+              </a:schemeClr>
+            </a:lnRef>
+            <a:fillRef idx="1">
+              <a:schemeClr val="accent1"/>
+            </a:fillRef>
+            <a:effectRef idx="0">
+              <a:schemeClr val="accent1"/>
+            </a:effectRef>
+            <a:fontRef idx="minor">
+              <a:schemeClr val="lt1"/>
+            </a:fontRef>
+          </p:style>
+          <p:txBody>
+            <a:bodyPr rtlCol="0" anchor="ctr"/>
+            <a:lstStyle/>
+            <a:p>
+              <a:pPr algn="ctr"/>
+              <a:endParaRPr lang="ko-KR" altLang="en-US"/>
+            </a:p>
+          </p:txBody>
+        </p:sp>
+        <p:sp>
+          <p:nvSpPr>
+            <p:cNvPr id="32" name="TextBox 31"/>
+            <p:cNvSpPr txBox="1"/>
+            <p:nvPr/>
+          </p:nvSpPr>
+          <p:spPr>
+            <a:xfrm>
+              <a:off x="3043941" y="1776047"/>
+              <a:ext cx="1155470" cy="369332"/>
+            </a:xfrm>
+            <a:prstGeom prst="rect">
+              <a:avLst/>
+            </a:prstGeom>
+            <a:noFill/>
+          </p:spPr>
+          <p:txBody>
+            <a:bodyPr wrap="square" rtlCol="0">
+              <a:spAutoFit/>
+            </a:bodyPr>
+            <a:lstStyle/>
+            <a:p>
+              <a:pPr algn="ctr"/>
+              <a:r>
+                <a:rPr lang="en-US" altLang="ko-KR" dirty="0" smtClean="0"/>
+                <a:t>Algorithm</a:t>
+              </a:r>
+              <a:endParaRPr lang="ko-KR" altLang="en-US" dirty="0"/>
+            </a:p>
+          </p:txBody>
+        </p:sp>
+      </p:grpSp>
+      <p:grpSp>
+        <p:nvGrpSpPr>
+          <p:cNvPr id="36" name="그룹 35"/>
+          <p:cNvGrpSpPr/>
+          <p:nvPr/>
+        </p:nvGrpSpPr>
+        <p:grpSpPr>
+          <a:xfrm>
+            <a:off x="2402594" y="5246099"/>
+            <a:ext cx="1346662" cy="926195"/>
+            <a:chOff x="2948345" y="5224825"/>
+            <a:chExt cx="1346662" cy="926195"/>
+          </a:xfrm>
+        </p:grpSpPr>
+        <p:sp>
+          <p:nvSpPr>
+            <p:cNvPr id="27" name="직사각형 26"/>
+            <p:cNvSpPr/>
+            <p:nvPr/>
+          </p:nvSpPr>
+          <p:spPr>
+            <a:xfrm>
+              <a:off x="2948345" y="5224825"/>
+              <a:ext cx="1346662" cy="926195"/>
+            </a:xfrm>
+            <a:prstGeom prst="rect">
+              <a:avLst/>
+            </a:prstGeom>
+            <a:noFill/>
+            <a:ln w="57150"/>
+          </p:spPr>
+          <p:style>
+            <a:lnRef idx="2">
+              <a:schemeClr val="accent1">
+                <a:shade val="50000"/>
+              </a:schemeClr>
+            </a:lnRef>
+            <a:fillRef idx="1">
+              <a:schemeClr val="accent1"/>
+            </a:fillRef>
+            <a:effectRef idx="0">
+              <a:schemeClr val="accent1"/>
+            </a:effectRef>
+            <a:fontRef idx="minor">
+              <a:schemeClr val="lt1"/>
+            </a:fontRef>
+          </p:style>
+          <p:txBody>
+            <a:bodyPr rtlCol="0" anchor="ctr"/>
+            <a:lstStyle/>
+            <a:p>
+              <a:pPr algn="ctr"/>
+              <a:endParaRPr lang="ko-KR" altLang="en-US"/>
+            </a:p>
+          </p:txBody>
+        </p:sp>
+        <p:sp>
+          <p:nvSpPr>
+            <p:cNvPr id="34" name="TextBox 33"/>
+            <p:cNvSpPr txBox="1"/>
+            <p:nvPr/>
+          </p:nvSpPr>
+          <p:spPr>
+            <a:xfrm>
+              <a:off x="3043941" y="5364757"/>
+              <a:ext cx="1155470" cy="646331"/>
+            </a:xfrm>
+            <a:prstGeom prst="rect">
+              <a:avLst/>
+            </a:prstGeom>
+            <a:noFill/>
+          </p:spPr>
+          <p:txBody>
+            <a:bodyPr wrap="square" rtlCol="0">
+              <a:spAutoFit/>
+            </a:bodyPr>
+            <a:lstStyle/>
+            <a:p>
+              <a:pPr algn="ctr"/>
+              <a:r>
+                <a:rPr lang="en-US" altLang="ko-KR" dirty="0" smtClean="0"/>
+                <a:t>Neural</a:t>
+              </a:r>
+            </a:p>
+            <a:p>
+              <a:pPr algn="ctr"/>
+              <a:r>
+                <a:rPr lang="en-US" altLang="ko-KR" dirty="0" smtClean="0"/>
+                <a:t>Network</a:t>
+              </a:r>
+              <a:endParaRPr lang="ko-KR" altLang="en-US" dirty="0"/>
+            </a:p>
+          </p:txBody>
+        </p:sp>
+      </p:grpSp>
+      <p:grpSp>
+        <p:nvGrpSpPr>
+          <p:cNvPr id="37" name="그룹 36"/>
+          <p:cNvGrpSpPr/>
+          <p:nvPr/>
+        </p:nvGrpSpPr>
+        <p:grpSpPr>
+          <a:xfrm>
+            <a:off x="4761548" y="5246099"/>
+            <a:ext cx="1346662" cy="926195"/>
+            <a:chOff x="5034424" y="5193971"/>
+            <a:chExt cx="1346662" cy="926195"/>
+          </a:xfrm>
+        </p:grpSpPr>
+        <p:sp>
+          <p:nvSpPr>
+            <p:cNvPr id="31" name="직사각형 30"/>
+            <p:cNvSpPr/>
+            <p:nvPr/>
+          </p:nvSpPr>
+          <p:spPr>
+            <a:xfrm>
+              <a:off x="5034424" y="5193971"/>
+              <a:ext cx="1346662" cy="926195"/>
+            </a:xfrm>
+            <a:prstGeom prst="rect">
+              <a:avLst/>
+            </a:prstGeom>
+            <a:noFill/>
+            <a:ln w="57150"/>
+          </p:spPr>
+          <p:style>
+            <a:lnRef idx="2">
+              <a:schemeClr val="accent1">
+                <a:shade val="50000"/>
+              </a:schemeClr>
+            </a:lnRef>
+            <a:fillRef idx="1">
+              <a:schemeClr val="accent1"/>
+            </a:fillRef>
+            <a:effectRef idx="0">
+              <a:schemeClr val="accent1"/>
+            </a:effectRef>
+            <a:fontRef idx="minor">
+              <a:schemeClr val="lt1"/>
+            </a:fontRef>
+          </p:style>
+          <p:txBody>
+            <a:bodyPr rtlCol="0" anchor="ctr"/>
+            <a:lstStyle/>
+            <a:p>
+              <a:pPr algn="ctr"/>
+              <a:endParaRPr lang="ko-KR" altLang="en-US"/>
+            </a:p>
+          </p:txBody>
+        </p:sp>
+        <p:sp>
+          <p:nvSpPr>
+            <p:cNvPr id="35" name="TextBox 34"/>
+            <p:cNvSpPr txBox="1"/>
+            <p:nvPr/>
+          </p:nvSpPr>
+          <p:spPr>
+            <a:xfrm>
+              <a:off x="5130020" y="5472402"/>
+              <a:ext cx="1155470" cy="369332"/>
+            </a:xfrm>
+            <a:prstGeom prst="rect">
+              <a:avLst/>
+            </a:prstGeom>
+            <a:noFill/>
+          </p:spPr>
+          <p:txBody>
+            <a:bodyPr wrap="square" rtlCol="0">
+              <a:spAutoFit/>
+            </a:bodyPr>
+            <a:lstStyle/>
+            <a:p>
+              <a:pPr algn="ctr"/>
+              <a:r>
+                <a:rPr lang="en-US" altLang="ko-KR" dirty="0" smtClean="0"/>
+                <a:t>Optimizer</a:t>
+              </a:r>
+              <a:endParaRPr lang="ko-KR" altLang="en-US" dirty="0"/>
+            </a:p>
+          </p:txBody>
+        </p:sp>
+      </p:grpSp>
+      <p:sp>
+        <p:nvSpPr>
+          <p:cNvPr id="38" name="오른쪽 화살표 37"/>
+          <p:cNvSpPr/>
+          <p:nvPr/>
+        </p:nvSpPr>
+        <p:spPr>
+          <a:xfrm>
+            <a:off x="3163818" y="1725367"/>
+            <a:ext cx="532194" cy="369332"/>
+          </a:xfrm>
+          <a:prstGeom prst="rightArrow">
+            <a:avLst/>
+          </a:prstGeom>
+          <a:solidFill>
+            <a:srgbClr val="FF0000"/>
+          </a:solidFill>
+          <a:ln>
+            <a:noFill/>
+          </a:ln>
+        </p:spPr>
+        <p:style>
+          <a:lnRef idx="2">
+            <a:schemeClr val="accent1">
+              <a:shade val="50000"/>
+            </a:schemeClr>
+          </a:lnRef>
+          <a:fillRef idx="1">
+            <a:schemeClr val="accent1"/>
+          </a:fillRef>
+          <a:effectRef idx="0">
+            <a:schemeClr val="accent1"/>
+          </a:effectRef>
+          <a:fontRef idx="minor">
+            <a:schemeClr val="lt1"/>
+          </a:fontRef>
+        </p:style>
+        <p:txBody>
+          <a:bodyPr rtlCol="0" anchor="ctr"/>
+          <a:lstStyle/>
+          <a:p>
+            <a:pPr algn="ctr"/>
+            <a:endParaRPr lang="ko-KR" altLang="en-US"/>
+          </a:p>
+        </p:txBody>
+      </p:sp>
+      <p:sp>
+        <p:nvSpPr>
+          <p:cNvPr id="39" name="오른쪽 화살표 38"/>
+          <p:cNvSpPr/>
+          <p:nvPr/>
+        </p:nvSpPr>
+        <p:spPr>
+          <a:xfrm>
+            <a:off x="5378514" y="1725367"/>
+            <a:ext cx="532194" cy="369332"/>
+          </a:xfrm>
+          <a:prstGeom prst="rightArrow">
+            <a:avLst/>
+          </a:prstGeom>
+          <a:solidFill>
+            <a:srgbClr val="FF0000"/>
+          </a:solidFill>
+          <a:ln>
+            <a:noFill/>
+          </a:ln>
+        </p:spPr>
+        <p:style>
+          <a:lnRef idx="2">
+            <a:schemeClr val="accent1">
+              <a:shade val="50000"/>
+            </a:schemeClr>
+          </a:lnRef>
+          <a:fillRef idx="1">
+            <a:schemeClr val="accent1"/>
+          </a:fillRef>
+          <a:effectRef idx="0">
+            <a:schemeClr val="accent1"/>
+          </a:effectRef>
+          <a:fontRef idx="minor">
+            <a:schemeClr val="lt1"/>
+          </a:fontRef>
+        </p:style>
+        <p:txBody>
+          <a:bodyPr rtlCol="0" anchor="ctr"/>
+          <a:lstStyle/>
+          <a:p>
+            <a:pPr algn="ctr"/>
+            <a:endParaRPr lang="ko-KR" altLang="en-US"/>
+          </a:p>
+        </p:txBody>
+      </p:sp>
+      <p:sp>
+        <p:nvSpPr>
+          <p:cNvPr id="40" name="오른쪽 화살표 39"/>
+          <p:cNvSpPr/>
+          <p:nvPr/>
+        </p:nvSpPr>
+        <p:spPr>
+          <a:xfrm>
+            <a:off x="1629442" y="5510645"/>
+            <a:ext cx="532194" cy="369332"/>
+          </a:xfrm>
+          <a:prstGeom prst="rightArrow">
+            <a:avLst/>
+          </a:prstGeom>
+          <a:solidFill>
+            <a:srgbClr val="FF0000"/>
+          </a:solidFill>
+          <a:ln>
+            <a:noFill/>
+          </a:ln>
+        </p:spPr>
+        <p:style>
+          <a:lnRef idx="2">
+            <a:schemeClr val="accent1">
+              <a:shade val="50000"/>
+            </a:schemeClr>
+          </a:lnRef>
+          <a:fillRef idx="1">
+            <a:schemeClr val="accent1"/>
+          </a:fillRef>
+          <a:effectRef idx="0">
+            <a:schemeClr val="accent1"/>
+          </a:effectRef>
+          <a:fontRef idx="minor">
+            <a:schemeClr val="lt1"/>
+          </a:fontRef>
+        </p:style>
+        <p:txBody>
+          <a:bodyPr rtlCol="0" anchor="ctr"/>
+          <a:lstStyle/>
+          <a:p>
+            <a:pPr algn="ctr"/>
+            <a:endParaRPr lang="ko-KR" altLang="en-US"/>
+          </a:p>
+        </p:txBody>
+      </p:sp>
+      <p:sp>
+        <p:nvSpPr>
+          <p:cNvPr id="41" name="오른쪽 화살표 40"/>
+          <p:cNvSpPr/>
+          <p:nvPr/>
+        </p:nvSpPr>
+        <p:spPr>
+          <a:xfrm>
+            <a:off x="3988396" y="5535670"/>
+            <a:ext cx="532194" cy="369332"/>
+          </a:xfrm>
+          <a:prstGeom prst="rightArrow">
+            <a:avLst/>
+          </a:prstGeom>
+          <a:solidFill>
+            <a:srgbClr val="FF0000"/>
+          </a:solidFill>
+          <a:ln>
+            <a:noFill/>
+          </a:ln>
+        </p:spPr>
+        <p:style>
+          <a:lnRef idx="2">
+            <a:schemeClr val="accent1">
+              <a:shade val="50000"/>
+            </a:schemeClr>
+          </a:lnRef>
+          <a:fillRef idx="1">
+            <a:schemeClr val="accent1"/>
+          </a:fillRef>
+          <a:effectRef idx="0">
+            <a:schemeClr val="accent1"/>
+          </a:effectRef>
+          <a:fontRef idx="minor">
+            <a:schemeClr val="lt1"/>
+          </a:fontRef>
+        </p:style>
+        <p:txBody>
+          <a:bodyPr rtlCol="0" anchor="ctr"/>
+          <a:lstStyle/>
+          <a:p>
+            <a:pPr algn="ctr"/>
+            <a:endParaRPr lang="ko-KR" altLang="en-US"/>
+          </a:p>
+        </p:txBody>
+      </p:sp>
+      <p:sp>
+        <p:nvSpPr>
+          <p:cNvPr id="42" name="오른쪽 화살표 41"/>
+          <p:cNvSpPr/>
+          <p:nvPr/>
+        </p:nvSpPr>
+        <p:spPr>
+          <a:xfrm>
+            <a:off x="6492713" y="5537231"/>
+            <a:ext cx="532194" cy="369332"/>
+          </a:xfrm>
+          <a:prstGeom prst="rightArrow">
+            <a:avLst/>
+          </a:prstGeom>
+          <a:solidFill>
+            <a:srgbClr val="FF0000"/>
+          </a:solidFill>
+          <a:ln>
+            <a:noFill/>
+          </a:ln>
+        </p:spPr>
+        <p:style>
+          <a:lnRef idx="2">
+            <a:schemeClr val="accent1">
+              <a:shade val="50000"/>
+            </a:schemeClr>
+          </a:lnRef>
+          <a:fillRef idx="1">
+            <a:schemeClr val="accent1"/>
+          </a:fillRef>
+          <a:effectRef idx="0">
+            <a:schemeClr val="accent1"/>
+          </a:effectRef>
+          <a:fontRef idx="minor">
+            <a:schemeClr val="lt1"/>
+          </a:fontRef>
+        </p:style>
+        <p:txBody>
+          <a:bodyPr rtlCol="0" anchor="ctr"/>
+          <a:lstStyle/>
+          <a:p>
+            <a:pPr algn="ctr"/>
+            <a:endParaRPr lang="ko-KR" altLang="en-US"/>
+          </a:p>
+        </p:txBody>
+      </p:sp>
+      <p:cxnSp>
+        <p:nvCxnSpPr>
+          <p:cNvPr id="44" name="꺾인 연결선 43"/>
+          <p:cNvCxnSpPr>
+            <a:stCxn id="31" idx="3"/>
+            <a:endCxn id="31" idx="1"/>
+          </p:cNvCxnSpPr>
+          <p:nvPr/>
+        </p:nvCxnSpPr>
+        <p:spPr>
+          <a:xfrm flipH="1">
+            <a:off x="4761548" y="5709197"/>
+            <a:ext cx="1346662" cy="12700"/>
+          </a:xfrm>
+          <a:prstGeom prst="bentConnector5">
+            <a:avLst>
+              <a:gd name="adj1" fmla="val -16975"/>
+              <a:gd name="adj2" fmla="val 5446441"/>
+              <a:gd name="adj3" fmla="val 116975"/>
+            </a:avLst>
+          </a:prstGeom>
+          <a:ln w="57150">
+            <a:solidFill>
+              <a:schemeClr val="tx1"/>
+            </a:solidFill>
+            <a:prstDash val="sysDot"/>
+            <a:tailEnd type="triangle"/>
+          </a:ln>
+        </p:spPr>
+        <p:style>
+          <a:lnRef idx="1">
+            <a:schemeClr val="accent1"/>
+          </a:lnRef>
+          <a:fillRef idx="0">
+            <a:schemeClr val="accent1"/>
+          </a:fillRef>
+          <a:effectRef idx="0">
+            <a:schemeClr val="accent1"/>
+          </a:effectRef>
+          <a:fontRef idx="minor">
+            <a:schemeClr val="tx1"/>
+          </a:fontRef>
+        </p:style>
+      </p:cxnSp>
+      <p:sp>
+        <p:nvSpPr>
+          <p:cNvPr id="45" name="TextBox 44"/>
+          <p:cNvSpPr txBox="1"/>
+          <p:nvPr/>
+        </p:nvSpPr>
+        <p:spPr>
+          <a:xfrm>
+            <a:off x="4816945" y="6430896"/>
+            <a:ext cx="1155470" cy="369332"/>
+          </a:xfrm>
+          <a:prstGeom prst="rect">
+            <a:avLst/>
+          </a:prstGeom>
+          <a:noFill/>
+        </p:spPr>
+        <p:txBody>
+          <a:bodyPr wrap="square" rtlCol="0">
+            <a:spAutoFit/>
+          </a:bodyPr>
+          <a:lstStyle/>
+          <a:p>
+            <a:pPr algn="ctr"/>
+            <a:r>
+              <a:rPr lang="en-US" altLang="ko-KR" dirty="0" smtClean="0"/>
+              <a:t>Iteration</a:t>
+            </a:r>
+            <a:endParaRPr lang="ko-KR" altLang="en-US" dirty="0"/>
+          </a:p>
+        </p:txBody>
+      </p:sp>
     </p:spTree>
     <p:extLst>
       <p:ext uri="{BB962C8B-B14F-4D97-AF65-F5344CB8AC3E}">
-        <p14:creationId xmlns:p14="http://schemas.microsoft.com/office/powerpoint/2010/main" val="2094534123"/>
+        <p14:creationId xmlns:p14="http://schemas.microsoft.com/office/powerpoint/2010/main" val="482977990"/>
       </p:ext>
     </p:extLst>
   </p:cSld>
@@ -4235,52 +4989,6 @@
           <a:chExt cx="0" cy="0"/>
         </a:xfrm>
       </p:grpSpPr>
-      <p:pic>
-        <p:nvPicPr>
-          <p:cNvPr id="17" name="그림 16"/>
-          <p:cNvPicPr>
-            <a:picLocks noChangeAspect="1"/>
-          </p:cNvPicPr>
-          <p:nvPr/>
-        </p:nvPicPr>
-        <p:blipFill rotWithShape="1">
-          <a:blip r:embed="rId2"/>
-          <a:srcRect l="34253" r="34607"/>
-          <a:stretch/>
-        </p:blipFill>
-        <p:spPr>
-          <a:xfrm>
-            <a:off x="2538420" y="571899"/>
-            <a:ext cx="1619250" cy="3600000"/>
-          </a:xfrm>
-          <a:prstGeom prst="rect">
-            <a:avLst/>
-          </a:prstGeom>
-        </p:spPr>
-      </p:pic>
-      <p:pic>
-        <p:nvPicPr>
-          <p:cNvPr id="18" name="그림 17"/>
-          <p:cNvPicPr>
-            <a:picLocks noChangeAspect="1"/>
-          </p:cNvPicPr>
-          <p:nvPr/>
-        </p:nvPicPr>
-        <p:blipFill rotWithShape="1">
-          <a:blip r:embed="rId3"/>
-          <a:srcRect l="34766" r="34529"/>
-          <a:stretch/>
-        </p:blipFill>
-        <p:spPr>
-          <a:xfrm>
-            <a:off x="581482" y="571899"/>
-            <a:ext cx="1600200" cy="3600000"/>
-          </a:xfrm>
-          <a:prstGeom prst="rect">
-            <a:avLst/>
-          </a:prstGeom>
-        </p:spPr>
-      </p:pic>
       <p:sp>
         <p:nvSpPr>
           <p:cNvPr id="3" name="날짜 개체 틀 2"/>
@@ -4298,7 +5006,7 @@
           <a:p>
             <a:fld id="{9B9B7D2E-B202-4D7A-9519-0C490A04EB9C}" type="datetime1">
               <a:rPr lang="ko-KR" altLang="en-US" smtClean="0"/>
-              <a:t>2019-06-24</a:t>
+              <a:t>2019-06-27</a:t>
             </a:fld>
             <a:endParaRPr lang="ko-KR" altLang="en-US"/>
           </a:p>
@@ -4336,7 +5044,7 @@
         <p:spPr>
           <a:xfrm>
             <a:off x="0" y="2512"/>
-            <a:ext cx="3638817" cy="400110"/>
+            <a:ext cx="3354573" cy="400110"/>
           </a:xfrm>
           <a:prstGeom prst="rect">
             <a:avLst/>
@@ -4355,7 +5063,15 @@
                   <a:srgbClr val="3333FF"/>
                 </a:solidFill>
               </a:rPr>
-              <a:t>2D Power Splitter – FDTD Setting</a:t>
+              <a:t>2D Power Splitter – </a:t>
+            </a:r>
+            <a:r>
+              <a:rPr lang="en-US" altLang="ko-KR" sz="2000" b="1" dirty="0" smtClean="0">
+                <a:solidFill>
+                  <a:srgbClr val="3333FF"/>
+                </a:solidFill>
+              </a:rPr>
+              <a:t>Algorithm</a:t>
             </a:r>
             <a:endParaRPr lang="ko-KR" altLang="en-US" sz="2000" b="1" dirty="0">
               <a:solidFill>
@@ -4367,14 +5083,14 @@
       </p:sp>
       <p:sp>
         <p:nvSpPr>
-          <p:cNvPr id="6" name="TextBox 5"/>
+          <p:cNvPr id="26" name="TextBox 25"/>
           <p:cNvSpPr txBox="1"/>
           <p:nvPr/>
         </p:nvSpPr>
         <p:spPr>
           <a:xfrm>
-            <a:off x="359929" y="4493175"/>
-            <a:ext cx="3998422" cy="1477328"/>
+            <a:off x="-70952" y="430340"/>
+            <a:ext cx="4582245" cy="369332"/>
           </a:xfrm>
           <a:prstGeom prst="rect">
             <a:avLst/>
@@ -4387,304 +5103,33 @@
           </a:bodyPr>
           <a:lstStyle/>
           <a:p>
-            <a:pPr marL="285750" indent="-285750">
-              <a:buFontTx/>
-              <a:buChar char="-"/>
-            </a:pPr>
+            <a:pPr algn="just"/>
             <a:r>
               <a:rPr lang="en-US" altLang="ko-KR" dirty="0" smtClean="0"/>
-              <a:t>Simulation region: 250 ~ 350 um</a:t>
-            </a:r>
-          </a:p>
-          <a:p>
-            <a:pPr marL="285750" indent="-285750">
-              <a:buFontTx/>
-              <a:buChar char="-"/>
-            </a:pPr>
-            <a:r>
-              <a:rPr lang="en-US" altLang="ko-KR" dirty="0" smtClean="0"/>
-              <a:t>Waveguide thickness: 100 um</a:t>
-            </a:r>
-          </a:p>
-          <a:p>
-            <a:pPr marL="285750" indent="-285750">
-              <a:buFontTx/>
-              <a:buChar char="-"/>
-            </a:pPr>
-            <a:r>
-              <a:rPr lang="en-US" altLang="ko-KR" dirty="0" smtClean="0"/>
-              <a:t>Square: 500 um x 500 um</a:t>
-            </a:r>
-          </a:p>
-          <a:p>
-            <a:pPr marL="285750" indent="-285750">
-              <a:buFontTx/>
-              <a:buChar char="-"/>
-            </a:pPr>
-            <a:r>
-              <a:rPr lang="en-US" altLang="ko-KR" dirty="0" smtClean="0"/>
-              <a:t>Taper connection: 250 um</a:t>
-            </a:r>
-          </a:p>
-          <a:p>
-            <a:pPr marL="285750" indent="-285750">
-              <a:buFontTx/>
-              <a:buChar char="-"/>
-            </a:pPr>
-            <a:r>
-              <a:rPr lang="en-US" altLang="ko-KR" dirty="0" smtClean="0"/>
-              <a:t>Holes: 20x20 with a radius of 9 um</a:t>
+              <a:t>FCDNN (Fully Connected Deep Neural Network)</a:t>
             </a:r>
             <a:endParaRPr lang="ko-KR" altLang="en-US" dirty="0"/>
           </a:p>
         </p:txBody>
       </p:sp>
-      <p:pic>
-        <p:nvPicPr>
-          <p:cNvPr id="9" name="그림 8"/>
-          <p:cNvPicPr>
-            <a:picLocks noChangeAspect="1"/>
-          </p:cNvPicPr>
+      <p:sp>
+        <p:nvSpPr>
+          <p:cNvPr id="27" name="직사각형 26"/>
+          <p:cNvSpPr/>
           <p:nvPr/>
-        </p:nvPicPr>
-        <p:blipFill>
-          <a:blip r:embed="rId4">
-            <a:extLst>
-              <a:ext uri="{28A0092B-C50C-407E-A947-70E740481C1C}">
-                <a14:useLocalDpi xmlns:a14="http://schemas.microsoft.com/office/drawing/2010/main" val="0"/>
-              </a:ext>
-            </a:extLst>
-          </a:blip>
-          <a:stretch>
-            <a:fillRect/>
-          </a:stretch>
-        </p:blipFill>
-        <p:spPr>
-          <a:xfrm>
-            <a:off x="4759190" y="418350"/>
-            <a:ext cx="3600000" cy="2239862"/>
+        </p:nvSpPr>
+        <p:spPr>
+          <a:xfrm>
+            <a:off x="1530579" y="2900856"/>
+            <a:ext cx="714567" cy="958566"/>
           </a:xfrm>
           <a:prstGeom prst="rect">
             <a:avLst/>
           </a:prstGeom>
-        </p:spPr>
-      </p:pic>
-      <p:pic>
-        <p:nvPicPr>
-          <p:cNvPr id="10" name="그림 9"/>
-          <p:cNvPicPr>
-            <a:picLocks noChangeAspect="1"/>
-          </p:cNvPicPr>
-          <p:nvPr/>
-        </p:nvPicPr>
-        <p:blipFill>
-          <a:blip r:embed="rId5">
-            <a:extLst>
-              <a:ext uri="{28A0092B-C50C-407E-A947-70E740481C1C}">
-                <a14:useLocalDpi xmlns:a14="http://schemas.microsoft.com/office/drawing/2010/main" val="0"/>
-              </a:ext>
-            </a:extLst>
-          </a:blip>
-          <a:stretch>
-            <a:fillRect/>
-          </a:stretch>
-        </p:blipFill>
-        <p:spPr>
-          <a:xfrm>
-            <a:off x="4759190" y="2658212"/>
-            <a:ext cx="3600000" cy="2239861"/>
-          </a:xfrm>
-          <a:prstGeom prst="rect">
-            <a:avLst/>
-          </a:prstGeom>
-        </p:spPr>
-      </p:pic>
-      <p:sp>
-        <p:nvSpPr>
-          <p:cNvPr id="11" name="TextBox 10"/>
-          <p:cNvSpPr txBox="1"/>
-          <p:nvPr/>
-        </p:nvSpPr>
-        <p:spPr>
-          <a:xfrm>
-            <a:off x="552330" y="517206"/>
-            <a:ext cx="626038" cy="369332"/>
-          </a:xfrm>
-          <a:prstGeom prst="rect">
-            <a:avLst/>
-          </a:prstGeom>
           <a:noFill/>
-        </p:spPr>
-        <p:txBody>
-          <a:bodyPr wrap="square" rtlCol="0">
-            <a:spAutoFit/>
-          </a:bodyPr>
-          <a:lstStyle/>
-          <a:p>
-            <a:r>
-              <a:rPr lang="en-US" altLang="ko-KR" dirty="0" smtClean="0">
-                <a:solidFill>
-                  <a:schemeClr val="bg1"/>
-                </a:solidFill>
-              </a:rPr>
-              <a:t>(a)-1</a:t>
-            </a:r>
-            <a:endParaRPr lang="ko-KR" altLang="en-US" dirty="0">
-              <a:solidFill>
-                <a:schemeClr val="bg1"/>
-              </a:solidFill>
-            </a:endParaRPr>
-          </a:p>
-        </p:txBody>
-      </p:sp>
-      <p:sp>
-        <p:nvSpPr>
-          <p:cNvPr id="12" name="TextBox 11"/>
-          <p:cNvSpPr txBox="1"/>
-          <p:nvPr/>
-        </p:nvSpPr>
-        <p:spPr>
-          <a:xfrm>
-            <a:off x="2538420" y="517206"/>
-            <a:ext cx="626038" cy="369332"/>
-          </a:xfrm>
-          <a:prstGeom prst="rect">
-            <a:avLst/>
-          </a:prstGeom>
-          <a:noFill/>
-        </p:spPr>
-        <p:txBody>
-          <a:bodyPr wrap="square" rtlCol="0">
-            <a:spAutoFit/>
-          </a:bodyPr>
-          <a:lstStyle/>
-          <a:p>
-            <a:r>
-              <a:rPr lang="en-US" altLang="ko-KR" dirty="0" smtClean="0">
-                <a:solidFill>
-                  <a:schemeClr val="bg1"/>
-                </a:solidFill>
-              </a:rPr>
-              <a:t>(a)-2</a:t>
-            </a:r>
-            <a:endParaRPr lang="ko-KR" altLang="en-US" dirty="0">
-              <a:solidFill>
-                <a:schemeClr val="bg1"/>
-              </a:solidFill>
-            </a:endParaRPr>
-          </a:p>
-        </p:txBody>
-      </p:sp>
-      <p:sp>
-        <p:nvSpPr>
-          <p:cNvPr id="13" name="TextBox 12"/>
-          <p:cNvSpPr txBox="1"/>
-          <p:nvPr/>
-        </p:nvSpPr>
-        <p:spPr>
-          <a:xfrm>
-            <a:off x="4962404" y="373895"/>
-            <a:ext cx="695445" cy="369332"/>
-          </a:xfrm>
-          <a:prstGeom prst="rect">
-            <a:avLst/>
-          </a:prstGeom>
-          <a:noFill/>
-        </p:spPr>
-        <p:txBody>
-          <a:bodyPr wrap="square" rtlCol="0">
-            <a:spAutoFit/>
-          </a:bodyPr>
-          <a:lstStyle/>
-          <a:p>
-            <a:r>
-              <a:rPr lang="en-US" altLang="ko-KR" dirty="0" smtClean="0"/>
-              <a:t>(b)-1</a:t>
-            </a:r>
-            <a:endParaRPr lang="ko-KR" altLang="en-US" dirty="0"/>
-          </a:p>
-        </p:txBody>
-      </p:sp>
-      <p:sp>
-        <p:nvSpPr>
-          <p:cNvPr id="14" name="TextBox 13"/>
-          <p:cNvSpPr txBox="1"/>
-          <p:nvPr/>
-        </p:nvSpPr>
-        <p:spPr>
-          <a:xfrm>
-            <a:off x="4962405" y="2689329"/>
-            <a:ext cx="695444" cy="369332"/>
-          </a:xfrm>
-          <a:prstGeom prst="rect">
-            <a:avLst/>
-          </a:prstGeom>
-          <a:noFill/>
-        </p:spPr>
-        <p:txBody>
-          <a:bodyPr wrap="square" rtlCol="0">
-            <a:spAutoFit/>
-          </a:bodyPr>
-          <a:lstStyle/>
-          <a:p>
-            <a:r>
-              <a:rPr lang="en-US" altLang="ko-KR" dirty="0" smtClean="0"/>
-              <a:t>(b)-2</a:t>
-            </a:r>
-            <a:endParaRPr lang="ko-KR" altLang="en-US" dirty="0"/>
-          </a:p>
-        </p:txBody>
-      </p:sp>
-      <p:sp>
-        <p:nvSpPr>
-          <p:cNvPr id="15" name="TextBox 14"/>
-          <p:cNvSpPr txBox="1"/>
-          <p:nvPr/>
-        </p:nvSpPr>
-        <p:spPr>
-          <a:xfrm>
-            <a:off x="6129990" y="202567"/>
-            <a:ext cx="1296463" cy="369332"/>
-          </a:xfrm>
-          <a:prstGeom prst="rect">
-            <a:avLst/>
-          </a:prstGeom>
-          <a:noFill/>
-        </p:spPr>
-        <p:txBody>
-          <a:bodyPr wrap="square" rtlCol="0">
-            <a:spAutoFit/>
-          </a:bodyPr>
-          <a:lstStyle/>
-          <a:p>
-            <a:r>
-              <a:rPr lang="en-US" altLang="ko-KR" dirty="0" smtClean="0"/>
-              <a:t>Output 1&amp;2</a:t>
-            </a:r>
-            <a:endParaRPr lang="ko-KR" altLang="en-US" dirty="0"/>
-          </a:p>
-        </p:txBody>
-      </p:sp>
-      <p:sp>
-        <p:nvSpPr>
-          <p:cNvPr id="16" name="위쪽 화살표 15"/>
-          <p:cNvSpPr/>
-          <p:nvPr/>
-        </p:nvSpPr>
-        <p:spPr>
-          <a:xfrm>
-            <a:off x="2216325" y="645279"/>
-            <a:ext cx="285630" cy="3383813"/>
-          </a:xfrm>
-          <a:prstGeom prst="upArrow">
-            <a:avLst/>
-          </a:prstGeom>
-          <a:solidFill>
-            <a:srgbClr val="FFFF00"/>
-          </a:solidFill>
-          <a:ln w="19050">
+          <a:ln w="57150">
             <a:solidFill>
-              <a:schemeClr val="tx1"/>
+              <a:srgbClr val="0070C0"/>
             </a:solidFill>
           </a:ln>
         </p:spPr>
@@ -4709,14 +5154,2428 @@
           <a:lstStyle/>
           <a:p>
             <a:pPr algn="ctr"/>
+            <a:r>
+              <a:rPr lang="en-US" altLang="ko-KR" dirty="0" smtClean="0">
+                <a:solidFill>
+                  <a:schemeClr val="tx1"/>
+                </a:solidFill>
+              </a:rPr>
+              <a:t>Layer</a:t>
+            </a:r>
+          </a:p>
+          <a:p>
+            <a:pPr algn="ctr"/>
+            <a:r>
+              <a:rPr lang="en-US" altLang="ko-KR" dirty="0" smtClean="0">
+                <a:solidFill>
+                  <a:schemeClr val="tx1"/>
+                </a:solidFill>
+              </a:rPr>
+              <a:t>1</a:t>
+            </a:r>
+            <a:endParaRPr lang="ko-KR" altLang="en-US" dirty="0">
+              <a:solidFill>
+                <a:schemeClr val="tx1"/>
+              </a:solidFill>
+            </a:endParaRPr>
+          </a:p>
+        </p:txBody>
+      </p:sp>
+      <p:sp>
+        <p:nvSpPr>
+          <p:cNvPr id="34" name="TextBox 33"/>
+          <p:cNvSpPr txBox="1"/>
+          <p:nvPr/>
+        </p:nvSpPr>
+        <p:spPr>
+          <a:xfrm>
+            <a:off x="1530579" y="1511557"/>
+            <a:ext cx="1155470" cy="369332"/>
+          </a:xfrm>
+          <a:prstGeom prst="rect">
+            <a:avLst/>
+          </a:prstGeom>
+          <a:noFill/>
+        </p:spPr>
+        <p:txBody>
+          <a:bodyPr wrap="square" rtlCol="0">
+            <a:spAutoFit/>
+          </a:bodyPr>
+          <a:lstStyle/>
+          <a:p>
+            <a:pPr algn="ctr"/>
+            <a:r>
+              <a:rPr lang="en-US" altLang="ko-KR" dirty="0" smtClean="0"/>
+              <a:t>Input</a:t>
+            </a:r>
+            <a:endParaRPr lang="ko-KR" altLang="en-US" dirty="0"/>
+          </a:p>
+        </p:txBody>
+      </p:sp>
+      <p:pic>
+        <p:nvPicPr>
+          <p:cNvPr id="6" name="그림 5"/>
+          <p:cNvPicPr>
+            <a:picLocks noChangeAspect="1"/>
+          </p:cNvPicPr>
+          <p:nvPr/>
+        </p:nvPicPr>
+        <p:blipFill>
+          <a:blip r:embed="rId2">
+            <a:extLst>
+              <a:ext uri="{28A0092B-C50C-407E-A947-70E740481C1C}">
+                <a14:useLocalDpi xmlns:a14="http://schemas.microsoft.com/office/drawing/2010/main" val="0"/>
+              </a:ext>
+            </a:extLst>
+          </a:blip>
+          <a:stretch>
+            <a:fillRect/>
+          </a:stretch>
+        </p:blipFill>
+        <p:spPr>
+          <a:xfrm>
+            <a:off x="3354573" y="838609"/>
+            <a:ext cx="2439398" cy="1715228"/>
+          </a:xfrm>
+          <a:prstGeom prst="rect">
+            <a:avLst/>
+          </a:prstGeom>
+        </p:spPr>
+      </p:pic>
+      <p:sp>
+        <p:nvSpPr>
+          <p:cNvPr id="43" name="TextBox 42"/>
+          <p:cNvSpPr txBox="1"/>
+          <p:nvPr/>
+        </p:nvSpPr>
+        <p:spPr>
+          <a:xfrm>
+            <a:off x="-45976" y="2362589"/>
+            <a:ext cx="2732026" cy="369332"/>
+          </a:xfrm>
+          <a:prstGeom prst="rect">
+            <a:avLst/>
+          </a:prstGeom>
+          <a:noFill/>
+        </p:spPr>
+        <p:txBody>
+          <a:bodyPr wrap="square" rtlCol="0">
+            <a:spAutoFit/>
+          </a:bodyPr>
+          <a:lstStyle/>
+          <a:p>
+            <a:pPr algn="just"/>
+            <a:r>
+              <a:rPr lang="en-US" altLang="ko-KR" dirty="0" err="1" smtClean="0"/>
+              <a:t>ResNet</a:t>
+            </a:r>
+            <a:r>
+              <a:rPr lang="en-US" altLang="ko-KR" dirty="0" smtClean="0"/>
+              <a:t> (Residual Network)</a:t>
+            </a:r>
+            <a:endParaRPr lang="ko-KR" altLang="en-US" dirty="0"/>
+          </a:p>
+        </p:txBody>
+      </p:sp>
+      <p:sp>
+        <p:nvSpPr>
+          <p:cNvPr id="46" name="TextBox 45"/>
+          <p:cNvSpPr txBox="1"/>
+          <p:nvPr/>
+        </p:nvSpPr>
+        <p:spPr>
+          <a:xfrm>
+            <a:off x="6441063" y="1511557"/>
+            <a:ext cx="1155470" cy="369332"/>
+          </a:xfrm>
+          <a:prstGeom prst="rect">
+            <a:avLst/>
+          </a:prstGeom>
+          <a:noFill/>
+        </p:spPr>
+        <p:txBody>
+          <a:bodyPr wrap="square" rtlCol="0">
+            <a:spAutoFit/>
+          </a:bodyPr>
+          <a:lstStyle/>
+          <a:p>
+            <a:pPr algn="ctr"/>
+            <a:r>
+              <a:rPr lang="en-US" altLang="ko-KR" dirty="0" smtClean="0"/>
+              <a:t>Output</a:t>
+            </a:r>
+            <a:endParaRPr lang="ko-KR" altLang="en-US" dirty="0"/>
+          </a:p>
+        </p:txBody>
+      </p:sp>
+      <p:sp>
+        <p:nvSpPr>
+          <p:cNvPr id="47" name="TextBox 46"/>
+          <p:cNvSpPr txBox="1"/>
+          <p:nvPr/>
+        </p:nvSpPr>
+        <p:spPr>
+          <a:xfrm>
+            <a:off x="395016" y="3193917"/>
+            <a:ext cx="778280" cy="369332"/>
+          </a:xfrm>
+          <a:prstGeom prst="rect">
+            <a:avLst/>
+          </a:prstGeom>
+          <a:noFill/>
+        </p:spPr>
+        <p:txBody>
+          <a:bodyPr wrap="square" rtlCol="0">
+            <a:spAutoFit/>
+          </a:bodyPr>
+          <a:lstStyle/>
+          <a:p>
+            <a:pPr algn="ctr"/>
+            <a:r>
+              <a:rPr lang="en-US" altLang="ko-KR" dirty="0" smtClean="0"/>
+              <a:t>Input</a:t>
+            </a:r>
+            <a:endParaRPr lang="ko-KR" altLang="en-US" dirty="0"/>
+          </a:p>
+        </p:txBody>
+      </p:sp>
+      <p:sp>
+        <p:nvSpPr>
+          <p:cNvPr id="51" name="직사각형 50"/>
+          <p:cNvSpPr/>
+          <p:nvPr/>
+        </p:nvSpPr>
+        <p:spPr>
+          <a:xfrm>
+            <a:off x="2657249" y="2900856"/>
+            <a:ext cx="714567" cy="958566"/>
+          </a:xfrm>
+          <a:prstGeom prst="rect">
+            <a:avLst/>
+          </a:prstGeom>
+          <a:noFill/>
+          <a:ln w="57150">
+            <a:solidFill>
+              <a:srgbClr val="0070C0"/>
+            </a:solidFill>
+          </a:ln>
+        </p:spPr>
+        <p:style>
+          <a:lnRef idx="2">
+            <a:schemeClr val="accent1">
+              <a:shade val="50000"/>
+            </a:schemeClr>
+          </a:lnRef>
+          <a:fillRef idx="1">
+            <a:schemeClr val="accent1"/>
+          </a:fillRef>
+          <a:effectRef idx="0">
+            <a:schemeClr val="accent1"/>
+          </a:effectRef>
+          <a:fontRef idx="minor">
+            <a:schemeClr val="lt1"/>
+          </a:fontRef>
+        </p:style>
+        <p:txBody>
+          <a:bodyPr rtlCol="0" anchor="ctr"/>
+          <a:lstStyle/>
+          <a:p>
+            <a:pPr algn="ctr"/>
+            <a:r>
+              <a:rPr lang="en-US" altLang="ko-KR" dirty="0" smtClean="0">
+                <a:solidFill>
+                  <a:schemeClr val="tx1"/>
+                </a:solidFill>
+              </a:rPr>
+              <a:t>Layer</a:t>
+            </a:r>
+          </a:p>
+          <a:p>
+            <a:pPr algn="ctr"/>
+            <a:r>
+              <a:rPr lang="en-US" altLang="ko-KR" dirty="0">
+                <a:solidFill>
+                  <a:schemeClr val="tx1"/>
+                </a:solidFill>
+              </a:rPr>
+              <a:t>2</a:t>
+            </a:r>
+            <a:endParaRPr lang="ko-KR" altLang="en-US" dirty="0">
+              <a:solidFill>
+                <a:schemeClr val="tx1"/>
+              </a:solidFill>
+            </a:endParaRPr>
+          </a:p>
+        </p:txBody>
+      </p:sp>
+      <p:sp>
+        <p:nvSpPr>
+          <p:cNvPr id="52" name="직사각형 51"/>
+          <p:cNvSpPr/>
+          <p:nvPr/>
+        </p:nvSpPr>
+        <p:spPr>
+          <a:xfrm>
+            <a:off x="4406725" y="2900856"/>
+            <a:ext cx="714567" cy="958566"/>
+          </a:xfrm>
+          <a:prstGeom prst="rect">
+            <a:avLst/>
+          </a:prstGeom>
+          <a:noFill/>
+          <a:ln w="57150">
+            <a:solidFill>
+              <a:srgbClr val="0070C0"/>
+            </a:solidFill>
+          </a:ln>
+        </p:spPr>
+        <p:style>
+          <a:lnRef idx="2">
+            <a:schemeClr val="accent1">
+              <a:shade val="50000"/>
+            </a:schemeClr>
+          </a:lnRef>
+          <a:fillRef idx="1">
+            <a:schemeClr val="accent1"/>
+          </a:fillRef>
+          <a:effectRef idx="0">
+            <a:schemeClr val="accent1"/>
+          </a:effectRef>
+          <a:fontRef idx="minor">
+            <a:schemeClr val="lt1"/>
+          </a:fontRef>
+        </p:style>
+        <p:txBody>
+          <a:bodyPr rtlCol="0" anchor="ctr"/>
+          <a:lstStyle/>
+          <a:p>
+            <a:pPr algn="ctr"/>
+            <a:r>
+              <a:rPr lang="en-US" altLang="ko-KR" dirty="0" smtClean="0">
+                <a:solidFill>
+                  <a:schemeClr val="tx1"/>
+                </a:solidFill>
+              </a:rPr>
+              <a:t>Layer</a:t>
+            </a:r>
+          </a:p>
+          <a:p>
+            <a:pPr algn="ctr"/>
+            <a:r>
+              <a:rPr lang="en-US" altLang="ko-KR" dirty="0" smtClean="0">
+                <a:solidFill>
+                  <a:schemeClr val="tx1"/>
+                </a:solidFill>
+              </a:rPr>
+              <a:t>3</a:t>
+            </a:r>
+            <a:endParaRPr lang="ko-KR" altLang="en-US" dirty="0">
+              <a:solidFill>
+                <a:schemeClr val="tx1"/>
+              </a:solidFill>
+            </a:endParaRPr>
+          </a:p>
+        </p:txBody>
+      </p:sp>
+      <p:sp>
+        <p:nvSpPr>
+          <p:cNvPr id="53" name="직사각형 52"/>
+          <p:cNvSpPr/>
+          <p:nvPr/>
+        </p:nvSpPr>
+        <p:spPr>
+          <a:xfrm>
+            <a:off x="5533396" y="2900856"/>
+            <a:ext cx="714567" cy="958566"/>
+          </a:xfrm>
+          <a:prstGeom prst="rect">
+            <a:avLst/>
+          </a:prstGeom>
+          <a:noFill/>
+          <a:ln w="57150">
+            <a:solidFill>
+              <a:srgbClr val="0070C0"/>
+            </a:solidFill>
+          </a:ln>
+        </p:spPr>
+        <p:style>
+          <a:lnRef idx="2">
+            <a:schemeClr val="accent1">
+              <a:shade val="50000"/>
+            </a:schemeClr>
+          </a:lnRef>
+          <a:fillRef idx="1">
+            <a:schemeClr val="accent1"/>
+          </a:fillRef>
+          <a:effectRef idx="0">
+            <a:schemeClr val="accent1"/>
+          </a:effectRef>
+          <a:fontRef idx="minor">
+            <a:schemeClr val="lt1"/>
+          </a:fontRef>
+        </p:style>
+        <p:txBody>
+          <a:bodyPr rtlCol="0" anchor="ctr"/>
+          <a:lstStyle/>
+          <a:p>
+            <a:pPr algn="ctr"/>
+            <a:r>
+              <a:rPr lang="en-US" altLang="ko-KR" dirty="0" smtClean="0">
+                <a:solidFill>
+                  <a:schemeClr val="tx1"/>
+                </a:solidFill>
+              </a:rPr>
+              <a:t>Layer</a:t>
+            </a:r>
+          </a:p>
+          <a:p>
+            <a:pPr algn="ctr"/>
+            <a:r>
+              <a:rPr lang="en-US" altLang="ko-KR" dirty="0" smtClean="0">
+                <a:solidFill>
+                  <a:schemeClr val="tx1"/>
+                </a:solidFill>
+              </a:rPr>
+              <a:t>4</a:t>
+            </a:r>
+            <a:endParaRPr lang="ko-KR" altLang="en-US" dirty="0">
+              <a:solidFill>
+                <a:schemeClr val="tx1"/>
+              </a:solidFill>
+            </a:endParaRPr>
+          </a:p>
+        </p:txBody>
+      </p:sp>
+      <p:sp>
+        <p:nvSpPr>
+          <p:cNvPr id="54" name="TextBox 53"/>
+          <p:cNvSpPr txBox="1"/>
+          <p:nvPr/>
+        </p:nvSpPr>
+        <p:spPr>
+          <a:xfrm>
+            <a:off x="7312451" y="3193917"/>
+            <a:ext cx="866728" cy="369332"/>
+          </a:xfrm>
+          <a:prstGeom prst="rect">
+            <a:avLst/>
+          </a:prstGeom>
+          <a:noFill/>
+        </p:spPr>
+        <p:txBody>
+          <a:bodyPr wrap="square" rtlCol="0">
+            <a:spAutoFit/>
+          </a:bodyPr>
+          <a:lstStyle/>
+          <a:p>
+            <a:pPr algn="ctr"/>
+            <a:r>
+              <a:rPr lang="en-US" altLang="ko-KR" dirty="0" smtClean="0"/>
+              <a:t>Output</a:t>
+            </a:r>
+            <a:endParaRPr lang="ko-KR" altLang="en-US" dirty="0"/>
+          </a:p>
+        </p:txBody>
+      </p:sp>
+      <p:cxnSp>
+        <p:nvCxnSpPr>
+          <p:cNvPr id="10" name="직선 화살표 연결선 9"/>
+          <p:cNvCxnSpPr>
+            <a:stCxn id="27" idx="3"/>
+            <a:endCxn id="51" idx="1"/>
+          </p:cNvCxnSpPr>
+          <p:nvPr/>
+        </p:nvCxnSpPr>
+        <p:spPr>
+          <a:xfrm>
+            <a:off x="2245146" y="3380139"/>
+            <a:ext cx="412103" cy="0"/>
+          </a:xfrm>
+          <a:prstGeom prst="straightConnector1">
+            <a:avLst/>
+          </a:prstGeom>
+          <a:ln w="12700">
+            <a:tailEnd type="triangle"/>
+          </a:ln>
+        </p:spPr>
+        <p:style>
+          <a:lnRef idx="1">
+            <a:schemeClr val="dk1"/>
+          </a:lnRef>
+          <a:fillRef idx="0">
+            <a:schemeClr val="dk1"/>
+          </a:fillRef>
+          <a:effectRef idx="0">
+            <a:schemeClr val="dk1"/>
+          </a:effectRef>
+          <a:fontRef idx="minor">
+            <a:schemeClr val="tx1"/>
+          </a:fontRef>
+        </p:style>
+      </p:cxnSp>
+      <p:cxnSp>
+        <p:nvCxnSpPr>
+          <p:cNvPr id="56" name="직선 화살표 연결선 55"/>
+          <p:cNvCxnSpPr>
+            <a:stCxn id="52" idx="3"/>
+            <a:endCxn id="53" idx="1"/>
+          </p:cNvCxnSpPr>
+          <p:nvPr/>
+        </p:nvCxnSpPr>
+        <p:spPr>
+          <a:xfrm>
+            <a:off x="5121292" y="3380139"/>
+            <a:ext cx="412104" cy="0"/>
+          </a:xfrm>
+          <a:prstGeom prst="straightConnector1">
+            <a:avLst/>
+          </a:prstGeom>
+          <a:ln w="12700">
+            <a:tailEnd type="triangle"/>
+          </a:ln>
+        </p:spPr>
+        <p:style>
+          <a:lnRef idx="1">
+            <a:schemeClr val="dk1"/>
+          </a:lnRef>
+          <a:fillRef idx="0">
+            <a:schemeClr val="dk1"/>
+          </a:fillRef>
+          <a:effectRef idx="0">
+            <a:schemeClr val="dk1"/>
+          </a:effectRef>
+          <a:fontRef idx="minor">
+            <a:schemeClr val="tx1"/>
+          </a:fontRef>
+        </p:style>
+      </p:cxnSp>
+      <p:cxnSp>
+        <p:nvCxnSpPr>
+          <p:cNvPr id="57" name="직선 화살표 연결선 56"/>
+          <p:cNvCxnSpPr>
+            <a:stCxn id="47" idx="3"/>
+            <a:endCxn id="27" idx="1"/>
+          </p:cNvCxnSpPr>
+          <p:nvPr/>
+        </p:nvCxnSpPr>
+        <p:spPr>
+          <a:xfrm>
+            <a:off x="1173296" y="3378583"/>
+            <a:ext cx="357283" cy="1556"/>
+          </a:xfrm>
+          <a:prstGeom prst="straightConnector1">
+            <a:avLst/>
+          </a:prstGeom>
+          <a:ln w="12700">
+            <a:tailEnd type="triangle"/>
+          </a:ln>
+        </p:spPr>
+        <p:style>
+          <a:lnRef idx="1">
+            <a:schemeClr val="dk1"/>
+          </a:lnRef>
+          <a:fillRef idx="0">
+            <a:schemeClr val="dk1"/>
+          </a:fillRef>
+          <a:effectRef idx="0">
+            <a:schemeClr val="dk1"/>
+          </a:effectRef>
+          <a:fontRef idx="minor">
+            <a:schemeClr val="tx1"/>
+          </a:fontRef>
+        </p:style>
+      </p:cxnSp>
+      <p:cxnSp>
+        <p:nvCxnSpPr>
+          <p:cNvPr id="58" name="직선 화살표 연결선 57"/>
+          <p:cNvCxnSpPr>
+            <a:stCxn id="53" idx="3"/>
+            <a:endCxn id="100" idx="2"/>
+          </p:cNvCxnSpPr>
+          <p:nvPr/>
+        </p:nvCxnSpPr>
+        <p:spPr>
+          <a:xfrm flipV="1">
+            <a:off x="6247963" y="3378582"/>
+            <a:ext cx="244750" cy="1557"/>
+          </a:xfrm>
+          <a:prstGeom prst="straightConnector1">
+            <a:avLst/>
+          </a:prstGeom>
+          <a:ln w="12700">
+            <a:tailEnd type="triangle"/>
+          </a:ln>
+        </p:spPr>
+        <p:style>
+          <a:lnRef idx="1">
+            <a:schemeClr val="dk1"/>
+          </a:lnRef>
+          <a:fillRef idx="0">
+            <a:schemeClr val="dk1"/>
+          </a:fillRef>
+          <a:effectRef idx="0">
+            <a:schemeClr val="dk1"/>
+          </a:effectRef>
+          <a:fontRef idx="minor">
+            <a:schemeClr val="tx1"/>
+          </a:fontRef>
+        </p:style>
+      </p:cxnSp>
+      <p:cxnSp>
+        <p:nvCxnSpPr>
+          <p:cNvPr id="65" name="꺾인 연결선 64"/>
+          <p:cNvCxnSpPr>
+            <a:stCxn id="27" idx="1"/>
+            <a:endCxn id="82" idx="4"/>
+          </p:cNvCxnSpPr>
+          <p:nvPr/>
+        </p:nvCxnSpPr>
+        <p:spPr>
+          <a:xfrm rot="10800000" flipH="1" flipV="1">
+            <a:off x="1530578" y="3380138"/>
+            <a:ext cx="2306139" cy="209119"/>
+          </a:xfrm>
+          <a:prstGeom prst="bentConnector4">
+            <a:avLst>
+              <a:gd name="adj1" fmla="val -9913"/>
+              <a:gd name="adj2" fmla="val 338507"/>
+            </a:avLst>
+          </a:prstGeom>
+          <a:ln w="19050">
+            <a:solidFill>
+              <a:srgbClr val="FF0000"/>
+            </a:solidFill>
+            <a:tailEnd type="triangle"/>
+          </a:ln>
+        </p:spPr>
+        <p:style>
+          <a:lnRef idx="1">
+            <a:schemeClr val="accent1"/>
+          </a:lnRef>
+          <a:fillRef idx="0">
+            <a:schemeClr val="accent1"/>
+          </a:fillRef>
+          <a:effectRef idx="0">
+            <a:schemeClr val="accent1"/>
+          </a:effectRef>
+          <a:fontRef idx="minor">
+            <a:schemeClr val="tx1"/>
+          </a:fontRef>
+        </p:style>
+      </p:cxnSp>
+      <p:cxnSp>
+        <p:nvCxnSpPr>
+          <p:cNvPr id="70" name="꺾인 연결선 69"/>
+          <p:cNvCxnSpPr>
+            <a:stCxn id="52" idx="1"/>
+            <a:endCxn id="100" idx="4"/>
+          </p:cNvCxnSpPr>
+          <p:nvPr/>
+        </p:nvCxnSpPr>
+        <p:spPr>
+          <a:xfrm rot="10800000" flipH="1" flipV="1">
+            <a:off x="4406724" y="3380139"/>
+            <a:ext cx="2296663" cy="209118"/>
+          </a:xfrm>
+          <a:prstGeom prst="bentConnector4">
+            <a:avLst>
+              <a:gd name="adj1" fmla="val -9954"/>
+              <a:gd name="adj2" fmla="val 338509"/>
+            </a:avLst>
+          </a:prstGeom>
+          <a:ln w="19050">
+            <a:solidFill>
+              <a:srgbClr val="FF0000"/>
+            </a:solidFill>
+            <a:tailEnd type="triangle"/>
+          </a:ln>
+        </p:spPr>
+        <p:style>
+          <a:lnRef idx="1">
+            <a:schemeClr val="accent1"/>
+          </a:lnRef>
+          <a:fillRef idx="0">
+            <a:schemeClr val="accent1"/>
+          </a:fillRef>
+          <a:effectRef idx="0">
+            <a:schemeClr val="accent1"/>
+          </a:effectRef>
+          <a:fontRef idx="minor">
+            <a:schemeClr val="tx1"/>
+          </a:fontRef>
+        </p:style>
+      </p:cxnSp>
+      <p:sp>
+        <p:nvSpPr>
+          <p:cNvPr id="82" name="타원 81"/>
+          <p:cNvSpPr/>
+          <p:nvPr/>
+        </p:nvSpPr>
+        <p:spPr>
+          <a:xfrm>
+            <a:off x="3626043" y="3167908"/>
+            <a:ext cx="421350" cy="421350"/>
+          </a:xfrm>
+          <a:prstGeom prst="ellipse">
+            <a:avLst/>
+          </a:prstGeom>
+          <a:noFill/>
+        </p:spPr>
+        <p:style>
+          <a:lnRef idx="2">
+            <a:schemeClr val="accent1">
+              <a:shade val="50000"/>
+            </a:schemeClr>
+          </a:lnRef>
+          <a:fillRef idx="1">
+            <a:schemeClr val="accent1"/>
+          </a:fillRef>
+          <a:effectRef idx="0">
+            <a:schemeClr val="accent1"/>
+          </a:effectRef>
+          <a:fontRef idx="minor">
+            <a:schemeClr val="lt1"/>
+          </a:fontRef>
+        </p:style>
+        <p:txBody>
+          <a:bodyPr rtlCol="0" anchor="ctr"/>
+          <a:lstStyle/>
+          <a:p>
+            <a:pPr algn="ctr"/>
+            <a:r>
+              <a:rPr lang="en-US" altLang="ko-KR" sz="2800" dirty="0">
+                <a:solidFill>
+                  <a:schemeClr val="tx1"/>
+                </a:solidFill>
+              </a:rPr>
+              <a:t>+</a:t>
+            </a:r>
+            <a:endParaRPr lang="ko-KR" altLang="en-US" sz="2800" dirty="0">
+              <a:solidFill>
+                <a:schemeClr val="tx1"/>
+              </a:solidFill>
+            </a:endParaRPr>
+          </a:p>
+        </p:txBody>
+      </p:sp>
+      <p:cxnSp>
+        <p:nvCxnSpPr>
+          <p:cNvPr id="86" name="직선 화살표 연결선 85"/>
+          <p:cNvCxnSpPr>
+            <a:stCxn id="51" idx="3"/>
+            <a:endCxn id="82" idx="2"/>
+          </p:cNvCxnSpPr>
+          <p:nvPr/>
+        </p:nvCxnSpPr>
+        <p:spPr>
+          <a:xfrm flipV="1">
+            <a:off x="3371816" y="3378583"/>
+            <a:ext cx="254227" cy="1556"/>
+          </a:xfrm>
+          <a:prstGeom prst="straightConnector1">
+            <a:avLst/>
+          </a:prstGeom>
+          <a:ln w="12700">
+            <a:tailEnd type="triangle"/>
+          </a:ln>
+        </p:spPr>
+        <p:style>
+          <a:lnRef idx="1">
+            <a:schemeClr val="dk1"/>
+          </a:lnRef>
+          <a:fillRef idx="0">
+            <a:schemeClr val="dk1"/>
+          </a:fillRef>
+          <a:effectRef idx="0">
+            <a:schemeClr val="dk1"/>
+          </a:effectRef>
+          <a:fontRef idx="minor">
+            <a:schemeClr val="tx1"/>
+          </a:fontRef>
+        </p:style>
+      </p:cxnSp>
+      <p:cxnSp>
+        <p:nvCxnSpPr>
+          <p:cNvPr id="91" name="직선 화살표 연결선 90"/>
+          <p:cNvCxnSpPr>
+            <a:stCxn id="82" idx="6"/>
+            <a:endCxn id="52" idx="1"/>
+          </p:cNvCxnSpPr>
+          <p:nvPr/>
+        </p:nvCxnSpPr>
+        <p:spPr>
+          <a:xfrm>
+            <a:off x="4047393" y="3378583"/>
+            <a:ext cx="359332" cy="1556"/>
+          </a:xfrm>
+          <a:prstGeom prst="straightConnector1">
+            <a:avLst/>
+          </a:prstGeom>
+          <a:ln w="12700">
+            <a:tailEnd type="triangle"/>
+          </a:ln>
+        </p:spPr>
+        <p:style>
+          <a:lnRef idx="1">
+            <a:schemeClr val="dk1"/>
+          </a:lnRef>
+          <a:fillRef idx="0">
+            <a:schemeClr val="dk1"/>
+          </a:fillRef>
+          <a:effectRef idx="0">
+            <a:schemeClr val="dk1"/>
+          </a:effectRef>
+          <a:fontRef idx="minor">
+            <a:schemeClr val="tx1"/>
+          </a:fontRef>
+        </p:style>
+      </p:cxnSp>
+      <p:sp>
+        <p:nvSpPr>
+          <p:cNvPr id="100" name="타원 99"/>
+          <p:cNvSpPr/>
+          <p:nvPr/>
+        </p:nvSpPr>
+        <p:spPr>
+          <a:xfrm>
+            <a:off x="6492713" y="3167907"/>
+            <a:ext cx="421350" cy="421350"/>
+          </a:xfrm>
+          <a:prstGeom prst="ellipse">
+            <a:avLst/>
+          </a:prstGeom>
+          <a:noFill/>
+        </p:spPr>
+        <p:style>
+          <a:lnRef idx="2">
+            <a:schemeClr val="accent1">
+              <a:shade val="50000"/>
+            </a:schemeClr>
+          </a:lnRef>
+          <a:fillRef idx="1">
+            <a:schemeClr val="accent1"/>
+          </a:fillRef>
+          <a:effectRef idx="0">
+            <a:schemeClr val="accent1"/>
+          </a:effectRef>
+          <a:fontRef idx="minor">
+            <a:schemeClr val="lt1"/>
+          </a:fontRef>
+        </p:style>
+        <p:txBody>
+          <a:bodyPr rtlCol="0" anchor="ctr"/>
+          <a:lstStyle/>
+          <a:p>
+            <a:pPr algn="ctr"/>
+            <a:r>
+              <a:rPr lang="en-US" altLang="ko-KR" sz="2800" dirty="0">
+                <a:solidFill>
+                  <a:schemeClr val="tx1"/>
+                </a:solidFill>
+              </a:rPr>
+              <a:t>+</a:t>
+            </a:r>
+            <a:endParaRPr lang="ko-KR" altLang="en-US" sz="2800" dirty="0">
+              <a:solidFill>
+                <a:schemeClr val="tx1"/>
+              </a:solidFill>
+            </a:endParaRPr>
+          </a:p>
+        </p:txBody>
+      </p:sp>
+      <p:cxnSp>
+        <p:nvCxnSpPr>
+          <p:cNvPr id="105" name="직선 화살표 연결선 104"/>
+          <p:cNvCxnSpPr>
+            <a:stCxn id="100" idx="6"/>
+            <a:endCxn id="54" idx="1"/>
+          </p:cNvCxnSpPr>
+          <p:nvPr/>
+        </p:nvCxnSpPr>
+        <p:spPr>
+          <a:xfrm>
+            <a:off x="6914063" y="3378582"/>
+            <a:ext cx="398388" cy="1"/>
+          </a:xfrm>
+          <a:prstGeom prst="straightConnector1">
+            <a:avLst/>
+          </a:prstGeom>
+          <a:ln w="12700">
+            <a:tailEnd type="triangle"/>
+          </a:ln>
+        </p:spPr>
+        <p:style>
+          <a:lnRef idx="1">
+            <a:schemeClr val="dk1"/>
+          </a:lnRef>
+          <a:fillRef idx="0">
+            <a:schemeClr val="dk1"/>
+          </a:fillRef>
+          <a:effectRef idx="0">
+            <a:schemeClr val="dk1"/>
+          </a:effectRef>
+          <a:fontRef idx="minor">
+            <a:schemeClr val="tx1"/>
+          </a:fontRef>
+        </p:style>
+      </p:cxnSp>
+      <p:sp>
+        <p:nvSpPr>
+          <p:cNvPr id="128" name="TextBox 127"/>
+          <p:cNvSpPr txBox="1"/>
+          <p:nvPr/>
+        </p:nvSpPr>
+        <p:spPr>
+          <a:xfrm>
+            <a:off x="-60905" y="4066016"/>
+            <a:ext cx="1135650" cy="369332"/>
+          </a:xfrm>
+          <a:prstGeom prst="rect">
+            <a:avLst/>
+          </a:prstGeom>
+          <a:noFill/>
+        </p:spPr>
+        <p:txBody>
+          <a:bodyPr wrap="square" rtlCol="0">
+            <a:spAutoFit/>
+          </a:bodyPr>
+          <a:lstStyle/>
+          <a:p>
+            <a:pPr algn="just"/>
+            <a:r>
+              <a:rPr lang="en-US" altLang="ko-KR" dirty="0" err="1" smtClean="0"/>
+              <a:t>DenseNet</a:t>
+            </a:r>
+            <a:endParaRPr lang="ko-KR" altLang="en-US" dirty="0"/>
+          </a:p>
+        </p:txBody>
+      </p:sp>
+      <p:sp>
+        <p:nvSpPr>
+          <p:cNvPr id="129" name="TextBox 128"/>
+          <p:cNvSpPr txBox="1"/>
+          <p:nvPr/>
+        </p:nvSpPr>
+        <p:spPr>
+          <a:xfrm>
+            <a:off x="278638" y="5102712"/>
+            <a:ext cx="778280" cy="369332"/>
+          </a:xfrm>
+          <a:prstGeom prst="rect">
+            <a:avLst/>
+          </a:prstGeom>
+          <a:noFill/>
+        </p:spPr>
+        <p:txBody>
+          <a:bodyPr wrap="square" rtlCol="0">
+            <a:spAutoFit/>
+          </a:bodyPr>
+          <a:lstStyle/>
+          <a:p>
+            <a:pPr algn="ctr"/>
+            <a:r>
+              <a:rPr lang="en-US" altLang="ko-KR" dirty="0" smtClean="0"/>
+              <a:t>Input</a:t>
+            </a:r>
+            <a:endParaRPr lang="ko-KR" altLang="en-US" dirty="0"/>
+          </a:p>
+        </p:txBody>
+      </p:sp>
+      <p:sp>
+        <p:nvSpPr>
+          <p:cNvPr id="133" name="TextBox 132"/>
+          <p:cNvSpPr txBox="1"/>
+          <p:nvPr/>
+        </p:nvSpPr>
+        <p:spPr>
+          <a:xfrm>
+            <a:off x="8081986" y="5102712"/>
+            <a:ext cx="866728" cy="369332"/>
+          </a:xfrm>
+          <a:prstGeom prst="rect">
+            <a:avLst/>
+          </a:prstGeom>
+          <a:noFill/>
+        </p:spPr>
+        <p:txBody>
+          <a:bodyPr wrap="square" rtlCol="0">
+            <a:spAutoFit/>
+          </a:bodyPr>
+          <a:lstStyle/>
+          <a:p>
+            <a:pPr algn="ctr"/>
+            <a:r>
+              <a:rPr lang="en-US" altLang="ko-KR" dirty="0" smtClean="0"/>
+              <a:t>Output</a:t>
+            </a:r>
+            <a:endParaRPr lang="ko-KR" altLang="en-US" dirty="0"/>
+          </a:p>
+        </p:txBody>
+      </p:sp>
+      <p:cxnSp>
+        <p:nvCxnSpPr>
+          <p:cNvPr id="136" name="직선 화살표 연결선 135"/>
+          <p:cNvCxnSpPr>
+            <a:stCxn id="129" idx="3"/>
+            <a:endCxn id="127" idx="1"/>
+          </p:cNvCxnSpPr>
+          <p:nvPr/>
+        </p:nvCxnSpPr>
+        <p:spPr>
+          <a:xfrm>
+            <a:off x="1056918" y="5287378"/>
+            <a:ext cx="357283" cy="1556"/>
+          </a:xfrm>
+          <a:prstGeom prst="straightConnector1">
+            <a:avLst/>
+          </a:prstGeom>
+          <a:ln w="12700">
+            <a:tailEnd type="triangle"/>
+          </a:ln>
+        </p:spPr>
+        <p:style>
+          <a:lnRef idx="1">
+            <a:schemeClr val="dk1"/>
+          </a:lnRef>
+          <a:fillRef idx="0">
+            <a:schemeClr val="dk1"/>
+          </a:fillRef>
+          <a:effectRef idx="0">
+            <a:schemeClr val="dk1"/>
+          </a:effectRef>
+          <a:fontRef idx="minor">
+            <a:schemeClr val="tx1"/>
+          </a:fontRef>
+        </p:style>
+      </p:cxnSp>
+      <p:grpSp>
+        <p:nvGrpSpPr>
+          <p:cNvPr id="158" name="그룹 157"/>
+          <p:cNvGrpSpPr/>
+          <p:nvPr/>
+        </p:nvGrpSpPr>
+        <p:grpSpPr>
+          <a:xfrm>
+            <a:off x="1414200" y="4809651"/>
+            <a:ext cx="1318725" cy="958566"/>
+            <a:chOff x="1530578" y="5039807"/>
+            <a:chExt cx="1318725" cy="958566"/>
+          </a:xfrm>
+        </p:grpSpPr>
+        <p:sp>
+          <p:nvSpPr>
+            <p:cNvPr id="127" name="직사각형 126"/>
+            <p:cNvSpPr/>
+            <p:nvPr/>
+          </p:nvSpPr>
+          <p:spPr>
+            <a:xfrm>
+              <a:off x="1530579" y="5039807"/>
+              <a:ext cx="714567" cy="958566"/>
+            </a:xfrm>
+            <a:prstGeom prst="rect">
+              <a:avLst/>
+            </a:prstGeom>
+            <a:noFill/>
+            <a:ln w="57150">
+              <a:solidFill>
+                <a:srgbClr val="0070C0"/>
+              </a:solidFill>
+            </a:ln>
+          </p:spPr>
+          <p:style>
+            <a:lnRef idx="2">
+              <a:schemeClr val="accent1">
+                <a:shade val="50000"/>
+              </a:schemeClr>
+            </a:lnRef>
+            <a:fillRef idx="1">
+              <a:schemeClr val="accent1"/>
+            </a:fillRef>
+            <a:effectRef idx="0">
+              <a:schemeClr val="accent1"/>
+            </a:effectRef>
+            <a:fontRef idx="minor">
+              <a:schemeClr val="lt1"/>
+            </a:fontRef>
+          </p:style>
+          <p:txBody>
+            <a:bodyPr rtlCol="0" anchor="ctr"/>
+            <a:lstStyle/>
+            <a:p>
+              <a:pPr algn="ctr"/>
+              <a:r>
+                <a:rPr lang="en-US" altLang="ko-KR" dirty="0" smtClean="0">
+                  <a:solidFill>
+                    <a:schemeClr val="tx1"/>
+                  </a:solidFill>
+                </a:rPr>
+                <a:t>Layer</a:t>
+              </a:r>
+            </a:p>
+            <a:p>
+              <a:pPr algn="ctr"/>
+              <a:r>
+                <a:rPr lang="en-US" altLang="ko-KR" dirty="0">
+                  <a:solidFill>
+                    <a:schemeClr val="tx1"/>
+                  </a:solidFill>
+                </a:rPr>
+                <a:t>1</a:t>
+              </a:r>
+              <a:endParaRPr lang="ko-KR" altLang="en-US" dirty="0">
+                <a:solidFill>
+                  <a:schemeClr val="tx1"/>
+                </a:solidFill>
+              </a:endParaRPr>
+            </a:p>
+          </p:txBody>
+        </p:sp>
+        <p:cxnSp>
+          <p:nvCxnSpPr>
+            <p:cNvPr id="138" name="꺾인 연결선 137"/>
+            <p:cNvCxnSpPr>
+              <a:stCxn id="127" idx="1"/>
+              <a:endCxn id="140" idx="4"/>
+            </p:cNvCxnSpPr>
+            <p:nvPr/>
+          </p:nvCxnSpPr>
+          <p:spPr>
+            <a:xfrm rot="10800000" flipH="1" flipV="1">
+              <a:off x="1530578" y="5519089"/>
+              <a:ext cx="1108049" cy="209119"/>
+            </a:xfrm>
+            <a:prstGeom prst="bentConnector4">
+              <a:avLst>
+                <a:gd name="adj1" fmla="val -20631"/>
+                <a:gd name="adj2" fmla="val 282855"/>
+              </a:avLst>
+            </a:prstGeom>
+            <a:ln w="19050">
+              <a:solidFill>
+                <a:srgbClr val="FF0000"/>
+              </a:solidFill>
+              <a:tailEnd type="triangle"/>
+            </a:ln>
+          </p:spPr>
+          <p:style>
+            <a:lnRef idx="1">
+              <a:schemeClr val="accent1"/>
+            </a:lnRef>
+            <a:fillRef idx="0">
+              <a:schemeClr val="accent1"/>
+            </a:fillRef>
+            <a:effectRef idx="0">
+              <a:schemeClr val="accent1"/>
+            </a:effectRef>
+            <a:fontRef idx="minor">
+              <a:schemeClr val="tx1"/>
+            </a:fontRef>
+          </p:style>
+        </p:cxnSp>
+        <p:sp>
+          <p:nvSpPr>
+            <p:cNvPr id="140" name="타원 139"/>
+            <p:cNvSpPr/>
+            <p:nvPr/>
+          </p:nvSpPr>
+          <p:spPr>
+            <a:xfrm>
+              <a:off x="2427953" y="5306859"/>
+              <a:ext cx="421350" cy="421350"/>
+            </a:xfrm>
+            <a:prstGeom prst="ellipse">
+              <a:avLst/>
+            </a:prstGeom>
+            <a:noFill/>
+          </p:spPr>
+          <p:style>
+            <a:lnRef idx="2">
+              <a:schemeClr val="accent1">
+                <a:shade val="50000"/>
+              </a:schemeClr>
+            </a:lnRef>
+            <a:fillRef idx="1">
+              <a:schemeClr val="accent1"/>
+            </a:fillRef>
+            <a:effectRef idx="0">
+              <a:schemeClr val="accent1"/>
+            </a:effectRef>
+            <a:fontRef idx="minor">
+              <a:schemeClr val="lt1"/>
+            </a:fontRef>
+          </p:style>
+          <p:txBody>
+            <a:bodyPr rtlCol="0" anchor="ctr"/>
+            <a:lstStyle/>
+            <a:p>
+              <a:pPr algn="ctr"/>
+              <a:r>
+                <a:rPr lang="en-US" altLang="ko-KR" sz="2800" dirty="0">
+                  <a:solidFill>
+                    <a:schemeClr val="tx1"/>
+                  </a:solidFill>
+                </a:rPr>
+                <a:t>+</a:t>
+              </a:r>
+              <a:endParaRPr lang="ko-KR" altLang="en-US" sz="2800" dirty="0">
+                <a:solidFill>
+                  <a:schemeClr val="tx1"/>
+                </a:solidFill>
+              </a:endParaRPr>
+            </a:p>
+          </p:txBody>
+        </p:sp>
+        <p:cxnSp>
+          <p:nvCxnSpPr>
+            <p:cNvPr id="146" name="직선 화살표 연결선 145"/>
+            <p:cNvCxnSpPr>
+              <a:stCxn id="127" idx="3"/>
+              <a:endCxn id="140" idx="2"/>
+            </p:cNvCxnSpPr>
+            <p:nvPr/>
+          </p:nvCxnSpPr>
+          <p:spPr>
+            <a:xfrm flipV="1">
+              <a:off x="2245146" y="5517534"/>
+              <a:ext cx="182807" cy="1556"/>
+            </a:xfrm>
+            <a:prstGeom prst="straightConnector1">
+              <a:avLst/>
+            </a:prstGeom>
+            <a:ln w="12700">
+              <a:tailEnd type="triangle"/>
+            </a:ln>
+          </p:spPr>
+          <p:style>
+            <a:lnRef idx="1">
+              <a:schemeClr val="dk1"/>
+            </a:lnRef>
+            <a:fillRef idx="0">
+              <a:schemeClr val="dk1"/>
+            </a:fillRef>
+            <a:effectRef idx="0">
+              <a:schemeClr val="dk1"/>
+            </a:effectRef>
+            <a:fontRef idx="minor">
+              <a:schemeClr val="tx1"/>
+            </a:fontRef>
+          </p:style>
+        </p:cxnSp>
+      </p:grpSp>
+      <p:grpSp>
+        <p:nvGrpSpPr>
+          <p:cNvPr id="159" name="그룹 158"/>
+          <p:cNvGrpSpPr/>
+          <p:nvPr/>
+        </p:nvGrpSpPr>
+        <p:grpSpPr>
+          <a:xfrm>
+            <a:off x="3119516" y="4809651"/>
+            <a:ext cx="1318725" cy="958566"/>
+            <a:chOff x="1530578" y="5039807"/>
+            <a:chExt cx="1318725" cy="958566"/>
+          </a:xfrm>
+        </p:grpSpPr>
+        <p:sp>
+          <p:nvSpPr>
+            <p:cNvPr id="160" name="직사각형 159"/>
+            <p:cNvSpPr/>
+            <p:nvPr/>
+          </p:nvSpPr>
+          <p:spPr>
+            <a:xfrm>
+              <a:off x="1530579" y="5039807"/>
+              <a:ext cx="714567" cy="958566"/>
+            </a:xfrm>
+            <a:prstGeom prst="rect">
+              <a:avLst/>
+            </a:prstGeom>
+            <a:noFill/>
+            <a:ln w="57150">
+              <a:solidFill>
+                <a:srgbClr val="0070C0"/>
+              </a:solidFill>
+            </a:ln>
+          </p:spPr>
+          <p:style>
+            <a:lnRef idx="2">
+              <a:schemeClr val="accent1">
+                <a:shade val="50000"/>
+              </a:schemeClr>
+            </a:lnRef>
+            <a:fillRef idx="1">
+              <a:schemeClr val="accent1"/>
+            </a:fillRef>
+            <a:effectRef idx="0">
+              <a:schemeClr val="accent1"/>
+            </a:effectRef>
+            <a:fontRef idx="minor">
+              <a:schemeClr val="lt1"/>
+            </a:fontRef>
+          </p:style>
+          <p:txBody>
+            <a:bodyPr rtlCol="0" anchor="ctr"/>
+            <a:lstStyle/>
+            <a:p>
+              <a:pPr algn="ctr"/>
+              <a:r>
+                <a:rPr lang="en-US" altLang="ko-KR" dirty="0" smtClean="0">
+                  <a:solidFill>
+                    <a:schemeClr val="tx1"/>
+                  </a:solidFill>
+                </a:rPr>
+                <a:t>Layer</a:t>
+              </a:r>
+            </a:p>
+            <a:p>
+              <a:pPr algn="ctr"/>
+              <a:r>
+                <a:rPr lang="en-US" altLang="ko-KR" dirty="0">
+                  <a:solidFill>
+                    <a:schemeClr val="tx1"/>
+                  </a:solidFill>
+                </a:rPr>
+                <a:t>2</a:t>
+              </a:r>
+              <a:endParaRPr lang="ko-KR" altLang="en-US" dirty="0">
+                <a:solidFill>
+                  <a:schemeClr val="tx1"/>
+                </a:solidFill>
+              </a:endParaRPr>
+            </a:p>
+          </p:txBody>
+        </p:sp>
+        <p:cxnSp>
+          <p:nvCxnSpPr>
+            <p:cNvPr id="161" name="꺾인 연결선 160"/>
+            <p:cNvCxnSpPr>
+              <a:stCxn id="160" idx="1"/>
+              <a:endCxn id="162" idx="0"/>
+            </p:cNvCxnSpPr>
+            <p:nvPr/>
+          </p:nvCxnSpPr>
+          <p:spPr>
+            <a:xfrm rot="10800000" flipH="1">
+              <a:off x="1530578" y="5306860"/>
+              <a:ext cx="1108049" cy="212231"/>
+            </a:xfrm>
+            <a:prstGeom prst="bentConnector4">
+              <a:avLst>
+                <a:gd name="adj1" fmla="val -20631"/>
+                <a:gd name="adj2" fmla="val 263041"/>
+              </a:avLst>
+            </a:prstGeom>
+            <a:ln w="19050">
+              <a:solidFill>
+                <a:schemeClr val="accent1">
+                  <a:lumMod val="75000"/>
+                </a:schemeClr>
+              </a:solidFill>
+              <a:tailEnd type="triangle"/>
+            </a:ln>
+          </p:spPr>
+          <p:style>
+            <a:lnRef idx="1">
+              <a:schemeClr val="accent1"/>
+            </a:lnRef>
+            <a:fillRef idx="0">
+              <a:schemeClr val="accent1"/>
+            </a:fillRef>
+            <a:effectRef idx="0">
+              <a:schemeClr val="accent1"/>
+            </a:effectRef>
+            <a:fontRef idx="minor">
+              <a:schemeClr val="tx1"/>
+            </a:fontRef>
+          </p:style>
+        </p:cxnSp>
+        <p:sp>
+          <p:nvSpPr>
+            <p:cNvPr id="162" name="타원 161"/>
+            <p:cNvSpPr/>
+            <p:nvPr/>
+          </p:nvSpPr>
+          <p:spPr>
+            <a:xfrm>
+              <a:off x="2427953" y="5306859"/>
+              <a:ext cx="421350" cy="421350"/>
+            </a:xfrm>
+            <a:prstGeom prst="ellipse">
+              <a:avLst/>
+            </a:prstGeom>
+            <a:noFill/>
+          </p:spPr>
+          <p:style>
+            <a:lnRef idx="2">
+              <a:schemeClr val="accent1">
+                <a:shade val="50000"/>
+              </a:schemeClr>
+            </a:lnRef>
+            <a:fillRef idx="1">
+              <a:schemeClr val="accent1"/>
+            </a:fillRef>
+            <a:effectRef idx="0">
+              <a:schemeClr val="accent1"/>
+            </a:effectRef>
+            <a:fontRef idx="minor">
+              <a:schemeClr val="lt1"/>
+            </a:fontRef>
+          </p:style>
+          <p:txBody>
+            <a:bodyPr rtlCol="0" anchor="ctr"/>
+            <a:lstStyle/>
+            <a:p>
+              <a:pPr algn="ctr"/>
+              <a:r>
+                <a:rPr lang="en-US" altLang="ko-KR" sz="2800" dirty="0">
+                  <a:solidFill>
+                    <a:schemeClr val="tx1"/>
+                  </a:solidFill>
+                </a:rPr>
+                <a:t>+</a:t>
+              </a:r>
+              <a:endParaRPr lang="ko-KR" altLang="en-US" sz="2800" dirty="0">
+                <a:solidFill>
+                  <a:schemeClr val="tx1"/>
+                </a:solidFill>
+              </a:endParaRPr>
+            </a:p>
+          </p:txBody>
+        </p:sp>
+        <p:cxnSp>
+          <p:nvCxnSpPr>
+            <p:cNvPr id="163" name="직선 화살표 연결선 162"/>
+            <p:cNvCxnSpPr>
+              <a:stCxn id="160" idx="3"/>
+              <a:endCxn id="162" idx="2"/>
+            </p:cNvCxnSpPr>
+            <p:nvPr/>
+          </p:nvCxnSpPr>
+          <p:spPr>
+            <a:xfrm flipV="1">
+              <a:off x="2245146" y="5517534"/>
+              <a:ext cx="182807" cy="1556"/>
+            </a:xfrm>
+            <a:prstGeom prst="straightConnector1">
+              <a:avLst/>
+            </a:prstGeom>
+            <a:ln w="12700">
+              <a:tailEnd type="triangle"/>
+            </a:ln>
+          </p:spPr>
+          <p:style>
+            <a:lnRef idx="1">
+              <a:schemeClr val="dk1"/>
+            </a:lnRef>
+            <a:fillRef idx="0">
+              <a:schemeClr val="dk1"/>
+            </a:fillRef>
+            <a:effectRef idx="0">
+              <a:schemeClr val="dk1"/>
+            </a:effectRef>
+            <a:fontRef idx="minor">
+              <a:schemeClr val="tx1"/>
+            </a:fontRef>
+          </p:style>
+        </p:cxnSp>
+      </p:grpSp>
+      <p:grpSp>
+        <p:nvGrpSpPr>
+          <p:cNvPr id="164" name="그룹 163"/>
+          <p:cNvGrpSpPr/>
+          <p:nvPr/>
+        </p:nvGrpSpPr>
+        <p:grpSpPr>
+          <a:xfrm>
+            <a:off x="4824832" y="4809651"/>
+            <a:ext cx="1318725" cy="958566"/>
+            <a:chOff x="1530578" y="5039807"/>
+            <a:chExt cx="1318725" cy="958566"/>
+          </a:xfrm>
+        </p:grpSpPr>
+        <p:sp>
+          <p:nvSpPr>
+            <p:cNvPr id="165" name="직사각형 164"/>
+            <p:cNvSpPr/>
+            <p:nvPr/>
+          </p:nvSpPr>
+          <p:spPr>
+            <a:xfrm>
+              <a:off x="1530579" y="5039807"/>
+              <a:ext cx="714567" cy="958566"/>
+            </a:xfrm>
+            <a:prstGeom prst="rect">
+              <a:avLst/>
+            </a:prstGeom>
+            <a:noFill/>
+            <a:ln w="57150">
+              <a:solidFill>
+                <a:srgbClr val="0070C0"/>
+              </a:solidFill>
+            </a:ln>
+          </p:spPr>
+          <p:style>
+            <a:lnRef idx="2">
+              <a:schemeClr val="accent1">
+                <a:shade val="50000"/>
+              </a:schemeClr>
+            </a:lnRef>
+            <a:fillRef idx="1">
+              <a:schemeClr val="accent1"/>
+            </a:fillRef>
+            <a:effectRef idx="0">
+              <a:schemeClr val="accent1"/>
+            </a:effectRef>
+            <a:fontRef idx="minor">
+              <a:schemeClr val="lt1"/>
+            </a:fontRef>
+          </p:style>
+          <p:txBody>
+            <a:bodyPr rtlCol="0" anchor="ctr"/>
+            <a:lstStyle/>
+            <a:p>
+              <a:pPr algn="ctr"/>
+              <a:r>
+                <a:rPr lang="en-US" altLang="ko-KR" dirty="0" smtClean="0">
+                  <a:solidFill>
+                    <a:schemeClr val="tx1"/>
+                  </a:solidFill>
+                </a:rPr>
+                <a:t>Layer</a:t>
+              </a:r>
+            </a:p>
+            <a:p>
+              <a:pPr algn="ctr"/>
+              <a:r>
+                <a:rPr lang="en-US" altLang="ko-KR" dirty="0" smtClean="0">
+                  <a:solidFill>
+                    <a:schemeClr val="tx1"/>
+                  </a:solidFill>
+                </a:rPr>
+                <a:t>3</a:t>
+              </a:r>
+              <a:endParaRPr lang="ko-KR" altLang="en-US" dirty="0">
+                <a:solidFill>
+                  <a:schemeClr val="tx1"/>
+                </a:solidFill>
+              </a:endParaRPr>
+            </a:p>
+          </p:txBody>
+        </p:sp>
+        <p:cxnSp>
+          <p:nvCxnSpPr>
+            <p:cNvPr id="166" name="꺾인 연결선 165"/>
+            <p:cNvCxnSpPr>
+              <a:stCxn id="165" idx="1"/>
+              <a:endCxn id="167" idx="4"/>
+            </p:cNvCxnSpPr>
+            <p:nvPr/>
+          </p:nvCxnSpPr>
+          <p:spPr>
+            <a:xfrm rot="10800000" flipH="1" flipV="1">
+              <a:off x="1530578" y="5519089"/>
+              <a:ext cx="1108049" cy="209119"/>
+            </a:xfrm>
+            <a:prstGeom prst="bentConnector4">
+              <a:avLst>
+                <a:gd name="adj1" fmla="val -20631"/>
+                <a:gd name="adj2" fmla="val 441859"/>
+              </a:avLst>
+            </a:prstGeom>
+            <a:ln w="19050">
+              <a:solidFill>
+                <a:schemeClr val="accent6">
+                  <a:lumMod val="50000"/>
+                </a:schemeClr>
+              </a:solidFill>
+              <a:tailEnd type="triangle"/>
+            </a:ln>
+          </p:spPr>
+          <p:style>
+            <a:lnRef idx="1">
+              <a:schemeClr val="accent1"/>
+            </a:lnRef>
+            <a:fillRef idx="0">
+              <a:schemeClr val="accent1"/>
+            </a:fillRef>
+            <a:effectRef idx="0">
+              <a:schemeClr val="accent1"/>
+            </a:effectRef>
+            <a:fontRef idx="minor">
+              <a:schemeClr val="tx1"/>
+            </a:fontRef>
+          </p:style>
+        </p:cxnSp>
+        <p:sp>
+          <p:nvSpPr>
+            <p:cNvPr id="167" name="타원 166"/>
+            <p:cNvSpPr/>
+            <p:nvPr/>
+          </p:nvSpPr>
+          <p:spPr>
+            <a:xfrm>
+              <a:off x="2427953" y="5306859"/>
+              <a:ext cx="421350" cy="421350"/>
+            </a:xfrm>
+            <a:prstGeom prst="ellipse">
+              <a:avLst/>
+            </a:prstGeom>
+            <a:noFill/>
+          </p:spPr>
+          <p:style>
+            <a:lnRef idx="2">
+              <a:schemeClr val="accent1">
+                <a:shade val="50000"/>
+              </a:schemeClr>
+            </a:lnRef>
+            <a:fillRef idx="1">
+              <a:schemeClr val="accent1"/>
+            </a:fillRef>
+            <a:effectRef idx="0">
+              <a:schemeClr val="accent1"/>
+            </a:effectRef>
+            <a:fontRef idx="minor">
+              <a:schemeClr val="lt1"/>
+            </a:fontRef>
+          </p:style>
+          <p:txBody>
+            <a:bodyPr rtlCol="0" anchor="ctr"/>
+            <a:lstStyle/>
+            <a:p>
+              <a:pPr algn="ctr"/>
+              <a:r>
+                <a:rPr lang="en-US" altLang="ko-KR" sz="2800" dirty="0">
+                  <a:solidFill>
+                    <a:schemeClr val="tx1"/>
+                  </a:solidFill>
+                </a:rPr>
+                <a:t>+</a:t>
+              </a:r>
+              <a:endParaRPr lang="ko-KR" altLang="en-US" sz="2800" dirty="0">
+                <a:solidFill>
+                  <a:schemeClr val="tx1"/>
+                </a:solidFill>
+              </a:endParaRPr>
+            </a:p>
+          </p:txBody>
+        </p:sp>
+        <p:cxnSp>
+          <p:nvCxnSpPr>
+            <p:cNvPr id="168" name="직선 화살표 연결선 167"/>
+            <p:cNvCxnSpPr>
+              <a:stCxn id="165" idx="3"/>
+              <a:endCxn id="167" idx="2"/>
+            </p:cNvCxnSpPr>
+            <p:nvPr/>
+          </p:nvCxnSpPr>
+          <p:spPr>
+            <a:xfrm flipV="1">
+              <a:off x="2245146" y="5517534"/>
+              <a:ext cx="182807" cy="1556"/>
+            </a:xfrm>
+            <a:prstGeom prst="straightConnector1">
+              <a:avLst/>
+            </a:prstGeom>
+            <a:ln w="12700">
+              <a:tailEnd type="triangle"/>
+            </a:ln>
+          </p:spPr>
+          <p:style>
+            <a:lnRef idx="1">
+              <a:schemeClr val="dk1"/>
+            </a:lnRef>
+            <a:fillRef idx="0">
+              <a:schemeClr val="dk1"/>
+            </a:fillRef>
+            <a:effectRef idx="0">
+              <a:schemeClr val="dk1"/>
+            </a:effectRef>
+            <a:fontRef idx="minor">
+              <a:schemeClr val="tx1"/>
+            </a:fontRef>
+          </p:style>
+        </p:cxnSp>
+      </p:grpSp>
+      <p:grpSp>
+        <p:nvGrpSpPr>
+          <p:cNvPr id="169" name="그룹 168"/>
+          <p:cNvGrpSpPr/>
+          <p:nvPr/>
+        </p:nvGrpSpPr>
+        <p:grpSpPr>
+          <a:xfrm>
+            <a:off x="6530149" y="4809651"/>
+            <a:ext cx="1318725" cy="958566"/>
+            <a:chOff x="1530578" y="5039807"/>
+            <a:chExt cx="1318725" cy="958566"/>
+          </a:xfrm>
+        </p:grpSpPr>
+        <p:sp>
+          <p:nvSpPr>
+            <p:cNvPr id="170" name="직사각형 169"/>
+            <p:cNvSpPr/>
+            <p:nvPr/>
+          </p:nvSpPr>
+          <p:spPr>
+            <a:xfrm>
+              <a:off x="1530579" y="5039807"/>
+              <a:ext cx="714567" cy="958566"/>
+            </a:xfrm>
+            <a:prstGeom prst="rect">
+              <a:avLst/>
+            </a:prstGeom>
+            <a:noFill/>
+            <a:ln w="57150">
+              <a:solidFill>
+                <a:srgbClr val="0070C0"/>
+              </a:solidFill>
+            </a:ln>
+          </p:spPr>
+          <p:style>
+            <a:lnRef idx="2">
+              <a:schemeClr val="accent1">
+                <a:shade val="50000"/>
+              </a:schemeClr>
+            </a:lnRef>
+            <a:fillRef idx="1">
+              <a:schemeClr val="accent1"/>
+            </a:fillRef>
+            <a:effectRef idx="0">
+              <a:schemeClr val="accent1"/>
+            </a:effectRef>
+            <a:fontRef idx="minor">
+              <a:schemeClr val="lt1"/>
+            </a:fontRef>
+          </p:style>
+          <p:txBody>
+            <a:bodyPr rtlCol="0" anchor="ctr"/>
+            <a:lstStyle/>
+            <a:p>
+              <a:pPr algn="ctr"/>
+              <a:r>
+                <a:rPr lang="en-US" altLang="ko-KR" dirty="0" smtClean="0">
+                  <a:solidFill>
+                    <a:schemeClr val="tx1"/>
+                  </a:solidFill>
+                </a:rPr>
+                <a:t>Layer</a:t>
+              </a:r>
+            </a:p>
+            <a:p>
+              <a:pPr algn="ctr"/>
+              <a:r>
+                <a:rPr lang="en-US" altLang="ko-KR" dirty="0" smtClean="0">
+                  <a:solidFill>
+                    <a:schemeClr val="tx1"/>
+                  </a:solidFill>
+                </a:rPr>
+                <a:t>4</a:t>
+              </a:r>
+              <a:endParaRPr lang="ko-KR" altLang="en-US" dirty="0">
+                <a:solidFill>
+                  <a:schemeClr val="tx1"/>
+                </a:solidFill>
+              </a:endParaRPr>
+            </a:p>
+          </p:txBody>
+        </p:sp>
+        <p:cxnSp>
+          <p:nvCxnSpPr>
+            <p:cNvPr id="171" name="꺾인 연결선 170"/>
+            <p:cNvCxnSpPr>
+              <a:stCxn id="170" idx="1"/>
+              <a:endCxn id="172" idx="4"/>
+            </p:cNvCxnSpPr>
+            <p:nvPr/>
+          </p:nvCxnSpPr>
+          <p:spPr>
+            <a:xfrm rot="10800000" flipH="1" flipV="1">
+              <a:off x="1530578" y="5519089"/>
+              <a:ext cx="1108049" cy="209119"/>
+            </a:xfrm>
+            <a:prstGeom prst="bentConnector4">
+              <a:avLst>
+                <a:gd name="adj1" fmla="val -20631"/>
+                <a:gd name="adj2" fmla="val 449810"/>
+              </a:avLst>
+            </a:prstGeom>
+            <a:ln w="19050">
+              <a:solidFill>
+                <a:srgbClr val="FFC000"/>
+              </a:solidFill>
+              <a:tailEnd type="triangle"/>
+            </a:ln>
+          </p:spPr>
+          <p:style>
+            <a:lnRef idx="1">
+              <a:schemeClr val="accent1"/>
+            </a:lnRef>
+            <a:fillRef idx="0">
+              <a:schemeClr val="accent1"/>
+            </a:fillRef>
+            <a:effectRef idx="0">
+              <a:schemeClr val="accent1"/>
+            </a:effectRef>
+            <a:fontRef idx="minor">
+              <a:schemeClr val="tx1"/>
+            </a:fontRef>
+          </p:style>
+        </p:cxnSp>
+        <p:sp>
+          <p:nvSpPr>
+            <p:cNvPr id="172" name="타원 171"/>
+            <p:cNvSpPr/>
+            <p:nvPr/>
+          </p:nvSpPr>
+          <p:spPr>
+            <a:xfrm>
+              <a:off x="2427953" y="5306859"/>
+              <a:ext cx="421350" cy="421350"/>
+            </a:xfrm>
+            <a:prstGeom prst="ellipse">
+              <a:avLst/>
+            </a:prstGeom>
+            <a:noFill/>
+          </p:spPr>
+          <p:style>
+            <a:lnRef idx="2">
+              <a:schemeClr val="accent1">
+                <a:shade val="50000"/>
+              </a:schemeClr>
+            </a:lnRef>
+            <a:fillRef idx="1">
+              <a:schemeClr val="accent1"/>
+            </a:fillRef>
+            <a:effectRef idx="0">
+              <a:schemeClr val="accent1"/>
+            </a:effectRef>
+            <a:fontRef idx="minor">
+              <a:schemeClr val="lt1"/>
+            </a:fontRef>
+          </p:style>
+          <p:txBody>
+            <a:bodyPr rtlCol="0" anchor="ctr"/>
+            <a:lstStyle/>
+            <a:p>
+              <a:pPr algn="ctr"/>
+              <a:r>
+                <a:rPr lang="en-US" altLang="ko-KR" sz="2800" dirty="0">
+                  <a:solidFill>
+                    <a:schemeClr val="tx1"/>
+                  </a:solidFill>
+                </a:rPr>
+                <a:t>+</a:t>
+              </a:r>
+              <a:endParaRPr lang="ko-KR" altLang="en-US" sz="2800" dirty="0">
+                <a:solidFill>
+                  <a:schemeClr val="tx1"/>
+                </a:solidFill>
+              </a:endParaRPr>
+            </a:p>
+          </p:txBody>
+        </p:sp>
+        <p:cxnSp>
+          <p:nvCxnSpPr>
+            <p:cNvPr id="173" name="직선 화살표 연결선 172"/>
+            <p:cNvCxnSpPr>
+              <a:stCxn id="170" idx="3"/>
+              <a:endCxn id="172" idx="2"/>
+            </p:cNvCxnSpPr>
+            <p:nvPr/>
+          </p:nvCxnSpPr>
+          <p:spPr>
+            <a:xfrm flipV="1">
+              <a:off x="2245146" y="5517534"/>
+              <a:ext cx="182807" cy="1556"/>
+            </a:xfrm>
+            <a:prstGeom prst="straightConnector1">
+              <a:avLst/>
+            </a:prstGeom>
+            <a:ln w="12700">
+              <a:tailEnd type="triangle"/>
+            </a:ln>
+          </p:spPr>
+          <p:style>
+            <a:lnRef idx="1">
+              <a:schemeClr val="dk1"/>
+            </a:lnRef>
+            <a:fillRef idx="0">
+              <a:schemeClr val="dk1"/>
+            </a:fillRef>
+            <a:effectRef idx="0">
+              <a:schemeClr val="dk1"/>
+            </a:effectRef>
+            <a:fontRef idx="minor">
+              <a:schemeClr val="tx1"/>
+            </a:fontRef>
+          </p:style>
+        </p:cxnSp>
+      </p:grpSp>
+      <p:cxnSp>
+        <p:nvCxnSpPr>
+          <p:cNvPr id="174" name="직선 화살표 연결선 173"/>
+          <p:cNvCxnSpPr>
+            <a:stCxn id="140" idx="6"/>
+            <a:endCxn id="160" idx="1"/>
+          </p:cNvCxnSpPr>
+          <p:nvPr/>
+        </p:nvCxnSpPr>
+        <p:spPr>
+          <a:xfrm>
+            <a:off x="2732925" y="5287378"/>
+            <a:ext cx="386592" cy="1556"/>
+          </a:xfrm>
+          <a:prstGeom prst="straightConnector1">
+            <a:avLst/>
+          </a:prstGeom>
+          <a:ln w="12700">
+            <a:tailEnd type="triangle"/>
+          </a:ln>
+        </p:spPr>
+        <p:style>
+          <a:lnRef idx="1">
+            <a:schemeClr val="dk1"/>
+          </a:lnRef>
+          <a:fillRef idx="0">
+            <a:schemeClr val="dk1"/>
+          </a:fillRef>
+          <a:effectRef idx="0">
+            <a:schemeClr val="dk1"/>
+          </a:effectRef>
+          <a:fontRef idx="minor">
+            <a:schemeClr val="tx1"/>
+          </a:fontRef>
+        </p:style>
+      </p:cxnSp>
+      <p:cxnSp>
+        <p:nvCxnSpPr>
+          <p:cNvPr id="177" name="직선 화살표 연결선 176"/>
+          <p:cNvCxnSpPr>
+            <a:stCxn id="162" idx="6"/>
+            <a:endCxn id="165" idx="1"/>
+          </p:cNvCxnSpPr>
+          <p:nvPr/>
+        </p:nvCxnSpPr>
+        <p:spPr>
+          <a:xfrm>
+            <a:off x="4438241" y="5287378"/>
+            <a:ext cx="386592" cy="1556"/>
+          </a:xfrm>
+          <a:prstGeom prst="straightConnector1">
+            <a:avLst/>
+          </a:prstGeom>
+          <a:ln w="12700">
+            <a:tailEnd type="triangle"/>
+          </a:ln>
+        </p:spPr>
+        <p:style>
+          <a:lnRef idx="1">
+            <a:schemeClr val="dk1"/>
+          </a:lnRef>
+          <a:fillRef idx="0">
+            <a:schemeClr val="dk1"/>
+          </a:fillRef>
+          <a:effectRef idx="0">
+            <a:schemeClr val="dk1"/>
+          </a:effectRef>
+          <a:fontRef idx="minor">
+            <a:schemeClr val="tx1"/>
+          </a:fontRef>
+        </p:style>
+      </p:cxnSp>
+      <p:cxnSp>
+        <p:nvCxnSpPr>
+          <p:cNvPr id="180" name="직선 화살표 연결선 179"/>
+          <p:cNvCxnSpPr>
+            <a:stCxn id="167" idx="6"/>
+            <a:endCxn id="170" idx="1"/>
+          </p:cNvCxnSpPr>
+          <p:nvPr/>
+        </p:nvCxnSpPr>
+        <p:spPr>
+          <a:xfrm>
+            <a:off x="6143557" y="5287378"/>
+            <a:ext cx="386593" cy="1556"/>
+          </a:xfrm>
+          <a:prstGeom prst="straightConnector1">
+            <a:avLst/>
+          </a:prstGeom>
+          <a:ln w="12700">
+            <a:tailEnd type="triangle"/>
+          </a:ln>
+        </p:spPr>
+        <p:style>
+          <a:lnRef idx="1">
+            <a:schemeClr val="dk1"/>
+          </a:lnRef>
+          <a:fillRef idx="0">
+            <a:schemeClr val="dk1"/>
+          </a:fillRef>
+          <a:effectRef idx="0">
+            <a:schemeClr val="dk1"/>
+          </a:effectRef>
+          <a:fontRef idx="minor">
+            <a:schemeClr val="tx1"/>
+          </a:fontRef>
+        </p:style>
+      </p:cxnSp>
+      <p:cxnSp>
+        <p:nvCxnSpPr>
+          <p:cNvPr id="183" name="직선 화살표 연결선 182"/>
+          <p:cNvCxnSpPr>
+            <a:stCxn id="172" idx="6"/>
+            <a:endCxn id="133" idx="1"/>
+          </p:cNvCxnSpPr>
+          <p:nvPr/>
+        </p:nvCxnSpPr>
+        <p:spPr>
+          <a:xfrm>
+            <a:off x="7848874" y="5287378"/>
+            <a:ext cx="233112" cy="0"/>
+          </a:xfrm>
+          <a:prstGeom prst="straightConnector1">
+            <a:avLst/>
+          </a:prstGeom>
+          <a:ln w="12700">
+            <a:tailEnd type="triangle"/>
+          </a:ln>
+        </p:spPr>
+        <p:style>
+          <a:lnRef idx="1">
+            <a:schemeClr val="dk1"/>
+          </a:lnRef>
+          <a:fillRef idx="0">
+            <a:schemeClr val="dk1"/>
+          </a:fillRef>
+          <a:effectRef idx="0">
+            <a:schemeClr val="dk1"/>
+          </a:effectRef>
+          <a:fontRef idx="minor">
+            <a:schemeClr val="tx1"/>
+          </a:fontRef>
+        </p:style>
+      </p:cxnSp>
+      <p:cxnSp>
+        <p:nvCxnSpPr>
+          <p:cNvPr id="187" name="꺾인 연결선 186"/>
+          <p:cNvCxnSpPr>
+            <a:stCxn id="127" idx="1"/>
+            <a:endCxn id="162" idx="4"/>
+          </p:cNvCxnSpPr>
+          <p:nvPr/>
+        </p:nvCxnSpPr>
+        <p:spPr>
+          <a:xfrm rot="10800000" flipH="1" flipV="1">
+            <a:off x="1414200" y="5288933"/>
+            <a:ext cx="2813365" cy="209119"/>
+          </a:xfrm>
+          <a:prstGeom prst="bentConnector4">
+            <a:avLst>
+              <a:gd name="adj1" fmla="val -8126"/>
+              <a:gd name="adj2" fmla="val 322607"/>
+            </a:avLst>
+          </a:prstGeom>
+          <a:ln w="19050">
+            <a:solidFill>
+              <a:srgbClr val="FF0000"/>
+            </a:solidFill>
+            <a:tailEnd type="triangle"/>
+          </a:ln>
+        </p:spPr>
+        <p:style>
+          <a:lnRef idx="1">
+            <a:schemeClr val="accent1"/>
+          </a:lnRef>
+          <a:fillRef idx="0">
+            <a:schemeClr val="accent1"/>
+          </a:fillRef>
+          <a:effectRef idx="0">
+            <a:schemeClr val="accent1"/>
+          </a:effectRef>
+          <a:fontRef idx="minor">
+            <a:schemeClr val="tx1"/>
+          </a:fontRef>
+        </p:style>
+      </p:cxnSp>
+      <p:cxnSp>
+        <p:nvCxnSpPr>
+          <p:cNvPr id="193" name="꺾인 연결선 192"/>
+          <p:cNvCxnSpPr>
+            <a:stCxn id="127" idx="1"/>
+            <a:endCxn id="167" idx="3"/>
+          </p:cNvCxnSpPr>
+          <p:nvPr/>
+        </p:nvCxnSpPr>
+        <p:spPr>
+          <a:xfrm rot="10800000" flipH="1" flipV="1">
+            <a:off x="1414200" y="5288934"/>
+            <a:ext cx="4369711" cy="147414"/>
+          </a:xfrm>
+          <a:prstGeom prst="bentConnector4">
+            <a:avLst>
+              <a:gd name="adj1" fmla="val -5231"/>
+              <a:gd name="adj2" fmla="val 480201"/>
+            </a:avLst>
+          </a:prstGeom>
+          <a:ln w="19050">
+            <a:solidFill>
+              <a:srgbClr val="FF0000"/>
+            </a:solidFill>
+            <a:tailEnd type="triangle"/>
+          </a:ln>
+        </p:spPr>
+        <p:style>
+          <a:lnRef idx="1">
+            <a:schemeClr val="accent1"/>
+          </a:lnRef>
+          <a:fillRef idx="0">
+            <a:schemeClr val="accent1"/>
+          </a:fillRef>
+          <a:effectRef idx="0">
+            <a:schemeClr val="accent1"/>
+          </a:effectRef>
+          <a:fontRef idx="minor">
+            <a:schemeClr val="tx1"/>
+          </a:fontRef>
+        </p:style>
+      </p:cxnSp>
+      <p:cxnSp>
+        <p:nvCxnSpPr>
+          <p:cNvPr id="197" name="꺾인 연결선 196"/>
+          <p:cNvCxnSpPr>
+            <a:stCxn id="127" idx="1"/>
+            <a:endCxn id="172" idx="5"/>
+          </p:cNvCxnSpPr>
+          <p:nvPr/>
+        </p:nvCxnSpPr>
+        <p:spPr>
+          <a:xfrm rot="10800000" flipH="1" flipV="1">
+            <a:off x="1414201" y="5288934"/>
+            <a:ext cx="6372968" cy="147414"/>
+          </a:xfrm>
+          <a:prstGeom prst="bentConnector4">
+            <a:avLst>
+              <a:gd name="adj1" fmla="val -3587"/>
+              <a:gd name="adj2" fmla="val 542231"/>
+            </a:avLst>
+          </a:prstGeom>
+          <a:ln w="19050">
+            <a:solidFill>
+              <a:srgbClr val="FF0000"/>
+            </a:solidFill>
+            <a:tailEnd type="triangle"/>
+          </a:ln>
+        </p:spPr>
+        <p:style>
+          <a:lnRef idx="1">
+            <a:schemeClr val="accent1"/>
+          </a:lnRef>
+          <a:fillRef idx="0">
+            <a:schemeClr val="accent1"/>
+          </a:fillRef>
+          <a:effectRef idx="0">
+            <a:schemeClr val="accent1"/>
+          </a:effectRef>
+          <a:fontRef idx="minor">
+            <a:schemeClr val="tx1"/>
+          </a:fontRef>
+        </p:style>
+      </p:cxnSp>
+      <p:cxnSp>
+        <p:nvCxnSpPr>
+          <p:cNvPr id="201" name="꺾인 연결선 200"/>
+          <p:cNvCxnSpPr>
+            <a:stCxn id="160" idx="1"/>
+            <a:endCxn id="167" idx="0"/>
+          </p:cNvCxnSpPr>
+          <p:nvPr/>
+        </p:nvCxnSpPr>
+        <p:spPr>
+          <a:xfrm rot="10800000" flipH="1">
+            <a:off x="3119516" y="5076704"/>
+            <a:ext cx="2813365" cy="212231"/>
+          </a:xfrm>
+          <a:prstGeom prst="bentConnector4">
+            <a:avLst>
+              <a:gd name="adj1" fmla="val -8126"/>
+              <a:gd name="adj2" fmla="val 294375"/>
+            </a:avLst>
+          </a:prstGeom>
+          <a:ln w="19050">
+            <a:solidFill>
+              <a:schemeClr val="accent1">
+                <a:lumMod val="75000"/>
+              </a:schemeClr>
+            </a:solidFill>
+            <a:tailEnd type="triangle"/>
+          </a:ln>
+        </p:spPr>
+        <p:style>
+          <a:lnRef idx="1">
+            <a:schemeClr val="accent1"/>
+          </a:lnRef>
+          <a:fillRef idx="0">
+            <a:schemeClr val="accent1"/>
+          </a:fillRef>
+          <a:effectRef idx="0">
+            <a:schemeClr val="accent1"/>
+          </a:effectRef>
+          <a:fontRef idx="minor">
+            <a:schemeClr val="tx1"/>
+          </a:fontRef>
+        </p:style>
+      </p:cxnSp>
+      <p:cxnSp>
+        <p:nvCxnSpPr>
+          <p:cNvPr id="205" name="꺾인 연결선 204"/>
+          <p:cNvCxnSpPr>
+            <a:stCxn id="160" idx="1"/>
+            <a:endCxn id="172" idx="0"/>
+          </p:cNvCxnSpPr>
+          <p:nvPr/>
+        </p:nvCxnSpPr>
+        <p:spPr>
+          <a:xfrm rot="10800000" flipH="1">
+            <a:off x="3119517" y="5076704"/>
+            <a:ext cx="4518682" cy="212231"/>
+          </a:xfrm>
+          <a:prstGeom prst="bentConnector4">
+            <a:avLst>
+              <a:gd name="adj1" fmla="val -5059"/>
+              <a:gd name="adj2" fmla="val 333544"/>
+            </a:avLst>
+          </a:prstGeom>
+          <a:ln w="19050">
+            <a:solidFill>
+              <a:schemeClr val="accent1">
+                <a:lumMod val="75000"/>
+              </a:schemeClr>
+            </a:solidFill>
+            <a:tailEnd type="triangle"/>
+          </a:ln>
+        </p:spPr>
+        <p:style>
+          <a:lnRef idx="1">
+            <a:schemeClr val="accent1"/>
+          </a:lnRef>
+          <a:fillRef idx="0">
+            <a:schemeClr val="accent1"/>
+          </a:fillRef>
+          <a:effectRef idx="0">
+            <a:schemeClr val="accent1"/>
+          </a:effectRef>
+          <a:fontRef idx="minor">
+            <a:schemeClr val="tx1"/>
+          </a:fontRef>
+        </p:style>
+      </p:cxnSp>
+      <p:cxnSp>
+        <p:nvCxnSpPr>
+          <p:cNvPr id="230" name="꺾인 연결선 229"/>
+          <p:cNvCxnSpPr>
+            <a:stCxn id="165" idx="1"/>
+            <a:endCxn id="172" idx="3"/>
+          </p:cNvCxnSpPr>
+          <p:nvPr/>
+        </p:nvCxnSpPr>
+        <p:spPr>
+          <a:xfrm rot="10800000" flipH="1" flipV="1">
+            <a:off x="4824833" y="5288934"/>
+            <a:ext cx="2664396" cy="147414"/>
+          </a:xfrm>
+          <a:prstGeom prst="bentConnector4">
+            <a:avLst>
+              <a:gd name="adj1" fmla="val -8580"/>
+              <a:gd name="adj2" fmla="val 480201"/>
+            </a:avLst>
+          </a:prstGeom>
+          <a:ln w="19050">
+            <a:solidFill>
+              <a:schemeClr val="accent6">
+                <a:lumMod val="50000"/>
+              </a:schemeClr>
+            </a:solidFill>
+            <a:tailEnd type="triangle"/>
+          </a:ln>
+        </p:spPr>
+        <p:style>
+          <a:lnRef idx="1">
+            <a:schemeClr val="accent1"/>
+          </a:lnRef>
+          <a:fillRef idx="0">
+            <a:schemeClr val="accent1"/>
+          </a:fillRef>
+          <a:effectRef idx="0">
+            <a:schemeClr val="accent1"/>
+          </a:effectRef>
+          <a:fontRef idx="minor">
+            <a:schemeClr val="tx1"/>
+          </a:fontRef>
+        </p:style>
+      </p:cxnSp>
+      <p:sp>
+        <p:nvSpPr>
+          <p:cNvPr id="237" name="직사각형 236"/>
+          <p:cNvSpPr/>
+          <p:nvPr/>
+        </p:nvSpPr>
+        <p:spPr>
+          <a:xfrm>
+            <a:off x="1010657" y="4504775"/>
+            <a:ext cx="6911372" cy="1787960"/>
+          </a:xfrm>
+          <a:prstGeom prst="rect">
+            <a:avLst/>
+          </a:prstGeom>
+          <a:noFill/>
+          <a:ln w="28575">
+            <a:solidFill>
+              <a:schemeClr val="tx1"/>
+            </a:solidFill>
+            <a:prstDash val="dash"/>
+          </a:ln>
+        </p:spPr>
+        <p:style>
+          <a:lnRef idx="2">
+            <a:schemeClr val="accent1">
+              <a:shade val="50000"/>
+            </a:schemeClr>
+          </a:lnRef>
+          <a:fillRef idx="1">
+            <a:schemeClr val="accent1"/>
+          </a:fillRef>
+          <a:effectRef idx="0">
+            <a:schemeClr val="accent1"/>
+          </a:effectRef>
+          <a:fontRef idx="minor">
+            <a:schemeClr val="lt1"/>
+          </a:fontRef>
+        </p:style>
+        <p:txBody>
+          <a:bodyPr rtlCol="0" anchor="ctr"/>
+          <a:lstStyle/>
+          <a:p>
+            <a:pPr algn="ctr"/>
             <a:endParaRPr lang="ko-KR" altLang="en-US"/>
+          </a:p>
+        </p:txBody>
+      </p:sp>
+      <p:cxnSp>
+        <p:nvCxnSpPr>
+          <p:cNvPr id="238" name="직선 화살표 연결선 237"/>
+          <p:cNvCxnSpPr>
+            <a:stCxn id="34" idx="3"/>
+            <a:endCxn id="6" idx="1"/>
+          </p:cNvCxnSpPr>
+          <p:nvPr/>
+        </p:nvCxnSpPr>
+        <p:spPr>
+          <a:xfrm>
+            <a:off x="2686049" y="1696223"/>
+            <a:ext cx="668524" cy="0"/>
+          </a:xfrm>
+          <a:prstGeom prst="straightConnector1">
+            <a:avLst/>
+          </a:prstGeom>
+          <a:ln w="12700">
+            <a:tailEnd type="triangle"/>
+          </a:ln>
+        </p:spPr>
+        <p:style>
+          <a:lnRef idx="1">
+            <a:schemeClr val="dk1"/>
+          </a:lnRef>
+          <a:fillRef idx="0">
+            <a:schemeClr val="dk1"/>
+          </a:fillRef>
+          <a:effectRef idx="0">
+            <a:schemeClr val="dk1"/>
+          </a:effectRef>
+          <a:fontRef idx="minor">
+            <a:schemeClr val="tx1"/>
+          </a:fontRef>
+        </p:style>
+      </p:cxnSp>
+      <p:cxnSp>
+        <p:nvCxnSpPr>
+          <p:cNvPr id="241" name="직선 화살표 연결선 240"/>
+          <p:cNvCxnSpPr>
+            <a:stCxn id="6" idx="3"/>
+            <a:endCxn id="46" idx="1"/>
+          </p:cNvCxnSpPr>
+          <p:nvPr/>
+        </p:nvCxnSpPr>
+        <p:spPr>
+          <a:xfrm>
+            <a:off x="5793971" y="1696223"/>
+            <a:ext cx="647092" cy="0"/>
+          </a:xfrm>
+          <a:prstGeom prst="straightConnector1">
+            <a:avLst/>
+          </a:prstGeom>
+          <a:ln w="12700">
+            <a:tailEnd type="triangle"/>
+          </a:ln>
+        </p:spPr>
+        <p:style>
+          <a:lnRef idx="1">
+            <a:schemeClr val="dk1"/>
+          </a:lnRef>
+          <a:fillRef idx="0">
+            <a:schemeClr val="dk1"/>
+          </a:fillRef>
+          <a:effectRef idx="0">
+            <a:schemeClr val="dk1"/>
+          </a:effectRef>
+          <a:fontRef idx="minor">
+            <a:schemeClr val="tx1"/>
+          </a:fontRef>
+        </p:style>
+      </p:cxnSp>
+      <p:sp>
+        <p:nvSpPr>
+          <p:cNvPr id="244" name="TextBox 243"/>
+          <p:cNvSpPr txBox="1"/>
+          <p:nvPr/>
+        </p:nvSpPr>
+        <p:spPr>
+          <a:xfrm>
+            <a:off x="7153665" y="4144275"/>
+            <a:ext cx="1361685" cy="369332"/>
+          </a:xfrm>
+          <a:prstGeom prst="rect">
+            <a:avLst/>
+          </a:prstGeom>
+          <a:noFill/>
+        </p:spPr>
+        <p:txBody>
+          <a:bodyPr wrap="square" rtlCol="0">
+            <a:spAutoFit/>
+          </a:bodyPr>
+          <a:lstStyle/>
+          <a:p>
+            <a:pPr algn="just"/>
+            <a:r>
+              <a:rPr lang="en-US" altLang="ko-KR" dirty="0" smtClean="0">
+                <a:solidFill>
+                  <a:srgbClr val="3333FF"/>
+                </a:solidFill>
+              </a:rPr>
+              <a:t>Dense Block</a:t>
+            </a:r>
+            <a:endParaRPr lang="ko-KR" altLang="en-US" dirty="0">
+              <a:solidFill>
+                <a:srgbClr val="3333FF"/>
+              </a:solidFill>
+            </a:endParaRPr>
           </a:p>
         </p:txBody>
       </p:sp>
     </p:spTree>
     <p:extLst>
       <p:ext uri="{BB962C8B-B14F-4D97-AF65-F5344CB8AC3E}">
-        <p14:creationId xmlns:p14="http://schemas.microsoft.com/office/powerpoint/2010/main" val="2086568684"/>
+        <p14:creationId xmlns:p14="http://schemas.microsoft.com/office/powerpoint/2010/main" val="3907674026"/>
       </p:ext>
     </p:extLst>
   </p:cSld>
@@ -4750,6 +7609,75 @@
           <a:chExt cx="0" cy="0"/>
         </a:xfrm>
       </p:grpSpPr>
+      <p:pic>
+        <p:nvPicPr>
+          <p:cNvPr id="17" name="그림 16"/>
+          <p:cNvPicPr>
+            <a:picLocks noChangeAspect="1"/>
+          </p:cNvPicPr>
+          <p:nvPr/>
+        </p:nvPicPr>
+        <p:blipFill rotWithShape="1">
+          <a:blip r:embed="rId2"/>
+          <a:srcRect l="34253" r="34607"/>
+          <a:stretch/>
+        </p:blipFill>
+        <p:spPr>
+          <a:xfrm>
+            <a:off x="2538420" y="571899"/>
+            <a:ext cx="1619250" cy="3600000"/>
+          </a:xfrm>
+          <a:prstGeom prst="rect">
+            <a:avLst/>
+          </a:prstGeom>
+        </p:spPr>
+      </p:pic>
+      <p:pic>
+        <p:nvPicPr>
+          <p:cNvPr id="18" name="그림 17"/>
+          <p:cNvPicPr>
+            <a:picLocks noChangeAspect="1"/>
+          </p:cNvPicPr>
+          <p:nvPr/>
+        </p:nvPicPr>
+        <p:blipFill rotWithShape="1">
+          <a:blip r:embed="rId3"/>
+          <a:srcRect l="34766" r="34529"/>
+          <a:stretch/>
+        </p:blipFill>
+        <p:spPr>
+          <a:xfrm>
+            <a:off x="581482" y="571899"/>
+            <a:ext cx="1600200" cy="3600000"/>
+          </a:xfrm>
+          <a:prstGeom prst="rect">
+            <a:avLst/>
+          </a:prstGeom>
+        </p:spPr>
+      </p:pic>
+      <p:sp>
+        <p:nvSpPr>
+          <p:cNvPr id="3" name="날짜 개체 틀 2"/>
+          <p:cNvSpPr>
+            <a:spLocks noGrp="1"/>
+          </p:cNvSpPr>
+          <p:nvPr>
+            <p:ph type="dt" sz="half" idx="10"/>
+          </p:nvPr>
+        </p:nvSpPr>
+        <p:spPr/>
+        <p:txBody>
+          <a:bodyPr/>
+          <a:lstStyle/>
+          <a:p>
+            <a:fld id="{9B9B7D2E-B202-4D7A-9519-0C490A04EB9C}" type="datetime1">
+              <a:rPr lang="ko-KR" altLang="en-US" smtClean="0"/>
+              <a:t>2019-06-27</a:t>
+            </a:fld>
+            <a:endParaRPr lang="ko-KR" altLang="en-US"/>
+          </a:p>
+        </p:txBody>
+      </p:sp>
       <p:sp>
         <p:nvSpPr>
           <p:cNvPr id="4" name="슬라이드 번호 개체 틀 3"/>
@@ -4775,14 +7703,14 @@
       </p:sp>
       <p:sp>
         <p:nvSpPr>
-          <p:cNvPr id="6" name="TextBox 5"/>
+          <p:cNvPr id="5" name="TextBox 4"/>
           <p:cNvSpPr txBox="1"/>
           <p:nvPr/>
         </p:nvSpPr>
         <p:spPr>
           <a:xfrm>
             <a:off x="0" y="2512"/>
-            <a:ext cx="4976170" cy="400110"/>
+            <a:ext cx="3638817" cy="400110"/>
           </a:xfrm>
           <a:prstGeom prst="rect">
             <a:avLst/>
@@ -4801,7 +7729,7 @@
                   <a:srgbClr val="3333FF"/>
                 </a:solidFill>
               </a:rPr>
-              <a:t>2D Power Splitter – Machine Learning Setting</a:t>
+              <a:t>2D Power Splitter – FDTD Setting</a:t>
             </a:r>
             <a:endParaRPr lang="ko-KR" altLang="en-US" sz="2000" b="1" dirty="0">
               <a:solidFill>
@@ -4811,496 +7739,326 @@
           </a:p>
         </p:txBody>
       </p:sp>
-      <mc:AlternateContent xmlns:mc="http://schemas.openxmlformats.org/markup-compatibility/2006" xmlns:a14="http://schemas.microsoft.com/office/drawing/2010/main">
-        <mc:Choice Requires="a14">
-          <p:sp>
-            <p:nvSpPr>
-              <p:cNvPr id="8" name="TextBox 7"/>
-              <p:cNvSpPr txBox="1"/>
-              <p:nvPr/>
-            </p:nvSpPr>
-            <p:spPr>
-              <a:xfrm>
-                <a:off x="5332489" y="3099394"/>
-                <a:ext cx="2374111" cy="223651"/>
-              </a:xfrm>
-              <a:prstGeom prst="rect">
-                <a:avLst/>
-              </a:prstGeom>
-              <a:noFill/>
-            </p:spPr>
-            <p:txBody>
-              <a:bodyPr wrap="none" lIns="0" tIns="0" rIns="0" bIns="0" rtlCol="0">
-                <a:spAutoFit/>
-              </a:bodyPr>
-              <a:lstStyle/>
-              <a:p>
-                <a:pPr/>
-                <a14:m>
-                  <m:oMathPara xmlns:m="http://schemas.openxmlformats.org/officeDocument/2006/math">
-                    <m:oMathParaPr>
-                      <m:jc m:val="centerGroup"/>
-                    </m:oMathParaPr>
-                    <m:oMath xmlns:m="http://schemas.openxmlformats.org/officeDocument/2006/math">
-                      <m:r>
-                        <a:rPr lang="en-US" altLang="ko-KR" sz="1200" b="0" i="1" smtClean="0">
-                          <a:latin typeface="Cambria Math" panose="02040503050406030204" pitchFamily="18" charset="0"/>
-                        </a:rPr>
-                        <m:t>𝐹𝑂𝑀</m:t>
-                      </m:r>
-                      <m:r>
-                        <a:rPr lang="en-US" altLang="ko-KR" sz="1200" b="0" i="1" smtClean="0">
-                          <a:latin typeface="Cambria Math" panose="02040503050406030204" pitchFamily="18" charset="0"/>
-                        </a:rPr>
-                        <m:t>=1−</m:t>
-                      </m:r>
-                      <m:rad>
-                        <m:radPr>
-                          <m:degHide m:val="on"/>
-                          <m:ctrlPr>
-                            <a:rPr lang="en-US" altLang="ko-KR" sz="1200" b="0" i="1" smtClean="0">
-                              <a:latin typeface="Cambria Math" panose="02040503050406030204" pitchFamily="18" charset="0"/>
-                            </a:rPr>
-                          </m:ctrlPr>
-                        </m:radPr>
-                        <m:deg/>
-                        <m:e>
-                          <m:sSup>
-                            <m:sSupPr>
-                              <m:ctrlPr>
-                                <a:rPr lang="en-US" altLang="ko-KR" sz="1200" b="0" i="1" smtClean="0">
-                                  <a:latin typeface="Cambria Math" panose="02040503050406030204" pitchFamily="18" charset="0"/>
-                                </a:rPr>
-                              </m:ctrlPr>
-                            </m:sSupPr>
-                            <m:e>
-                              <m:d>
-                                <m:dPr>
-                                  <m:ctrlPr>
-                                    <a:rPr lang="en-US" altLang="ko-KR" sz="1200" b="0" i="1" smtClean="0">
-                                      <a:latin typeface="Cambria Math" panose="02040503050406030204" pitchFamily="18" charset="0"/>
-                                    </a:rPr>
-                                  </m:ctrlPr>
-                                </m:dPr>
-                                <m:e>
-                                  <m:sSub>
-                                    <m:sSubPr>
-                                      <m:ctrlPr>
-                                        <a:rPr lang="en-US" altLang="ko-KR" sz="1200" b="0" i="1" smtClean="0">
-                                          <a:latin typeface="Cambria Math" panose="02040503050406030204" pitchFamily="18" charset="0"/>
-                                        </a:rPr>
-                                      </m:ctrlPr>
-                                    </m:sSubPr>
-                                    <m:e>
-                                      <m:r>
-                                        <a:rPr lang="en-US" altLang="ko-KR" sz="1200" b="0" i="1" smtClean="0">
-                                          <a:latin typeface="Cambria Math" panose="02040503050406030204" pitchFamily="18" charset="0"/>
-                                        </a:rPr>
-                                        <m:t>𝑃</m:t>
-                                      </m:r>
-                                    </m:e>
-                                    <m:sub>
-                                      <m:r>
-                                        <a:rPr lang="en-US" altLang="ko-KR" sz="1200" b="0" i="1" smtClean="0">
-                                          <a:latin typeface="Cambria Math" panose="02040503050406030204" pitchFamily="18" charset="0"/>
-                                        </a:rPr>
-                                        <m:t>1</m:t>
-                                      </m:r>
-                                    </m:sub>
-                                  </m:sSub>
-                                  <m:r>
-                                    <a:rPr lang="en-US" altLang="ko-KR" sz="1200" b="0" i="1" smtClean="0">
-                                      <a:latin typeface="Cambria Math" panose="02040503050406030204" pitchFamily="18" charset="0"/>
-                                    </a:rPr>
-                                    <m:t>−1</m:t>
-                                  </m:r>
-                                </m:e>
-                              </m:d>
-                            </m:e>
-                            <m:sup>
-                              <m:r>
-                                <a:rPr lang="en-US" altLang="ko-KR" sz="1200" b="0" i="1" smtClean="0">
-                                  <a:latin typeface="Cambria Math" panose="02040503050406030204" pitchFamily="18" charset="0"/>
-                                </a:rPr>
-                                <m:t>2</m:t>
-                              </m:r>
-                            </m:sup>
-                          </m:sSup>
-                          <m:r>
-                            <a:rPr lang="en-US" altLang="ko-KR" sz="1200" b="0" i="1" smtClean="0">
-                              <a:latin typeface="Cambria Math" panose="02040503050406030204" pitchFamily="18" charset="0"/>
-                            </a:rPr>
-                            <m:t>+</m:t>
-                          </m:r>
-                          <m:sSup>
-                            <m:sSupPr>
-                              <m:ctrlPr>
-                                <a:rPr lang="en-US" altLang="ko-KR" sz="1200" b="0" i="1" smtClean="0">
-                                  <a:latin typeface="Cambria Math" panose="02040503050406030204" pitchFamily="18" charset="0"/>
-                                </a:rPr>
-                              </m:ctrlPr>
-                            </m:sSupPr>
-                            <m:e>
-                              <m:d>
-                                <m:dPr>
-                                  <m:ctrlPr>
-                                    <a:rPr lang="en-US" altLang="ko-KR" sz="1200" b="0" i="1" smtClean="0">
-                                      <a:latin typeface="Cambria Math" panose="02040503050406030204" pitchFamily="18" charset="0"/>
-                                    </a:rPr>
-                                  </m:ctrlPr>
-                                </m:dPr>
-                                <m:e>
-                                  <m:sSub>
-                                    <m:sSubPr>
-                                      <m:ctrlPr>
-                                        <a:rPr lang="en-US" altLang="ko-KR" sz="1200" b="0" i="1" smtClean="0">
-                                          <a:latin typeface="Cambria Math" panose="02040503050406030204" pitchFamily="18" charset="0"/>
-                                        </a:rPr>
-                                      </m:ctrlPr>
-                                    </m:sSubPr>
-                                    <m:e>
-                                      <m:r>
-                                        <a:rPr lang="en-US" altLang="ko-KR" sz="1200" b="0" i="1" smtClean="0">
-                                          <a:latin typeface="Cambria Math" panose="02040503050406030204" pitchFamily="18" charset="0"/>
-                                        </a:rPr>
-                                        <m:t>𝑃</m:t>
-                                      </m:r>
-                                    </m:e>
-                                    <m:sub>
-                                      <m:r>
-                                        <a:rPr lang="en-US" altLang="ko-KR" sz="1200" b="0" i="1" smtClean="0">
-                                          <a:latin typeface="Cambria Math" panose="02040503050406030204" pitchFamily="18" charset="0"/>
-                                        </a:rPr>
-                                        <m:t>2</m:t>
-                                      </m:r>
-                                    </m:sub>
-                                  </m:sSub>
-                                  <m:r>
-                                    <a:rPr lang="en-US" altLang="ko-KR" sz="1200" b="0" i="1" smtClean="0">
-                                      <a:latin typeface="Cambria Math" panose="02040503050406030204" pitchFamily="18" charset="0"/>
-                                    </a:rPr>
-                                    <m:t>−1</m:t>
-                                  </m:r>
-                                </m:e>
-                              </m:d>
-                            </m:e>
-                            <m:sup>
-                              <m:r>
-                                <a:rPr lang="en-US" altLang="ko-KR" sz="1200" b="0" i="1" smtClean="0">
-                                  <a:latin typeface="Cambria Math" panose="02040503050406030204" pitchFamily="18" charset="0"/>
-                                </a:rPr>
-                                <m:t>2</m:t>
-                              </m:r>
-                            </m:sup>
-                          </m:sSup>
-                        </m:e>
-                      </m:rad>
-                    </m:oMath>
-                  </m:oMathPara>
-                </a14:m>
-                <a:endParaRPr lang="ko-KR" altLang="en-US" sz="1200" dirty="0"/>
-              </a:p>
-            </p:txBody>
-          </p:sp>
-        </mc:Choice>
-        <mc:Fallback xmlns="">
-          <p:sp>
-            <p:nvSpPr>
-              <p:cNvPr id="8" name="TextBox 7"/>
-              <p:cNvSpPr txBox="1">
-                <a:spLocks noRot="1" noChangeAspect="1" noMove="1" noResize="1" noEditPoints="1" noAdjustHandles="1" noChangeArrowheads="1" noChangeShapeType="1" noTextEdit="1"/>
-              </p:cNvSpPr>
-              <p:nvPr/>
-            </p:nvSpPr>
-            <p:spPr>
-              <a:xfrm>
-                <a:off x="5332489" y="3099394"/>
-                <a:ext cx="2374111" cy="223651"/>
-              </a:xfrm>
-              <a:prstGeom prst="rect">
-                <a:avLst/>
-              </a:prstGeom>
-              <a:blipFill>
-                <a:blip r:embed="rId2"/>
-                <a:stretch>
-                  <a:fillRect l="-1028" b="-10811"/>
-                </a:stretch>
-              </a:blipFill>
-            </p:spPr>
-            <p:txBody>
-              <a:bodyPr/>
-              <a:lstStyle/>
-              <a:p>
-                <a:r>
-                  <a:rPr lang="ko-KR" altLang="en-US">
-                    <a:noFill/>
-                  </a:rPr>
-                  <a:t> </a:t>
-                </a:r>
-              </a:p>
-            </p:txBody>
-          </p:sp>
-        </mc:Fallback>
-      </mc:AlternateContent>
-      <mc:AlternateContent xmlns:mc="http://schemas.openxmlformats.org/markup-compatibility/2006" xmlns:a14="http://schemas.microsoft.com/office/drawing/2010/main">
-        <mc:Choice Requires="a14">
-          <p:sp>
-            <p:nvSpPr>
-              <p:cNvPr id="18" name="TextBox 17"/>
-              <p:cNvSpPr txBox="1"/>
-              <p:nvPr/>
-            </p:nvSpPr>
-            <p:spPr>
-              <a:xfrm>
-                <a:off x="1116559" y="3106993"/>
-                <a:ext cx="2398092" cy="208455"/>
-              </a:xfrm>
-              <a:prstGeom prst="rect">
-                <a:avLst/>
-              </a:prstGeom>
-              <a:noFill/>
-            </p:spPr>
-            <p:txBody>
-              <a:bodyPr wrap="none" lIns="0" tIns="0" rIns="0" bIns="0" rtlCol="0">
-                <a:spAutoFit/>
-              </a:bodyPr>
-              <a:lstStyle/>
-              <a:p>
-                <a:pPr/>
-                <a14:m>
-                  <m:oMathPara xmlns:m="http://schemas.openxmlformats.org/officeDocument/2006/math">
-                    <m:oMathParaPr>
-                      <m:jc m:val="centerGroup"/>
-                    </m:oMathParaPr>
-                    <m:oMath xmlns:m="http://schemas.openxmlformats.org/officeDocument/2006/math">
-                      <m:r>
-                        <a:rPr lang="en-US" altLang="ko-KR" sz="1200" b="0" i="1" smtClean="0">
-                          <a:latin typeface="Cambria Math" panose="02040503050406030204" pitchFamily="18" charset="0"/>
-                        </a:rPr>
-                        <m:t>𝐹𝑂𝑀</m:t>
-                      </m:r>
-                      <m:r>
-                        <a:rPr lang="en-US" altLang="ko-KR" sz="1200" b="0" i="1" smtClean="0">
-                          <a:latin typeface="Cambria Math" panose="02040503050406030204" pitchFamily="18" charset="0"/>
-                        </a:rPr>
-                        <m:t>=1−</m:t>
-                      </m:r>
-                      <m:d>
-                        <m:dPr>
-                          <m:ctrlPr>
-                            <a:rPr lang="en-US" altLang="ko-KR" sz="1200" b="0" i="1" smtClean="0">
-                              <a:latin typeface="Cambria Math" panose="02040503050406030204" pitchFamily="18" charset="0"/>
-                            </a:rPr>
-                          </m:ctrlPr>
-                        </m:dPr>
-                        <m:e>
-                          <m:sSup>
-                            <m:sSupPr>
-                              <m:ctrlPr>
-                                <a:rPr lang="en-US" altLang="ko-KR" sz="1200" i="1">
-                                  <a:latin typeface="Cambria Math" panose="02040503050406030204" pitchFamily="18" charset="0"/>
-                                </a:rPr>
-                              </m:ctrlPr>
-                            </m:sSupPr>
-                            <m:e>
-                              <m:d>
-                                <m:dPr>
-                                  <m:ctrlPr>
-                                    <a:rPr lang="en-US" altLang="ko-KR" sz="1200" i="1">
-                                      <a:latin typeface="Cambria Math" panose="02040503050406030204" pitchFamily="18" charset="0"/>
-                                    </a:rPr>
-                                  </m:ctrlPr>
-                                </m:dPr>
-                                <m:e>
-                                  <m:sSub>
-                                    <m:sSubPr>
-                                      <m:ctrlPr>
-                                        <a:rPr lang="en-US" altLang="ko-KR" sz="1200" i="1">
-                                          <a:latin typeface="Cambria Math" panose="02040503050406030204" pitchFamily="18" charset="0"/>
-                                        </a:rPr>
-                                      </m:ctrlPr>
-                                    </m:sSubPr>
-                                    <m:e>
-                                      <m:r>
-                                        <a:rPr lang="en-US" altLang="ko-KR" sz="1200" b="0" i="1" smtClean="0">
-                                          <a:latin typeface="Cambria Math" panose="02040503050406030204" pitchFamily="18" charset="0"/>
-                                        </a:rPr>
-                                        <m:t>𝑃</m:t>
-                                      </m:r>
-                                    </m:e>
-                                    <m:sub>
-                                      <m:r>
-                                        <a:rPr lang="en-US" altLang="ko-KR" sz="1200" i="1">
-                                          <a:latin typeface="Cambria Math" panose="02040503050406030204" pitchFamily="18" charset="0"/>
-                                        </a:rPr>
-                                        <m:t>1</m:t>
-                                      </m:r>
-                                    </m:sub>
-                                  </m:sSub>
-                                  <m:r>
-                                    <a:rPr lang="en-US" altLang="ko-KR" sz="1200" i="1">
-                                      <a:latin typeface="Cambria Math" panose="02040503050406030204" pitchFamily="18" charset="0"/>
-                                    </a:rPr>
-                                    <m:t>−</m:t>
-                                  </m:r>
-                                  <m:r>
-                                    <a:rPr lang="en-US" altLang="ko-KR" sz="1200" b="0" i="1" smtClean="0">
-                                      <a:latin typeface="Cambria Math" panose="02040503050406030204" pitchFamily="18" charset="0"/>
-                                    </a:rPr>
-                                    <m:t>1</m:t>
-                                  </m:r>
-                                </m:e>
-                              </m:d>
-                            </m:e>
-                            <m:sup>
-                              <m:r>
-                                <a:rPr lang="en-US" altLang="ko-KR" sz="1200" i="1">
-                                  <a:latin typeface="Cambria Math" panose="02040503050406030204" pitchFamily="18" charset="0"/>
-                                </a:rPr>
-                                <m:t>2</m:t>
-                              </m:r>
-                            </m:sup>
-                          </m:sSup>
-                          <m:r>
-                            <a:rPr lang="en-US" altLang="ko-KR" sz="1200" i="1">
-                              <a:latin typeface="Cambria Math" panose="02040503050406030204" pitchFamily="18" charset="0"/>
-                            </a:rPr>
-                            <m:t>+</m:t>
-                          </m:r>
-                          <m:sSup>
-                            <m:sSupPr>
-                              <m:ctrlPr>
-                                <a:rPr lang="en-US" altLang="ko-KR" sz="1200" i="1">
-                                  <a:latin typeface="Cambria Math" panose="02040503050406030204" pitchFamily="18" charset="0"/>
-                                </a:rPr>
-                              </m:ctrlPr>
-                            </m:sSupPr>
-                            <m:e>
-                              <m:d>
-                                <m:dPr>
-                                  <m:ctrlPr>
-                                    <a:rPr lang="en-US" altLang="ko-KR" sz="1200" i="1">
-                                      <a:latin typeface="Cambria Math" panose="02040503050406030204" pitchFamily="18" charset="0"/>
-                                    </a:rPr>
-                                  </m:ctrlPr>
-                                </m:dPr>
-                                <m:e>
-                                  <m:sSub>
-                                    <m:sSubPr>
-                                      <m:ctrlPr>
-                                        <a:rPr lang="en-US" altLang="ko-KR" sz="1200" i="1">
-                                          <a:latin typeface="Cambria Math" panose="02040503050406030204" pitchFamily="18" charset="0"/>
-                                        </a:rPr>
-                                      </m:ctrlPr>
-                                    </m:sSubPr>
-                                    <m:e>
-                                      <m:r>
-                                        <a:rPr lang="en-US" altLang="ko-KR" sz="1200" b="0" i="1" smtClean="0">
-                                          <a:latin typeface="Cambria Math" panose="02040503050406030204" pitchFamily="18" charset="0"/>
-                                        </a:rPr>
-                                        <m:t>𝑃</m:t>
-                                      </m:r>
-                                    </m:e>
-                                    <m:sub>
-                                      <m:r>
-                                        <a:rPr lang="en-US" altLang="ko-KR" sz="1200" i="1">
-                                          <a:latin typeface="Cambria Math" panose="02040503050406030204" pitchFamily="18" charset="0"/>
-                                        </a:rPr>
-                                        <m:t>2</m:t>
-                                      </m:r>
-                                    </m:sub>
-                                  </m:sSub>
-                                  <m:r>
-                                    <a:rPr lang="en-US" altLang="ko-KR" sz="1200" i="1">
-                                      <a:latin typeface="Cambria Math" panose="02040503050406030204" pitchFamily="18" charset="0"/>
-                                    </a:rPr>
-                                    <m:t>−</m:t>
-                                  </m:r>
-                                  <m:r>
-                                    <a:rPr lang="en-US" altLang="ko-KR" sz="1200" b="0" i="1" smtClean="0">
-                                      <a:latin typeface="Cambria Math" panose="02040503050406030204" pitchFamily="18" charset="0"/>
-                                    </a:rPr>
-                                    <m:t>1</m:t>
-                                  </m:r>
-                                </m:e>
-                              </m:d>
-                            </m:e>
-                            <m:sup>
-                              <m:r>
-                                <a:rPr lang="en-US" altLang="ko-KR" sz="1200" i="1">
-                                  <a:latin typeface="Cambria Math" panose="02040503050406030204" pitchFamily="18" charset="0"/>
-                                </a:rPr>
-                                <m:t>2</m:t>
-                              </m:r>
-                            </m:sup>
-                          </m:sSup>
-                        </m:e>
-                      </m:d>
-                    </m:oMath>
-                  </m:oMathPara>
-                </a14:m>
-                <a:endParaRPr lang="ko-KR" altLang="en-US" sz="1200" dirty="0"/>
-              </a:p>
-            </p:txBody>
-          </p:sp>
-        </mc:Choice>
-        <mc:Fallback xmlns="">
-          <p:sp>
-            <p:nvSpPr>
-              <p:cNvPr id="18" name="TextBox 17"/>
-              <p:cNvSpPr txBox="1">
-                <a:spLocks noRot="1" noChangeAspect="1" noMove="1" noResize="1" noEditPoints="1" noAdjustHandles="1" noChangeArrowheads="1" noChangeShapeType="1" noTextEdit="1"/>
-              </p:cNvSpPr>
-              <p:nvPr/>
-            </p:nvSpPr>
-            <p:spPr>
-              <a:xfrm>
-                <a:off x="1116559" y="3106993"/>
-                <a:ext cx="2398092" cy="208455"/>
-              </a:xfrm>
-              <a:prstGeom prst="rect">
-                <a:avLst/>
-              </a:prstGeom>
-              <a:blipFill>
-                <a:blip r:embed="rId3"/>
-                <a:stretch>
-                  <a:fillRect l="-1015" b="-8824"/>
-                </a:stretch>
-              </a:blipFill>
-            </p:spPr>
-            <p:txBody>
-              <a:bodyPr/>
-              <a:lstStyle/>
-              <a:p>
-                <a:r>
-                  <a:rPr lang="ko-KR" altLang="en-US">
-                    <a:noFill/>
-                  </a:rPr>
-                  <a:t> </a:t>
-                </a:r>
-              </a:p>
-            </p:txBody>
-          </p:sp>
-        </mc:Fallback>
-      </mc:AlternateContent>
-      <p:sp>
-        <p:nvSpPr>
-          <p:cNvPr id="10" name="직사각형 9"/>
+      <p:sp>
+        <p:nvSpPr>
+          <p:cNvPr id="6" name="TextBox 5"/>
+          <p:cNvSpPr txBox="1"/>
+          <p:nvPr/>
+        </p:nvSpPr>
+        <p:spPr>
+          <a:xfrm>
+            <a:off x="359929" y="4493175"/>
+            <a:ext cx="3998422" cy="1477328"/>
+          </a:xfrm>
+          <a:prstGeom prst="rect">
+            <a:avLst/>
+          </a:prstGeom>
+          <a:noFill/>
+        </p:spPr>
+        <p:txBody>
+          <a:bodyPr wrap="square" rtlCol="0">
+            <a:spAutoFit/>
+          </a:bodyPr>
+          <a:lstStyle/>
+          <a:p>
+            <a:pPr marL="285750" indent="-285750">
+              <a:buFontTx/>
+              <a:buChar char="-"/>
+            </a:pPr>
+            <a:r>
+              <a:rPr lang="en-US" altLang="ko-KR" dirty="0" smtClean="0"/>
+              <a:t>Simulation region: 250 ~ 350 um</a:t>
+            </a:r>
+          </a:p>
+          <a:p>
+            <a:pPr marL="285750" indent="-285750">
+              <a:buFontTx/>
+              <a:buChar char="-"/>
+            </a:pPr>
+            <a:r>
+              <a:rPr lang="en-US" altLang="ko-KR" dirty="0" smtClean="0"/>
+              <a:t>Waveguide thickness: 100 um</a:t>
+            </a:r>
+          </a:p>
+          <a:p>
+            <a:pPr marL="285750" indent="-285750">
+              <a:buFontTx/>
+              <a:buChar char="-"/>
+            </a:pPr>
+            <a:r>
+              <a:rPr lang="en-US" altLang="ko-KR" dirty="0" smtClean="0"/>
+              <a:t>Square: 500 um x 500 um</a:t>
+            </a:r>
+          </a:p>
+          <a:p>
+            <a:pPr marL="285750" indent="-285750">
+              <a:buFontTx/>
+              <a:buChar char="-"/>
+            </a:pPr>
+            <a:r>
+              <a:rPr lang="en-US" altLang="ko-KR" dirty="0" smtClean="0"/>
+              <a:t>Taper connection: 250 um</a:t>
+            </a:r>
+          </a:p>
+          <a:p>
+            <a:pPr marL="285750" indent="-285750">
+              <a:buFontTx/>
+              <a:buChar char="-"/>
+            </a:pPr>
+            <a:r>
+              <a:rPr lang="en-US" altLang="ko-KR" dirty="0" smtClean="0"/>
+              <a:t>Holes: 20x20 with a radius of 9 um</a:t>
+            </a:r>
+            <a:endParaRPr lang="ko-KR" altLang="en-US" dirty="0"/>
+          </a:p>
+        </p:txBody>
+      </p:sp>
+      <p:pic>
+        <p:nvPicPr>
+          <p:cNvPr id="9" name="그림 8"/>
+          <p:cNvPicPr>
+            <a:picLocks noChangeAspect="1"/>
+          </p:cNvPicPr>
+          <p:nvPr/>
+        </p:nvPicPr>
+        <p:blipFill>
+          <a:blip r:embed="rId4">
+            <a:extLst>
+              <a:ext uri="{28A0092B-C50C-407E-A947-70E740481C1C}">
+                <a14:useLocalDpi xmlns:a14="http://schemas.microsoft.com/office/drawing/2010/main" val="0"/>
+              </a:ext>
+            </a:extLst>
+          </a:blip>
+          <a:stretch>
+            <a:fillRect/>
+          </a:stretch>
+        </p:blipFill>
+        <p:spPr>
+          <a:xfrm>
+            <a:off x="4759190" y="418350"/>
+            <a:ext cx="3600000" cy="2239862"/>
+          </a:xfrm>
+          <a:prstGeom prst="rect">
+            <a:avLst/>
+          </a:prstGeom>
+        </p:spPr>
+      </p:pic>
+      <p:pic>
+        <p:nvPicPr>
+          <p:cNvPr id="10" name="그림 9"/>
+          <p:cNvPicPr>
+            <a:picLocks noChangeAspect="1"/>
+          </p:cNvPicPr>
+          <p:nvPr/>
+        </p:nvPicPr>
+        <p:blipFill>
+          <a:blip r:embed="rId5">
+            <a:extLst>
+              <a:ext uri="{28A0092B-C50C-407E-A947-70E740481C1C}">
+                <a14:useLocalDpi xmlns:a14="http://schemas.microsoft.com/office/drawing/2010/main" val="0"/>
+              </a:ext>
+            </a:extLst>
+          </a:blip>
+          <a:stretch>
+            <a:fillRect/>
+          </a:stretch>
+        </p:blipFill>
+        <p:spPr>
+          <a:xfrm>
+            <a:off x="4759190" y="2658212"/>
+            <a:ext cx="3600000" cy="2239861"/>
+          </a:xfrm>
+          <a:prstGeom prst="rect">
+            <a:avLst/>
+          </a:prstGeom>
+        </p:spPr>
+      </p:pic>
+      <p:sp>
+        <p:nvSpPr>
+          <p:cNvPr id="11" name="TextBox 10"/>
+          <p:cNvSpPr txBox="1"/>
+          <p:nvPr/>
+        </p:nvSpPr>
+        <p:spPr>
+          <a:xfrm>
+            <a:off x="552330" y="517206"/>
+            <a:ext cx="626038" cy="369332"/>
+          </a:xfrm>
+          <a:prstGeom prst="rect">
+            <a:avLst/>
+          </a:prstGeom>
+          <a:noFill/>
+        </p:spPr>
+        <p:txBody>
+          <a:bodyPr wrap="square" rtlCol="0">
+            <a:spAutoFit/>
+          </a:bodyPr>
+          <a:lstStyle/>
+          <a:p>
+            <a:r>
+              <a:rPr lang="en-US" altLang="ko-KR" dirty="0" smtClean="0">
+                <a:solidFill>
+                  <a:schemeClr val="bg1"/>
+                </a:solidFill>
+              </a:rPr>
+              <a:t>(a)-1</a:t>
+            </a:r>
+            <a:endParaRPr lang="ko-KR" altLang="en-US" dirty="0">
+              <a:solidFill>
+                <a:schemeClr val="bg1"/>
+              </a:solidFill>
+            </a:endParaRPr>
+          </a:p>
+        </p:txBody>
+      </p:sp>
+      <p:sp>
+        <p:nvSpPr>
+          <p:cNvPr id="12" name="TextBox 11"/>
+          <p:cNvSpPr txBox="1"/>
+          <p:nvPr/>
+        </p:nvSpPr>
+        <p:spPr>
+          <a:xfrm>
+            <a:off x="2538420" y="517206"/>
+            <a:ext cx="626038" cy="369332"/>
+          </a:xfrm>
+          <a:prstGeom prst="rect">
+            <a:avLst/>
+          </a:prstGeom>
+          <a:noFill/>
+        </p:spPr>
+        <p:txBody>
+          <a:bodyPr wrap="square" rtlCol="0">
+            <a:spAutoFit/>
+          </a:bodyPr>
+          <a:lstStyle/>
+          <a:p>
+            <a:r>
+              <a:rPr lang="en-US" altLang="ko-KR" dirty="0" smtClean="0">
+                <a:solidFill>
+                  <a:schemeClr val="bg1"/>
+                </a:solidFill>
+              </a:rPr>
+              <a:t>(a)-2</a:t>
+            </a:r>
+            <a:endParaRPr lang="ko-KR" altLang="en-US" dirty="0">
+              <a:solidFill>
+                <a:schemeClr val="bg1"/>
+              </a:solidFill>
+            </a:endParaRPr>
+          </a:p>
+        </p:txBody>
+      </p:sp>
+      <p:sp>
+        <p:nvSpPr>
+          <p:cNvPr id="13" name="TextBox 12"/>
+          <p:cNvSpPr txBox="1"/>
+          <p:nvPr/>
+        </p:nvSpPr>
+        <p:spPr>
+          <a:xfrm>
+            <a:off x="4962404" y="373895"/>
+            <a:ext cx="695445" cy="369332"/>
+          </a:xfrm>
+          <a:prstGeom prst="rect">
+            <a:avLst/>
+          </a:prstGeom>
+          <a:noFill/>
+        </p:spPr>
+        <p:txBody>
+          <a:bodyPr wrap="square" rtlCol="0">
+            <a:spAutoFit/>
+          </a:bodyPr>
+          <a:lstStyle/>
+          <a:p>
+            <a:r>
+              <a:rPr lang="en-US" altLang="ko-KR" dirty="0" smtClean="0"/>
+              <a:t>(b)-1</a:t>
+            </a:r>
+            <a:endParaRPr lang="ko-KR" altLang="en-US" dirty="0"/>
+          </a:p>
+        </p:txBody>
+      </p:sp>
+      <p:sp>
+        <p:nvSpPr>
+          <p:cNvPr id="14" name="TextBox 13"/>
+          <p:cNvSpPr txBox="1"/>
+          <p:nvPr/>
+        </p:nvSpPr>
+        <p:spPr>
+          <a:xfrm>
+            <a:off x="4962405" y="2689329"/>
+            <a:ext cx="695444" cy="369332"/>
+          </a:xfrm>
+          <a:prstGeom prst="rect">
+            <a:avLst/>
+          </a:prstGeom>
+          <a:noFill/>
+        </p:spPr>
+        <p:txBody>
+          <a:bodyPr wrap="square" rtlCol="0">
+            <a:spAutoFit/>
+          </a:bodyPr>
+          <a:lstStyle/>
+          <a:p>
+            <a:r>
+              <a:rPr lang="en-US" altLang="ko-KR" dirty="0" smtClean="0"/>
+              <a:t>(b)-2</a:t>
+            </a:r>
+            <a:endParaRPr lang="ko-KR" altLang="en-US" dirty="0"/>
+          </a:p>
+        </p:txBody>
+      </p:sp>
+      <p:sp>
+        <p:nvSpPr>
+          <p:cNvPr id="15" name="TextBox 14"/>
+          <p:cNvSpPr txBox="1"/>
+          <p:nvPr/>
+        </p:nvSpPr>
+        <p:spPr>
+          <a:xfrm>
+            <a:off x="6129990" y="202567"/>
+            <a:ext cx="1296463" cy="369332"/>
+          </a:xfrm>
+          <a:prstGeom prst="rect">
+            <a:avLst/>
+          </a:prstGeom>
+          <a:noFill/>
+        </p:spPr>
+        <p:txBody>
+          <a:bodyPr wrap="square" rtlCol="0">
+            <a:spAutoFit/>
+          </a:bodyPr>
+          <a:lstStyle/>
+          <a:p>
+            <a:r>
+              <a:rPr lang="en-US" altLang="ko-KR" dirty="0" smtClean="0"/>
+              <a:t>Output 1&amp;2</a:t>
+            </a:r>
+            <a:endParaRPr lang="ko-KR" altLang="en-US" dirty="0"/>
+          </a:p>
+        </p:txBody>
+      </p:sp>
+      <p:sp>
+        <p:nvSpPr>
+          <p:cNvPr id="16" name="위쪽 화살표 15"/>
           <p:cNvSpPr/>
           <p:nvPr/>
         </p:nvSpPr>
         <p:spPr>
           <a:xfrm>
-            <a:off x="4915350" y="3035096"/>
-            <a:ext cx="3480504" cy="3108757"/>
-          </a:xfrm>
-          <a:prstGeom prst="rect">
+            <a:off x="2216325" y="645279"/>
+            <a:ext cx="285630" cy="3383813"/>
+          </a:xfrm>
+          <a:prstGeom prst="upArrow">
             <a:avLst/>
           </a:prstGeom>
-          <a:noFill/>
-          <a:ln w="57150">
+          <a:solidFill>
+            <a:srgbClr val="FFFF00"/>
+          </a:solidFill>
+          <a:ln w="19050">
             <a:solidFill>
-              <a:srgbClr val="FF0000"/>
+              <a:schemeClr val="tx1"/>
             </a:solidFill>
           </a:ln>
         </p:spPr>
@@ -5329,225 +8087,16 @@
           </a:p>
         </p:txBody>
       </p:sp>
-      <p:pic>
-        <p:nvPicPr>
-          <p:cNvPr id="20" name="그림 19"/>
-          <p:cNvPicPr>
-            <a:picLocks noChangeAspect="1"/>
-          </p:cNvPicPr>
-          <p:nvPr/>
-        </p:nvPicPr>
-        <p:blipFill>
-          <a:blip r:embed="rId4"/>
-          <a:stretch>
-            <a:fillRect/>
-          </a:stretch>
-        </p:blipFill>
-        <p:spPr>
-          <a:xfrm>
-            <a:off x="690862" y="3315448"/>
-            <a:ext cx="3600000" cy="2700000"/>
-          </a:xfrm>
-          <a:prstGeom prst="rect">
-            <a:avLst/>
-          </a:prstGeom>
-        </p:spPr>
-      </p:pic>
-      <p:pic>
-        <p:nvPicPr>
-          <p:cNvPr id="23" name="그림 22"/>
-          <p:cNvPicPr>
-            <a:picLocks noChangeAspect="1"/>
-          </p:cNvPicPr>
-          <p:nvPr/>
-        </p:nvPicPr>
-        <p:blipFill>
-          <a:blip r:embed="rId5"/>
-          <a:stretch>
-            <a:fillRect/>
-          </a:stretch>
-        </p:blipFill>
-        <p:spPr>
-          <a:xfrm>
-            <a:off x="4915350" y="3315448"/>
-            <a:ext cx="3600000" cy="2729411"/>
-          </a:xfrm>
-          <a:prstGeom prst="rect">
-            <a:avLst/>
-          </a:prstGeom>
-        </p:spPr>
-      </p:pic>
-      <p:pic>
-        <p:nvPicPr>
-          <p:cNvPr id="24" name="그림 23"/>
-          <p:cNvPicPr>
-            <a:picLocks noChangeAspect="1"/>
-          </p:cNvPicPr>
-          <p:nvPr/>
-        </p:nvPicPr>
-        <p:blipFill rotWithShape="1">
-          <a:blip r:embed="rId6">
-            <a:extLst>
-              <a:ext uri="{28A0092B-C50C-407E-A947-70E740481C1C}">
-                <a14:useLocalDpi xmlns:a14="http://schemas.microsoft.com/office/drawing/2010/main" val="0"/>
-              </a:ext>
-            </a:extLst>
-          </a:blip>
-          <a:srcRect l="6161" t="9483" r="7901" b="48243"/>
-          <a:stretch/>
-        </p:blipFill>
-        <p:spPr>
-          <a:xfrm>
-            <a:off x="922712" y="706107"/>
-            <a:ext cx="5029201" cy="1851608"/>
-          </a:xfrm>
-          <a:prstGeom prst="rect">
-            <a:avLst/>
-          </a:prstGeom>
-        </p:spPr>
-      </p:pic>
-      <p:sp>
-        <p:nvSpPr>
-          <p:cNvPr id="25" name="직사각형 24"/>
-          <p:cNvSpPr/>
-          <p:nvPr/>
-        </p:nvSpPr>
-        <p:spPr>
-          <a:xfrm>
-            <a:off x="2543175" y="847513"/>
-            <a:ext cx="690564" cy="1508760"/>
-          </a:xfrm>
-          <a:prstGeom prst="rect">
-            <a:avLst/>
-          </a:prstGeom>
-          <a:solidFill>
-            <a:srgbClr val="FF0000">
-              <a:alpha val="48000"/>
-            </a:srgbClr>
-          </a:solidFill>
-          <a:ln>
-            <a:noFill/>
-          </a:ln>
-        </p:spPr>
-        <p:style>
-          <a:lnRef idx="2">
-            <a:schemeClr val="accent1">
-              <a:shade val="50000"/>
-            </a:schemeClr>
-          </a:lnRef>
-          <a:fillRef idx="1">
-            <a:schemeClr val="accent1"/>
-          </a:fillRef>
-          <a:effectRef idx="0">
-            <a:schemeClr val="accent1"/>
-          </a:effectRef>
-          <a:fontRef idx="minor">
-            <a:schemeClr val="lt1"/>
-          </a:fontRef>
-        </p:style>
-        <p:txBody>
-          <a:bodyPr rtlCol="0" anchor="ctr"/>
-          <a:lstStyle/>
-          <a:p>
-            <a:pPr algn="ctr"/>
-            <a:endParaRPr lang="ko-KR" altLang="en-US"/>
-          </a:p>
-        </p:txBody>
-      </p:sp>
-      <p:cxnSp>
-        <p:nvCxnSpPr>
-          <p:cNvPr id="27" name="직선 화살표 연결선 26"/>
-          <p:cNvCxnSpPr>
-            <a:stCxn id="25" idx="1"/>
-            <a:endCxn id="25" idx="3"/>
-          </p:cNvCxnSpPr>
-          <p:nvPr/>
-        </p:nvCxnSpPr>
-        <p:spPr>
-          <a:xfrm>
-            <a:off x="2543175" y="1601893"/>
-            <a:ext cx="690564" cy="0"/>
-          </a:xfrm>
-          <a:prstGeom prst="straightConnector1">
-            <a:avLst/>
-          </a:prstGeom>
-          <a:ln w="38100">
-            <a:prstDash val="solid"/>
-            <a:headEnd type="triangle"/>
-            <a:tailEnd type="triangle"/>
-          </a:ln>
-        </p:spPr>
-        <p:style>
-          <a:lnRef idx="1">
-            <a:schemeClr val="dk1"/>
-          </a:lnRef>
-          <a:fillRef idx="0">
-            <a:schemeClr val="dk1"/>
-          </a:fillRef>
-          <a:effectRef idx="0">
-            <a:schemeClr val="dk1"/>
-          </a:effectRef>
-          <a:fontRef idx="minor">
-            <a:schemeClr val="tx1"/>
-          </a:fontRef>
-        </p:style>
-      </p:cxnSp>
-      <p:sp>
-        <p:nvSpPr>
-          <p:cNvPr id="30" name="직사각형 29"/>
-          <p:cNvSpPr/>
-          <p:nvPr/>
-        </p:nvSpPr>
-        <p:spPr>
-          <a:xfrm>
-            <a:off x="2610358" y="2356273"/>
-            <a:ext cx="526542" cy="268963"/>
-          </a:xfrm>
-          <a:prstGeom prst="rect">
-            <a:avLst/>
-          </a:prstGeom>
-          <a:noFill/>
-          <a:ln w="57150">
-            <a:solidFill>
-              <a:srgbClr val="FF0000"/>
-            </a:solidFill>
-          </a:ln>
-        </p:spPr>
-        <p:style>
-          <a:lnRef idx="2">
-            <a:schemeClr val="accent1">
-              <a:shade val="50000"/>
-            </a:schemeClr>
-          </a:lnRef>
-          <a:fillRef idx="1">
-            <a:schemeClr val="accent1"/>
-          </a:fillRef>
-          <a:effectRef idx="0">
-            <a:schemeClr val="accent1"/>
-          </a:effectRef>
-          <a:fontRef idx="minor">
-            <a:schemeClr val="lt1"/>
-          </a:fontRef>
-        </p:style>
-        <p:txBody>
-          <a:bodyPr rtlCol="0" anchor="ctr"/>
-          <a:lstStyle/>
-          <a:p>
-            <a:pPr algn="ctr"/>
-            <a:endParaRPr lang="ko-KR" altLang="en-US"/>
-          </a:p>
-        </p:txBody>
-      </p:sp>
-      <p:sp>
-        <p:nvSpPr>
-          <p:cNvPr id="31" name="TextBox 30"/>
+      <p:sp>
+        <p:nvSpPr>
+          <p:cNvPr id="19" name="TextBox 18"/>
           <p:cNvSpPr txBox="1"/>
           <p:nvPr/>
         </p:nvSpPr>
         <p:spPr>
           <a:xfrm>
-            <a:off x="1974092" y="576684"/>
-            <a:ext cx="1162808" cy="276999"/>
+            <a:off x="7277147" y="1213636"/>
+            <a:ext cx="752948" cy="369332"/>
           </a:xfrm>
           <a:prstGeom prst="rect">
             <a:avLst/>
@@ -5561,201 +8110,31 @@
           <a:lstStyle/>
           <a:p>
             <a:r>
-              <a:rPr lang="en-US" altLang="ko-KR" sz="1200" dirty="0" smtClean="0"/>
-              <a:t>Bandwidth: 100</a:t>
-            </a:r>
-            <a:endParaRPr lang="ko-KR" altLang="en-US" sz="1200" dirty="0"/>
-          </a:p>
-        </p:txBody>
-      </p:sp>
-      <p:cxnSp>
-        <p:nvCxnSpPr>
-          <p:cNvPr id="35" name="직선 연결선 34"/>
-          <p:cNvCxnSpPr>
-            <a:stCxn id="25" idx="0"/>
-            <a:endCxn id="25" idx="2"/>
-          </p:cNvCxnSpPr>
-          <p:nvPr/>
-        </p:nvCxnSpPr>
-        <p:spPr>
-          <a:xfrm>
-            <a:off x="2888457" y="847513"/>
-            <a:ext cx="0" cy="1508760"/>
-          </a:xfrm>
-          <a:prstGeom prst="line">
-            <a:avLst/>
-          </a:prstGeom>
-          <a:ln w="28575">
-            <a:prstDash val="sysDash"/>
-          </a:ln>
-        </p:spPr>
-        <p:style>
-          <a:lnRef idx="1">
-            <a:schemeClr val="dk1"/>
-          </a:lnRef>
-          <a:fillRef idx="0">
-            <a:schemeClr val="dk1"/>
-          </a:fillRef>
-          <a:effectRef idx="0">
-            <a:schemeClr val="dk1"/>
-          </a:effectRef>
-          <a:fontRef idx="minor">
-            <a:schemeClr val="tx1"/>
-          </a:fontRef>
-        </p:style>
-      </p:cxnSp>
-      <mc:AlternateContent xmlns:mc="http://schemas.openxmlformats.org/markup-compatibility/2006" xmlns:a14="http://schemas.microsoft.com/office/drawing/2010/main">
-        <mc:Choice Requires="a14">
-          <p:sp>
-            <p:nvSpPr>
-              <p:cNvPr id="37" name="TextBox 36"/>
-              <p:cNvSpPr txBox="1"/>
-              <p:nvPr/>
-            </p:nvSpPr>
-            <p:spPr>
-              <a:xfrm>
-                <a:off x="6132216" y="1809499"/>
-                <a:ext cx="2357568" cy="430887"/>
-              </a:xfrm>
-              <a:prstGeom prst="rect">
-                <a:avLst/>
-              </a:prstGeom>
-              <a:noFill/>
-            </p:spPr>
-            <p:txBody>
-              <a:bodyPr wrap="none" lIns="0" tIns="0" rIns="0" bIns="0" rtlCol="0">
-                <a:spAutoFit/>
-              </a:bodyPr>
-              <a:lstStyle/>
-              <a:p>
-                <a14:m>
-                  <m:oMath xmlns:m="http://schemas.openxmlformats.org/officeDocument/2006/math">
-                    <m:sSub>
-                      <m:sSubPr>
-                        <m:ctrlPr>
-                          <a:rPr lang="en-US" altLang="ko-KR" sz="1400" b="0" i="1" smtClean="0">
-                            <a:latin typeface="Cambria Math" panose="02040503050406030204" pitchFamily="18" charset="0"/>
-                          </a:rPr>
-                        </m:ctrlPr>
-                      </m:sSubPr>
-                      <m:e>
-                        <m:r>
-                          <a:rPr lang="en-US" altLang="ko-KR" sz="1400" b="0" i="1" smtClean="0">
-                            <a:latin typeface="Cambria Math" panose="02040503050406030204" pitchFamily="18" charset="0"/>
-                          </a:rPr>
-                          <m:t>𝑅</m:t>
-                        </m:r>
-                      </m:e>
-                      <m:sub>
-                        <m:r>
-                          <m:rPr>
-                            <m:sty m:val="p"/>
-                          </m:rPr>
-                          <a:rPr lang="en-US" altLang="ko-KR" sz="1400" b="0" i="0" smtClean="0">
-                            <a:latin typeface="Cambria Math" panose="02040503050406030204" pitchFamily="18" charset="0"/>
-                          </a:rPr>
-                          <m:t>in</m:t>
-                        </m:r>
-                      </m:sub>
-                    </m:sSub>
-                  </m:oMath>
-                </a14:m>
-                <a:r>
-                  <a:rPr lang="en-US" altLang="ko-KR" sz="1400" dirty="0" smtClean="0"/>
-                  <a:t>: mean(inside bandwidth)</a:t>
-                </a:r>
-              </a:p>
-              <a:p>
-                <a14:m>
-                  <m:oMath xmlns:m="http://schemas.openxmlformats.org/officeDocument/2006/math">
-                    <m:sSub>
-                      <m:sSubPr>
-                        <m:ctrlPr>
-                          <a:rPr lang="en-US" altLang="ko-KR" sz="1400" i="1">
-                            <a:latin typeface="Cambria Math" panose="02040503050406030204" pitchFamily="18" charset="0"/>
-                          </a:rPr>
-                        </m:ctrlPr>
-                      </m:sSubPr>
-                      <m:e>
-                        <m:r>
-                          <a:rPr lang="en-US" altLang="ko-KR" sz="1400" i="1">
-                            <a:latin typeface="Cambria Math" panose="02040503050406030204" pitchFamily="18" charset="0"/>
-                          </a:rPr>
-                          <m:t>𝑅</m:t>
-                        </m:r>
-                      </m:e>
-                      <m:sub>
-                        <m:r>
-                          <m:rPr>
-                            <m:sty m:val="p"/>
-                          </m:rPr>
-                          <a:rPr lang="en-US" altLang="ko-KR" sz="1400">
-                            <a:latin typeface="Cambria Math" panose="02040503050406030204" pitchFamily="18" charset="0"/>
-                          </a:rPr>
-                          <m:t>out</m:t>
-                        </m:r>
-                      </m:sub>
-                    </m:sSub>
-                  </m:oMath>
-                </a14:m>
-                <a:r>
-                  <a:rPr lang="en-US" altLang="ko-KR" sz="1400" dirty="0" smtClean="0"/>
-                  <a:t>: mean(outside bandwidth) </a:t>
-                </a:r>
-                <a:endParaRPr lang="ko-KR" altLang="en-US" sz="1400" dirty="0"/>
-              </a:p>
-            </p:txBody>
-          </p:sp>
-        </mc:Choice>
-        <mc:Fallback xmlns="">
-          <p:sp>
-            <p:nvSpPr>
-              <p:cNvPr id="37" name="TextBox 36"/>
-              <p:cNvSpPr txBox="1">
-                <a:spLocks noRot="1" noChangeAspect="1" noMove="1" noResize="1" noEditPoints="1" noAdjustHandles="1" noChangeArrowheads="1" noChangeShapeType="1" noTextEdit="1"/>
-              </p:cNvSpPr>
-              <p:nvPr/>
-            </p:nvSpPr>
-            <p:spPr>
-              <a:xfrm>
-                <a:off x="6132216" y="1809499"/>
-                <a:ext cx="2357568" cy="430887"/>
-              </a:xfrm>
-              <a:prstGeom prst="rect">
-                <a:avLst/>
-              </a:prstGeom>
-              <a:blipFill>
-                <a:blip r:embed="rId7"/>
-                <a:stretch>
-                  <a:fillRect l="-2584" t="-12676" r="-3618" b="-23944"/>
-                </a:stretch>
-              </a:blipFill>
-            </p:spPr>
-            <p:txBody>
-              <a:bodyPr/>
-              <a:lstStyle/>
-              <a:p>
-                <a:r>
-                  <a:rPr lang="ko-KR" altLang="en-US">
-                    <a:noFill/>
-                  </a:rPr>
-                  <a:t> </a:t>
-                </a:r>
-              </a:p>
-            </p:txBody>
-          </p:sp>
-        </mc:Fallback>
-      </mc:AlternateContent>
-      <p:sp>
-        <p:nvSpPr>
-          <p:cNvPr id="39" name="TextBox 38"/>
+              <a:rPr lang="en-US" altLang="ko-KR" dirty="0" smtClean="0">
+                <a:solidFill>
+                  <a:srgbClr val="3333FF"/>
+                </a:solidFill>
+              </a:rPr>
+              <a:t>~ 0.4</a:t>
+            </a:r>
+            <a:endParaRPr lang="ko-KR" altLang="en-US" dirty="0">
+              <a:solidFill>
+                <a:srgbClr val="3333FF"/>
+              </a:solidFill>
+            </a:endParaRPr>
+          </a:p>
+        </p:txBody>
+      </p:sp>
+      <p:sp>
+        <p:nvSpPr>
+          <p:cNvPr id="20" name="TextBox 19"/>
           <p:cNvSpPr txBox="1"/>
           <p:nvPr/>
         </p:nvSpPr>
         <p:spPr>
           <a:xfrm>
-            <a:off x="563313" y="438531"/>
-            <a:ext cx="1106492" cy="369332"/>
+            <a:off x="7277147" y="3669281"/>
+            <a:ext cx="752948" cy="369332"/>
           </a:xfrm>
           <a:prstGeom prst="rect">
             <a:avLst/>
@@ -5769,224 +8148,25 @@
           <a:lstStyle/>
           <a:p>
             <a:r>
-              <a:rPr lang="en-US" altLang="ko-KR" b="1" dirty="0" smtClean="0"/>
-              <a:t>Example</a:t>
-            </a:r>
-            <a:endParaRPr lang="ko-KR" altLang="en-US" b="1" dirty="0"/>
-          </a:p>
-        </p:txBody>
-      </p:sp>
-      <p:sp>
-        <p:nvSpPr>
-          <p:cNvPr id="40" name="TextBox 39"/>
-          <p:cNvSpPr txBox="1"/>
-          <p:nvPr/>
-        </p:nvSpPr>
-        <p:spPr>
-          <a:xfrm>
-            <a:off x="563313" y="2737661"/>
-            <a:ext cx="724467" cy="369332"/>
-          </a:xfrm>
-          <a:prstGeom prst="rect">
-            <a:avLst/>
-          </a:prstGeom>
-          <a:noFill/>
-        </p:spPr>
-        <p:txBody>
-          <a:bodyPr wrap="square" rtlCol="0">
-            <a:spAutoFit/>
-          </a:bodyPr>
-          <a:lstStyle/>
-          <a:p>
-            <a:r>
-              <a:rPr lang="en-US" altLang="ko-KR" b="1" dirty="0" smtClean="0"/>
-              <a:t>FOM</a:t>
-            </a:r>
-            <a:endParaRPr lang="ko-KR" altLang="en-US" b="1" dirty="0"/>
-          </a:p>
-        </p:txBody>
-      </p:sp>
-      <mc:AlternateContent xmlns:mc="http://schemas.openxmlformats.org/markup-compatibility/2006" xmlns:a14="http://schemas.microsoft.com/office/drawing/2010/main">
-        <mc:Choice Requires="a14">
-          <p:sp>
-            <p:nvSpPr>
-              <p:cNvPr id="41" name="직사각형 40"/>
-              <p:cNvSpPr/>
-              <p:nvPr/>
-            </p:nvSpPr>
-            <p:spPr>
-              <a:xfrm>
-                <a:off x="6517094" y="950739"/>
-                <a:ext cx="1171090" cy="657681"/>
-              </a:xfrm>
-              <a:prstGeom prst="rect">
-                <a:avLst/>
-              </a:prstGeom>
-            </p:spPr>
-            <p:txBody>
-              <a:bodyPr wrap="none">
-                <a:spAutoFit/>
-              </a:bodyPr>
-              <a:lstStyle/>
-              <a:p>
-                <a:pPr/>
-                <a14:m>
-                  <m:oMathPara xmlns:m="http://schemas.openxmlformats.org/officeDocument/2006/math">
-                    <m:oMathParaPr>
-                      <m:jc m:val="centerGroup"/>
-                    </m:oMathParaPr>
-                    <m:oMath xmlns:m="http://schemas.openxmlformats.org/officeDocument/2006/math">
-                      <m:sSub>
-                        <m:sSubPr>
-                          <m:ctrlPr>
-                            <a:rPr lang="en-US" altLang="ko-KR" b="0" i="1" smtClean="0">
-                              <a:latin typeface="Cambria Math" panose="02040503050406030204" pitchFamily="18" charset="0"/>
-                            </a:rPr>
-                          </m:ctrlPr>
-                        </m:sSubPr>
-                        <m:e>
-                          <m:r>
-                            <a:rPr lang="en-US" altLang="ko-KR" b="0" i="1" smtClean="0">
-                              <a:latin typeface="Cambria Math" panose="02040503050406030204" pitchFamily="18" charset="0"/>
-                            </a:rPr>
-                            <m:t>𝑃</m:t>
-                          </m:r>
-                        </m:e>
-                        <m:sub>
-                          <m:r>
-                            <a:rPr lang="en-US" altLang="ko-KR" b="0" i="1" smtClean="0">
-                              <a:latin typeface="Cambria Math" panose="02040503050406030204" pitchFamily="18" charset="0"/>
-                            </a:rPr>
-                            <m:t>𝑖</m:t>
-                          </m:r>
-                        </m:sub>
-                      </m:sSub>
-                      <m:r>
-                        <a:rPr lang="en-US" altLang="ko-KR" b="0" i="1" smtClean="0">
-                          <a:latin typeface="Cambria Math" panose="02040503050406030204" pitchFamily="18" charset="0"/>
-                        </a:rPr>
-                        <m:t>=</m:t>
-                      </m:r>
-                      <m:f>
-                        <m:fPr>
-                          <m:ctrlPr>
-                            <a:rPr lang="en-US" altLang="ko-KR" b="0" i="1" smtClean="0">
-                              <a:latin typeface="Cambria Math" panose="02040503050406030204" pitchFamily="18" charset="0"/>
-                            </a:rPr>
-                          </m:ctrlPr>
-                        </m:fPr>
-                        <m:num>
-                          <m:sSub>
-                            <m:sSubPr>
-                              <m:ctrlPr>
-                                <a:rPr lang="en-US" altLang="ko-KR" b="0" i="1" smtClean="0">
-                                  <a:latin typeface="Cambria Math" panose="02040503050406030204" pitchFamily="18" charset="0"/>
-                                </a:rPr>
-                              </m:ctrlPr>
-                            </m:sSubPr>
-                            <m:e>
-                              <m:r>
-                                <a:rPr lang="en-US" altLang="ko-KR" b="0" i="1" smtClean="0">
-                                  <a:latin typeface="Cambria Math" panose="02040503050406030204" pitchFamily="18" charset="0"/>
-                                </a:rPr>
-                                <m:t>𝑅</m:t>
-                              </m:r>
-                            </m:e>
-                            <m:sub>
-                              <m:r>
-                                <m:rPr>
-                                  <m:sty m:val="p"/>
-                                </m:rPr>
-                                <a:rPr lang="en-US" altLang="ko-KR" b="0" i="0" smtClean="0">
-                                  <a:latin typeface="Cambria Math" panose="02040503050406030204" pitchFamily="18" charset="0"/>
-                                </a:rPr>
-                                <m:t>in</m:t>
-                              </m:r>
-                            </m:sub>
-                          </m:sSub>
-                        </m:num>
-                        <m:den>
-                          <m:sSub>
-                            <m:sSubPr>
-                              <m:ctrlPr>
-                                <a:rPr lang="en-US" altLang="ko-KR" b="0" i="1" smtClean="0">
-                                  <a:latin typeface="Cambria Math" panose="02040503050406030204" pitchFamily="18" charset="0"/>
-                                </a:rPr>
-                              </m:ctrlPr>
-                            </m:sSubPr>
-                            <m:e>
-                              <m:r>
-                                <a:rPr lang="en-US" altLang="ko-KR" b="0" i="1" smtClean="0">
-                                  <a:latin typeface="Cambria Math" panose="02040503050406030204" pitchFamily="18" charset="0"/>
-                                </a:rPr>
-                                <m:t>𝑅</m:t>
-                              </m:r>
-                            </m:e>
-                            <m:sub>
-                              <m:r>
-                                <m:rPr>
-                                  <m:sty m:val="p"/>
-                                </m:rPr>
-                                <a:rPr lang="en-US" altLang="ko-KR" b="0" i="0" smtClean="0">
-                                  <a:latin typeface="Cambria Math" panose="02040503050406030204" pitchFamily="18" charset="0"/>
-                                </a:rPr>
-                                <m:t>out</m:t>
-                              </m:r>
-                            </m:sub>
-                          </m:sSub>
-                        </m:den>
-                      </m:f>
-                    </m:oMath>
-                  </m:oMathPara>
-                </a14:m>
-                <a:endParaRPr lang="ko-KR" altLang="en-US" dirty="0"/>
-              </a:p>
-            </p:txBody>
-          </p:sp>
-        </mc:Choice>
-        <mc:Fallback xmlns="">
-          <p:sp>
-            <p:nvSpPr>
-              <p:cNvPr id="41" name="직사각형 40"/>
-              <p:cNvSpPr>
-                <a:spLocks noRot="1" noChangeAspect="1" noMove="1" noResize="1" noEditPoints="1" noAdjustHandles="1" noChangeArrowheads="1" noChangeShapeType="1" noTextEdit="1"/>
-              </p:cNvSpPr>
-              <p:nvPr/>
-            </p:nvSpPr>
-            <p:spPr>
-              <a:xfrm>
-                <a:off x="6517094" y="950739"/>
-                <a:ext cx="1171090" cy="657681"/>
-              </a:xfrm>
-              <a:prstGeom prst="rect">
-                <a:avLst/>
-              </a:prstGeom>
-              <a:blipFill>
-                <a:blip r:embed="rId8"/>
-                <a:stretch>
-                  <a:fillRect/>
-                </a:stretch>
-              </a:blipFill>
-            </p:spPr>
-            <p:txBody>
-              <a:bodyPr/>
-              <a:lstStyle/>
-              <a:p>
-                <a:r>
-                  <a:rPr lang="ko-KR" altLang="en-US">
-                    <a:noFill/>
-                  </a:rPr>
-                  <a:t> </a:t>
-                </a:r>
-              </a:p>
-            </p:txBody>
-          </p:sp>
-        </mc:Fallback>
-      </mc:AlternateContent>
+              <a:rPr lang="en-US" altLang="ko-KR" dirty="0" smtClean="0">
+                <a:solidFill>
+                  <a:srgbClr val="3333FF"/>
+                </a:solidFill>
+              </a:rPr>
+              <a:t>~ 0.2</a:t>
+            </a:r>
+            <a:endParaRPr lang="ko-KR" altLang="en-US" dirty="0">
+              <a:solidFill>
+                <a:srgbClr val="3333FF"/>
+              </a:solidFill>
+            </a:endParaRPr>
+          </a:p>
+        </p:txBody>
+      </p:sp>
     </p:spTree>
     <p:extLst>
       <p:ext uri="{BB962C8B-B14F-4D97-AF65-F5344CB8AC3E}">
-        <p14:creationId xmlns:p14="http://schemas.microsoft.com/office/powerpoint/2010/main" val="1846098952"/>
+        <p14:creationId xmlns:p14="http://schemas.microsoft.com/office/powerpoint/2010/main" val="2086568684"/>
       </p:ext>
     </p:extLst>
   </p:cSld>
